--- a/Docs/24_07.pptx
+++ b/Docs/24_07.pptx
@@ -5,16 +5,21 @@
     <p:sldMasterId id="2147483660" r:id="rId1"/>
   </p:sldMasterIdLst>
   <p:notesMasterIdLst>
-    <p:notesMasterId r:id="rId9"/>
+    <p:notesMasterId r:id="rId14"/>
   </p:notesMasterIdLst>
   <p:sldIdLst>
     <p:sldId id="257" r:id="rId2"/>
-    <p:sldId id="258" r:id="rId3"/>
-    <p:sldId id="259" r:id="rId4"/>
-    <p:sldId id="260" r:id="rId5"/>
-    <p:sldId id="262" r:id="rId6"/>
-    <p:sldId id="261" r:id="rId7"/>
-    <p:sldId id="263" r:id="rId8"/>
+    <p:sldId id="265" r:id="rId3"/>
+    <p:sldId id="270" r:id="rId4"/>
+    <p:sldId id="271" r:id="rId5"/>
+    <p:sldId id="272" r:id="rId6"/>
+    <p:sldId id="266" r:id="rId7"/>
+    <p:sldId id="267" r:id="rId8"/>
+    <p:sldId id="268" r:id="rId9"/>
+    <p:sldId id="269" r:id="rId10"/>
+    <p:sldId id="262" r:id="rId11"/>
+    <p:sldId id="261" r:id="rId12"/>
+    <p:sldId id="263" r:id="rId13"/>
   </p:sldIdLst>
   <p:sldSz cx="9144000" cy="6858000" type="screen4x3"/>
   <p:notesSz cx="6858000" cy="9144000"/>
@@ -198,7 +203,8 @@
           <a:p>
             <a:fld id="{817957CF-AF38-4A03-90E0-1D3B82692469}" type="datetimeFigureOut">
               <a:rPr lang="fr-FR" smtClean="0"/>
-              <a:t>24/07/2014</a:t>
+              <a:pPr/>
+              <a:t>11/08/2014</a:t>
             </a:fld>
             <a:endParaRPr lang="fr-FR"/>
           </a:p>
@@ -359,6 +365,7 @@
           <a:p>
             <a:fld id="{BD7F16B7-98F0-41A0-8187-03D9E1B20DA9}" type="slidenum">
               <a:rPr lang="fr-FR" smtClean="0"/>
+              <a:pPr/>
               <a:t>‹N°›</a:t>
             </a:fld>
             <a:endParaRPr lang="fr-FR"/>
@@ -1121,7 +1128,8 @@
           <a:p>
             <a:fld id="{B738D956-40BB-461F-A282-10486CCCEA5B}" type="datetime1">
               <a:rPr lang="fr-FR" smtClean="0"/>
-              <a:t>24/07/2014</a:t>
+              <a:pPr/>
+              <a:t>11/08/2014</a:t>
             </a:fld>
             <a:endParaRPr lang="fr-BE"/>
           </a:p>
@@ -1309,7 +1317,8 @@
           <a:p>
             <a:fld id="{901BE583-84BA-4F67-9290-8BF8978CA8C8}" type="datetime1">
               <a:rPr lang="fr-FR" smtClean="0"/>
-              <a:t>24/07/2014</a:t>
+              <a:pPr/>
+              <a:t>11/08/2014</a:t>
             </a:fld>
             <a:endParaRPr lang="fr-BE"/>
           </a:p>
@@ -1489,7 +1498,8 @@
           <a:p>
             <a:fld id="{2461551A-CD04-4186-B10F-AE145C65636A}" type="datetime1">
               <a:rPr lang="fr-FR" smtClean="0"/>
-              <a:t>24/07/2014</a:t>
+              <a:pPr/>
+              <a:t>11/08/2014</a:t>
             </a:fld>
             <a:endParaRPr lang="fr-BE"/>
           </a:p>
@@ -1659,7 +1669,8 @@
           <a:p>
             <a:fld id="{FD1EC7F5-A339-4520-969F-B429C4D7C177}" type="datetime1">
               <a:rPr lang="fr-FR" smtClean="0"/>
-              <a:t>24/07/2014</a:t>
+              <a:pPr/>
+              <a:t>11/08/2014</a:t>
             </a:fld>
             <a:endParaRPr lang="fr-BE"/>
           </a:p>
@@ -1885,7 +1896,8 @@
           <a:p>
             <a:fld id="{06C83297-9DC5-44B9-B382-F3C19F20B324}" type="datetime1">
               <a:rPr lang="fr-FR" smtClean="0"/>
-              <a:t>24/07/2014</a:t>
+              <a:pPr/>
+              <a:t>11/08/2014</a:t>
             </a:fld>
             <a:endParaRPr lang="fr-BE"/>
           </a:p>
@@ -2149,7 +2161,8 @@
           <a:p>
             <a:fld id="{7D43E7BC-866A-46E9-96D1-C5CB38D2F03E}" type="datetime1">
               <a:rPr lang="fr-FR" smtClean="0"/>
-              <a:t>24/07/2014</a:t>
+              <a:pPr/>
+              <a:t>11/08/2014</a:t>
             </a:fld>
             <a:endParaRPr lang="fr-BE"/>
           </a:p>
@@ -2558,7 +2571,8 @@
           <a:p>
             <a:fld id="{5D887525-8621-48C9-AA0B-5466C2C9B668}" type="datetime1">
               <a:rPr lang="fr-FR" smtClean="0"/>
-              <a:t>24/07/2014</a:t>
+              <a:pPr/>
+              <a:t>11/08/2014</a:t>
             </a:fld>
             <a:endParaRPr lang="fr-BE"/>
           </a:p>
@@ -2694,7 +2708,8 @@
           <a:p>
             <a:fld id="{44A835B3-24FA-4D6E-A10A-27280180CFD7}" type="datetime1">
               <a:rPr lang="fr-FR" smtClean="0"/>
-              <a:t>24/07/2014</a:t>
+              <a:pPr/>
+              <a:t>11/08/2014</a:t>
             </a:fld>
             <a:endParaRPr lang="fr-BE"/>
           </a:p>
@@ -2799,7 +2814,8 @@
           <a:p>
             <a:fld id="{87EED061-AB63-41EB-B46C-49B203741639}" type="datetime1">
               <a:rPr lang="fr-FR" smtClean="0"/>
-              <a:t>24/07/2014</a:t>
+              <a:pPr/>
+              <a:t>11/08/2014</a:t>
             </a:fld>
             <a:endParaRPr lang="fr-BE"/>
           </a:p>
@@ -3049,7 +3065,8 @@
           <a:p>
             <a:fld id="{81D7AB06-B65F-46C7-A611-C44B0335B17C}" type="datetime1">
               <a:rPr lang="fr-FR" smtClean="0"/>
-              <a:t>24/07/2014</a:t>
+              <a:pPr/>
+              <a:t>11/08/2014</a:t>
             </a:fld>
             <a:endParaRPr lang="fr-BE"/>
           </a:p>
@@ -3298,7 +3315,8 @@
           <a:p>
             <a:fld id="{DC6E1D11-81A4-459E-825B-530737578968}" type="datetime1">
               <a:rPr lang="fr-FR" smtClean="0"/>
-              <a:t>24/07/2014</a:t>
+              <a:pPr/>
+              <a:t>11/08/2014</a:t>
             </a:fld>
             <a:endParaRPr lang="fr-BE"/>
           </a:p>
@@ -4127,7 +4145,8 @@
           <a:p>
             <a:fld id="{9B63C9D4-97D9-42DD-9A59-3B7B2EC2EA68}" type="datetime1">
               <a:rPr lang="fr-FR" smtClean="0"/>
-              <a:t>24/07/2014</a:t>
+              <a:pPr/>
+              <a:t>11/08/2014</a:t>
             </a:fld>
             <a:endParaRPr lang="fr-BE"/>
           </a:p>
@@ -4587,7 +4606,46 @@
             </a:r>
             <a:r>
               <a:rPr lang="fr-FR" dirty="0" smtClean="0"/>
-              <a:t> 24/07/2014</a:t>
+              <a:t> </a:t>
+            </a:r>
+            <a:r>
+              <a:rPr lang="fr-FR" dirty="0" smtClean="0"/>
+              <a:t>14</a:t>
+            </a:r>
+            <a:r>
+              <a:rPr lang="fr-FR" dirty="0" smtClean="0"/>
+              <a:t>/08/2014</a:t>
+            </a:r>
+            <a:endParaRPr lang="fr-FR" dirty="0"/>
+          </a:p>
+        </p:txBody>
+      </p:sp>
+      <p:sp>
+        <p:nvSpPr>
+          <p:cNvPr id="6" name="Espace réservé du pied de page 5"/>
+          <p:cNvSpPr>
+            <a:spLocks noGrp="1"/>
+          </p:cNvSpPr>
+          <p:nvPr>
+            <p:ph type="ftr" sz="quarter" idx="11"/>
+          </p:nvPr>
+        </p:nvSpPr>
+        <p:spPr/>
+        <p:txBody>
+          <a:bodyPr/>
+          <a:lstStyle/>
+          <a:p>
+            <a:r>
+              <a:rPr lang="fr-FR" dirty="0" smtClean="0"/>
+              <a:t>BOYE Jean-Jacques - </a:t>
+            </a:r>
+            <a:r>
+              <a:rPr lang="fr-FR" dirty="0" err="1" smtClean="0"/>
+              <a:t>Ensta</a:t>
+            </a:r>
+            <a:r>
+              <a:rPr lang="fr-FR" dirty="0" smtClean="0"/>
+              <a:t> Bretagne/ UFRGS</a:t>
             </a:r>
             <a:endParaRPr lang="fr-FR" dirty="0"/>
           </a:p>
@@ -4617,37 +4675,6 @@
           </a:prstGeom>
         </p:spPr>
       </p:pic>
-      <p:sp>
-        <p:nvSpPr>
-          <p:cNvPr id="6" name="Espace réservé du pied de page 5"/>
-          <p:cNvSpPr>
-            <a:spLocks noGrp="1"/>
-          </p:cNvSpPr>
-          <p:nvPr>
-            <p:ph type="ftr" sz="quarter" idx="11"/>
-          </p:nvPr>
-        </p:nvSpPr>
-        <p:spPr/>
-        <p:txBody>
-          <a:bodyPr/>
-          <a:lstStyle/>
-          <a:p>
-            <a:r>
-              <a:rPr lang="fr-FR" dirty="0" smtClean="0"/>
-              <a:t>BOYE Jean-Jacques - </a:t>
-            </a:r>
-            <a:r>
-              <a:rPr lang="fr-FR" dirty="0" err="1" smtClean="0"/>
-              <a:t>Ensta</a:t>
-            </a:r>
-            <a:r>
-              <a:rPr lang="fr-FR" dirty="0" smtClean="0"/>
-              <a:t> Bretagne/ UFRGS</a:t>
-            </a:r>
-            <a:endParaRPr lang="fr-FR" dirty="0"/>
-          </a:p>
-        </p:txBody>
-      </p:sp>
     </p:spTree>
   </p:cSld>
   <p:clrMapOvr>
@@ -4663,7 +4690,7 @@
 </p:sld>
 </file>
 
-<file path=ppt/slides/slide2.xml><?xml version="1.0" encoding="utf-8"?>
+<file path=ppt/slides/slide10.xml><?xml version="1.0" encoding="utf-8"?>
 <p:sld xmlns:a="http://schemas.openxmlformats.org/drawingml/2006/main" xmlns:r="http://schemas.openxmlformats.org/officeDocument/2006/relationships" xmlns:p="http://schemas.openxmlformats.org/presentationml/2006/main">
   <p:cSld>
     <p:spTree>
@@ -4696,28 +4723,12 @@
           <a:lstStyle/>
           <a:p>
             <a:r>
-              <a:rPr lang="fr-FR" dirty="0" err="1" smtClean="0"/>
-              <a:t>What</a:t>
-            </a:r>
-            <a:r>
-              <a:rPr lang="fr-FR" dirty="0" smtClean="0"/>
-              <a:t> </a:t>
-            </a:r>
-            <a:r>
-              <a:rPr lang="fr-FR" dirty="0" err="1" smtClean="0"/>
-              <a:t>is</a:t>
-            </a:r>
-            <a:r>
-              <a:rPr lang="fr-FR" dirty="0" smtClean="0"/>
-              <a:t> a </a:t>
-            </a:r>
-            <a:r>
-              <a:rPr lang="fr-FR" dirty="0" err="1" smtClean="0"/>
-              <a:t>chirp</a:t>
-            </a:r>
-            <a:r>
-              <a:rPr lang="fr-FR" dirty="0" smtClean="0"/>
-              <a:t> ?</a:t>
+              <a:rPr lang="fr-FR" dirty="0" smtClean="0"/>
+              <a:t>Operating </a:t>
+            </a:r>
+            <a:r>
+              <a:rPr lang="fr-FR" dirty="0" err="1" smtClean="0"/>
+              <a:t>principle</a:t>
             </a:r>
             <a:endParaRPr lang="fr-FR" dirty="0"/>
           </a:p>
@@ -4733,19 +4744,90 @@
             <p:ph idx="1"/>
           </p:nvPr>
         </p:nvSpPr>
-        <p:spPr>
-          <a:xfrm>
-            <a:off x="457200" y="2249424"/>
-            <a:ext cx="8229600" cy="965262"/>
-          </a:xfrm>
-        </p:spPr>
+        <p:spPr/>
         <p:txBody>
           <a:bodyPr/>
           <a:lstStyle/>
           <a:p>
             <a:r>
               <a:rPr lang="fr-FR" dirty="0" smtClean="0"/>
-              <a:t>A signal in </a:t>
+              <a:t>4 </a:t>
+            </a:r>
+            <a:r>
+              <a:rPr lang="fr-FR" dirty="0" err="1" smtClean="0"/>
+              <a:t>object</a:t>
+            </a:r>
+            <a:r>
+              <a:rPr lang="fr-FR" dirty="0" smtClean="0"/>
+              <a:t>:</a:t>
+            </a:r>
+          </a:p>
+          <a:p>
+            <a:pPr lvl="1"/>
+            <a:r>
+              <a:rPr lang="fr-FR" dirty="0" smtClean="0"/>
+              <a:t>Callback fonction : record the </a:t>
+            </a:r>
+            <a:r>
+              <a:rPr lang="fr-FR" dirty="0" err="1" smtClean="0"/>
+              <a:t>sound</a:t>
+            </a:r>
+            <a:r>
+              <a:rPr lang="fr-FR" dirty="0" smtClean="0"/>
+              <a:t> </a:t>
+            </a:r>
+          </a:p>
+          <a:p>
+            <a:pPr lvl="1"/>
+            <a:r>
+              <a:rPr lang="fr-FR" dirty="0" smtClean="0"/>
+              <a:t>FIFO : store the data</a:t>
+            </a:r>
+          </a:p>
+          <a:p>
+            <a:pPr lvl="1"/>
+            <a:r>
+              <a:rPr lang="fr-FR" dirty="0" err="1" smtClean="0"/>
+              <a:t>Chirp</a:t>
+            </a:r>
+            <a:r>
+              <a:rPr lang="fr-FR" dirty="0" smtClean="0"/>
+              <a:t> </a:t>
+            </a:r>
+            <a:r>
+              <a:rPr lang="fr-FR" dirty="0" err="1" smtClean="0"/>
+              <a:t>detection</a:t>
+            </a:r>
+            <a:r>
+              <a:rPr lang="fr-FR" dirty="0" smtClean="0"/>
+              <a:t>: </a:t>
+            </a:r>
+            <a:r>
+              <a:rPr lang="fr-FR" dirty="0" err="1" smtClean="0"/>
+              <a:t>detect</a:t>
+            </a:r>
+            <a:r>
+              <a:rPr lang="fr-FR" dirty="0" smtClean="0"/>
+              <a:t> the </a:t>
+            </a:r>
+            <a:r>
+              <a:rPr lang="fr-FR" dirty="0" err="1" smtClean="0"/>
+              <a:t>chirp</a:t>
+            </a:r>
+            <a:r>
+              <a:rPr lang="fr-FR" dirty="0" smtClean="0"/>
+              <a:t> </a:t>
+            </a:r>
+          </a:p>
+          <a:p>
+            <a:pPr lvl="1"/>
+            <a:r>
+              <a:rPr lang="fr-FR" dirty="0" err="1" smtClean="0"/>
+              <a:t>Semaphore</a:t>
+            </a:r>
+            <a:r>
+              <a:rPr lang="fr-FR" dirty="0" smtClean="0"/>
+              <a:t> : </a:t>
             </a:r>
             <a:r>
               <a:rPr lang="fr-FR" dirty="0" err="1" smtClean="0"/>
@@ -4753,40 +4835,19 @@
             </a:r>
             <a:r>
               <a:rPr lang="fr-FR" dirty="0" smtClean="0"/>
-              <a:t> the </a:t>
-            </a:r>
-            <a:r>
-              <a:rPr lang="fr-FR" dirty="0" err="1" smtClean="0"/>
-              <a:t>frequency</a:t>
-            </a:r>
-            <a:r>
-              <a:rPr lang="fr-FR" dirty="0" smtClean="0"/>
               <a:t> </a:t>
             </a:r>
             <a:r>
               <a:rPr lang="fr-FR" dirty="0" err="1" smtClean="0"/>
-              <a:t>increase</a:t>
-            </a:r>
-            <a:r>
-              <a:rPr lang="fr-FR" dirty="0" smtClean="0"/>
-              <a:t> or </a:t>
-            </a:r>
-            <a:r>
-              <a:rPr lang="fr-FR" dirty="0" err="1" smtClean="0"/>
-              <a:t>decrease</a:t>
-            </a:r>
-            <a:r>
-              <a:rPr lang="fr-FR" dirty="0" smtClean="0"/>
-              <a:t> </a:t>
-            </a:r>
-            <a:r>
-              <a:rPr lang="fr-FR" dirty="0" err="1" smtClean="0"/>
-              <a:t>with</a:t>
-            </a:r>
-            <a:r>
-              <a:rPr lang="fr-FR" dirty="0" smtClean="0"/>
-              <a:t> time.</a:t>
-            </a:r>
+              <a:t>regulate</a:t>
+            </a:r>
+            <a:r>
+              <a:rPr lang="fr-FR" dirty="0" smtClean="0"/>
+              <a:t> the use of the FIFO</a:t>
+            </a:r>
+          </a:p>
+          <a:p>
+            <a:pPr lvl="1"/>
             <a:endParaRPr lang="fr-FR" dirty="0"/>
           </a:p>
         </p:txBody>
@@ -4814,54 +4875,6 @@
           </a:p>
         </p:txBody>
       </p:sp>
-      <p:pic>
-        <p:nvPicPr>
-          <p:cNvPr id="5" name="Image 4" descr="formula_chirp.png"/>
-          <p:cNvPicPr>
-            <a:picLocks noChangeAspect="1"/>
-          </p:cNvPicPr>
-          <p:nvPr/>
-        </p:nvPicPr>
-        <p:blipFill>
-          <a:blip r:embed="rId2"/>
-          <a:stretch>
-            <a:fillRect/>
-          </a:stretch>
-        </p:blipFill>
-        <p:spPr>
-          <a:xfrm>
-            <a:off x="1857356" y="3214686"/>
-            <a:ext cx="4786346" cy="799946"/>
-          </a:xfrm>
-          <a:prstGeom prst="rect">
-            <a:avLst/>
-          </a:prstGeom>
-        </p:spPr>
-      </p:pic>
-      <p:pic>
-        <p:nvPicPr>
-          <p:cNvPr id="6" name="Image 5" descr="example_chirp.png"/>
-          <p:cNvPicPr>
-            <a:picLocks noChangeAspect="1"/>
-          </p:cNvPicPr>
-          <p:nvPr/>
-        </p:nvPicPr>
-        <p:blipFill>
-          <a:blip r:embed="rId3"/>
-          <a:stretch>
-            <a:fillRect/>
-          </a:stretch>
-        </p:blipFill>
-        <p:spPr>
-          <a:xfrm>
-            <a:off x="1428728" y="4050450"/>
-            <a:ext cx="5929354" cy="2807550"/>
-          </a:xfrm>
-          <a:prstGeom prst="rect">
-            <a:avLst/>
-          </a:prstGeom>
-        </p:spPr>
-      </p:pic>
     </p:spTree>
   </p:cSld>
   <p:clrMapOvr>
@@ -4877,7 +4890,7 @@
 </p:sld>
 </file>
 
-<file path=ppt/slides/slide3.xml><?xml version="1.0" encoding="utf-8"?>
+<file path=ppt/slides/slide11.xml><?xml version="1.0" encoding="utf-8"?>
 <p:sld xmlns:a="http://schemas.openxmlformats.org/drawingml/2006/main" xmlns:r="http://schemas.openxmlformats.org/officeDocument/2006/relationships" xmlns:p="http://schemas.openxmlformats.org/presentationml/2006/main">
   <p:cSld>
     <p:spTree>
@@ -4896,612 +4909,6 @@
       </p:grpSpPr>
       <p:sp>
         <p:nvSpPr>
-          <p:cNvPr id="2" name="Titre 1"/>
-          <p:cNvSpPr>
-            <a:spLocks noGrp="1"/>
-          </p:cNvSpPr>
-          <p:nvPr>
-            <p:ph type="title"/>
-          </p:nvPr>
-        </p:nvSpPr>
-        <p:spPr/>
-        <p:txBody>
-          <a:bodyPr/>
-          <a:lstStyle/>
-          <a:p>
-            <a:r>
-              <a:rPr lang="fr-FR" dirty="0" err="1" smtClean="0"/>
-              <a:t>Why</a:t>
-            </a:r>
-            <a:r>
-              <a:rPr lang="fr-FR" dirty="0" smtClean="0"/>
-              <a:t> </a:t>
-            </a:r>
-            <a:r>
-              <a:rPr lang="fr-FR" dirty="0" err="1" smtClean="0"/>
-              <a:t>is</a:t>
-            </a:r>
-            <a:r>
-              <a:rPr lang="fr-FR" dirty="0" smtClean="0"/>
-              <a:t> </a:t>
-            </a:r>
-            <a:r>
-              <a:rPr lang="fr-FR" dirty="0" err="1" smtClean="0"/>
-              <a:t>chirp</a:t>
-            </a:r>
-            <a:r>
-              <a:rPr lang="fr-FR" dirty="0" smtClean="0"/>
-              <a:t> </a:t>
-            </a:r>
-            <a:r>
-              <a:rPr lang="fr-FR" dirty="0" err="1" smtClean="0"/>
-              <a:t>used</a:t>
-            </a:r>
-            <a:r>
-              <a:rPr lang="fr-FR" dirty="0" smtClean="0"/>
-              <a:t> ?</a:t>
-            </a:r>
-            <a:endParaRPr lang="fr-FR" dirty="0"/>
-          </a:p>
-        </p:txBody>
-      </p:sp>
-      <p:sp>
-        <p:nvSpPr>
-          <p:cNvPr id="4" name="Espace réservé du pied de page 3"/>
-          <p:cNvSpPr>
-            <a:spLocks noGrp="1"/>
-          </p:cNvSpPr>
-          <p:nvPr>
-            <p:ph type="ftr" sz="quarter" idx="11"/>
-          </p:nvPr>
-        </p:nvSpPr>
-        <p:spPr/>
-        <p:txBody>
-          <a:bodyPr/>
-          <a:lstStyle/>
-          <a:p>
-            <a:r>
-              <a:rPr lang="fr-FR" smtClean="0"/>
-              <a:t>BOYE Jean-Jacques - Ensta Bretagne/ UFRGS</a:t>
-            </a:r>
-            <a:endParaRPr lang="fr-BE"/>
-          </a:p>
-        </p:txBody>
-      </p:sp>
-      <p:pic>
-        <p:nvPicPr>
-          <p:cNvPr id="5" name="Image 4" descr="autocorr_simple.png"/>
-          <p:cNvPicPr>
-            <a:picLocks noChangeAspect="1"/>
-          </p:cNvPicPr>
-          <p:nvPr/>
-        </p:nvPicPr>
-        <p:blipFill>
-          <a:blip r:embed="rId2"/>
-          <a:stretch>
-            <a:fillRect/>
-          </a:stretch>
-        </p:blipFill>
-        <p:spPr>
-          <a:xfrm>
-            <a:off x="642910" y="3137151"/>
-            <a:ext cx="7858180" cy="3720849"/>
-          </a:xfrm>
-          <a:prstGeom prst="rect">
-            <a:avLst/>
-          </a:prstGeom>
-        </p:spPr>
-      </p:pic>
-      <p:sp>
-        <p:nvSpPr>
-          <p:cNvPr id="3" name="Espace réservé du contenu 2"/>
-          <p:cNvSpPr>
-            <a:spLocks noGrp="1"/>
-          </p:cNvSpPr>
-          <p:nvPr>
-            <p:ph idx="1"/>
-          </p:nvPr>
-        </p:nvSpPr>
-        <p:spPr>
-          <a:xfrm>
-            <a:off x="457200" y="2249424"/>
-            <a:ext cx="8229600" cy="1179576"/>
-          </a:xfrm>
-        </p:spPr>
-        <p:txBody>
-          <a:bodyPr>
-            <a:normAutofit fontScale="92500" lnSpcReduction="10000"/>
-          </a:bodyPr>
-          <a:lstStyle/>
-          <a:p>
-            <a:r>
-              <a:rPr lang="fr-FR" dirty="0" err="1" smtClean="0"/>
-              <a:t>Compared</a:t>
-            </a:r>
-            <a:r>
-              <a:rPr lang="fr-FR" dirty="0" smtClean="0"/>
-              <a:t> to mono-</a:t>
-            </a:r>
-            <a:r>
-              <a:rPr lang="fr-FR" dirty="0" err="1" smtClean="0"/>
-              <a:t>frequency</a:t>
-            </a:r>
-            <a:r>
-              <a:rPr lang="fr-FR" dirty="0" smtClean="0"/>
-              <a:t> impulsion :</a:t>
-            </a:r>
-          </a:p>
-          <a:p>
-            <a:pPr lvl="1"/>
-            <a:r>
-              <a:rPr lang="fr-FR" dirty="0" err="1" smtClean="0"/>
-              <a:t>Increasing</a:t>
-            </a:r>
-            <a:r>
-              <a:rPr lang="fr-FR" dirty="0" smtClean="0"/>
-              <a:t> the </a:t>
-            </a:r>
-            <a:r>
-              <a:rPr lang="fr-FR" dirty="0" err="1" smtClean="0"/>
-              <a:t>length</a:t>
-            </a:r>
-            <a:r>
-              <a:rPr lang="fr-FR" dirty="0" smtClean="0"/>
-              <a:t> of impulsion </a:t>
-            </a:r>
-            <a:r>
-              <a:rPr lang="fr-FR" dirty="0" err="1" smtClean="0"/>
-              <a:t>decrease</a:t>
-            </a:r>
-            <a:r>
-              <a:rPr lang="fr-FR" dirty="0" smtClean="0"/>
-              <a:t> the </a:t>
-            </a:r>
-            <a:r>
-              <a:rPr lang="fr-FR" dirty="0" err="1" smtClean="0"/>
-              <a:t>precision</a:t>
-            </a:r>
-            <a:r>
-              <a:rPr lang="fr-FR" dirty="0" smtClean="0"/>
-              <a:t> of </a:t>
-            </a:r>
-            <a:r>
-              <a:rPr lang="fr-FR" dirty="0" err="1" smtClean="0"/>
-              <a:t>detection</a:t>
-            </a:r>
-            <a:endParaRPr lang="fr-FR" dirty="0" smtClean="0"/>
-          </a:p>
-        </p:txBody>
-      </p:sp>
-    </p:spTree>
-  </p:cSld>
-  <p:clrMapOvr>
-    <a:masterClrMapping/>
-  </p:clrMapOvr>
-  <p:timing>
-    <p:tnLst>
-      <p:par>
-        <p:cTn id="1" dur="indefinite" restart="never" nodeType="tmRoot"/>
-      </p:par>
-    </p:tnLst>
-  </p:timing>
-</p:sld>
-</file>
-
-<file path=ppt/slides/slide4.xml><?xml version="1.0" encoding="utf-8"?>
-<p:sld xmlns:a="http://schemas.openxmlformats.org/drawingml/2006/main" xmlns:r="http://schemas.openxmlformats.org/officeDocument/2006/relationships" xmlns:p="http://schemas.openxmlformats.org/presentationml/2006/main">
-  <p:cSld>
-    <p:spTree>
-      <p:nvGrpSpPr>
-        <p:cNvPr id="1" name=""/>
-        <p:cNvGrpSpPr/>
-        <p:nvPr/>
-      </p:nvGrpSpPr>
-      <p:grpSpPr>
-        <a:xfrm>
-          <a:off x="0" y="0"/>
-          <a:ext cx="0" cy="0"/>
-          <a:chOff x="0" y="0"/>
-          <a:chExt cx="0" cy="0"/>
-        </a:xfrm>
-      </p:grpSpPr>
-      <p:sp>
-        <p:nvSpPr>
-          <p:cNvPr id="2" name="Titre 1"/>
-          <p:cNvSpPr>
-            <a:spLocks noGrp="1"/>
-          </p:cNvSpPr>
-          <p:nvPr>
-            <p:ph type="title"/>
-          </p:nvPr>
-        </p:nvSpPr>
-        <p:spPr/>
-        <p:txBody>
-          <a:bodyPr/>
-          <a:lstStyle/>
-          <a:p>
-            <a:r>
-              <a:rPr lang="fr-FR" dirty="0" err="1" smtClean="0"/>
-              <a:t>Why</a:t>
-            </a:r>
-            <a:r>
-              <a:rPr lang="fr-FR" dirty="0" smtClean="0"/>
-              <a:t> </a:t>
-            </a:r>
-            <a:r>
-              <a:rPr lang="fr-FR" dirty="0" err="1" smtClean="0"/>
-              <a:t>is</a:t>
-            </a:r>
-            <a:r>
-              <a:rPr lang="fr-FR" dirty="0" smtClean="0"/>
-              <a:t> </a:t>
-            </a:r>
-            <a:r>
-              <a:rPr lang="fr-FR" dirty="0" err="1" smtClean="0"/>
-              <a:t>chirp</a:t>
-            </a:r>
-            <a:r>
-              <a:rPr lang="fr-FR" dirty="0" smtClean="0"/>
-              <a:t> </a:t>
-            </a:r>
-            <a:r>
-              <a:rPr lang="fr-FR" dirty="0" err="1" smtClean="0"/>
-              <a:t>used</a:t>
-            </a:r>
-            <a:r>
-              <a:rPr lang="fr-FR" dirty="0" smtClean="0"/>
-              <a:t> ?</a:t>
-            </a:r>
-            <a:endParaRPr lang="fr-FR" dirty="0"/>
-          </a:p>
-        </p:txBody>
-      </p:sp>
-      <p:sp>
-        <p:nvSpPr>
-          <p:cNvPr id="4" name="Espace réservé du pied de page 3"/>
-          <p:cNvSpPr>
-            <a:spLocks noGrp="1"/>
-          </p:cNvSpPr>
-          <p:nvPr>
-            <p:ph type="ftr" sz="quarter" idx="11"/>
-          </p:nvPr>
-        </p:nvSpPr>
-        <p:spPr/>
-        <p:txBody>
-          <a:bodyPr/>
-          <a:lstStyle/>
-          <a:p>
-            <a:r>
-              <a:rPr lang="fr-FR" smtClean="0"/>
-              <a:t>BOYE Jean-Jacques - Ensta Bretagne/ UFRGS</a:t>
-            </a:r>
-            <a:endParaRPr lang="fr-BE"/>
-          </a:p>
-        </p:txBody>
-      </p:sp>
-      <p:pic>
-        <p:nvPicPr>
-          <p:cNvPr id="6" name="Image 5" descr="corr_noise.png"/>
-          <p:cNvPicPr>
-            <a:picLocks noChangeAspect="1"/>
-          </p:cNvPicPr>
-          <p:nvPr/>
-        </p:nvPicPr>
-        <p:blipFill>
-          <a:blip r:embed="rId2"/>
-          <a:stretch>
-            <a:fillRect/>
-          </a:stretch>
-        </p:blipFill>
-        <p:spPr>
-          <a:xfrm>
-            <a:off x="642910" y="2968037"/>
-            <a:ext cx="8215338" cy="3889963"/>
-          </a:xfrm>
-          <a:prstGeom prst="rect">
-            <a:avLst/>
-          </a:prstGeom>
-        </p:spPr>
-      </p:pic>
-      <p:sp>
-        <p:nvSpPr>
-          <p:cNvPr id="3" name="Espace réservé du contenu 2"/>
-          <p:cNvSpPr>
-            <a:spLocks noGrp="1"/>
-          </p:cNvSpPr>
-          <p:nvPr>
-            <p:ph idx="1"/>
-          </p:nvPr>
-        </p:nvSpPr>
-        <p:spPr>
-          <a:xfrm>
-            <a:off x="457200" y="2249424"/>
-            <a:ext cx="8229600" cy="1465328"/>
-          </a:xfrm>
-        </p:spPr>
-        <p:txBody>
-          <a:bodyPr>
-            <a:normAutofit/>
-          </a:bodyPr>
-          <a:lstStyle/>
-          <a:p>
-            <a:r>
-              <a:rPr lang="fr-FR" dirty="0" err="1" smtClean="0"/>
-              <a:t>Compared</a:t>
-            </a:r>
-            <a:r>
-              <a:rPr lang="fr-FR" dirty="0" smtClean="0"/>
-              <a:t> to mono-</a:t>
-            </a:r>
-            <a:r>
-              <a:rPr lang="fr-FR" dirty="0" err="1" smtClean="0"/>
-              <a:t>frequency</a:t>
-            </a:r>
-            <a:r>
-              <a:rPr lang="fr-FR" dirty="0" smtClean="0"/>
-              <a:t> impulsion :</a:t>
-            </a:r>
-          </a:p>
-          <a:p>
-            <a:pPr lvl="1"/>
-            <a:r>
-              <a:rPr lang="fr-FR" dirty="0" err="1" smtClean="0"/>
-              <a:t>Chirp</a:t>
-            </a:r>
-            <a:r>
-              <a:rPr lang="fr-FR" dirty="0" smtClean="0"/>
-              <a:t> has a </a:t>
-            </a:r>
-            <a:r>
-              <a:rPr lang="fr-FR" dirty="0" err="1" smtClean="0"/>
-              <a:t>better</a:t>
-            </a:r>
-            <a:r>
-              <a:rPr lang="fr-FR" dirty="0" smtClean="0"/>
-              <a:t> noise-</a:t>
-            </a:r>
-            <a:r>
-              <a:rPr lang="fr-FR" dirty="0" err="1" smtClean="0"/>
-              <a:t>resistance</a:t>
-            </a:r>
-            <a:endParaRPr lang="fr-FR" dirty="0"/>
-          </a:p>
-        </p:txBody>
-      </p:sp>
-    </p:spTree>
-  </p:cSld>
-  <p:clrMapOvr>
-    <a:masterClrMapping/>
-  </p:clrMapOvr>
-  <p:timing>
-    <p:tnLst>
-      <p:par>
-        <p:cTn id="1" dur="indefinite" restart="never" nodeType="tmRoot"/>
-      </p:par>
-    </p:tnLst>
-  </p:timing>
-</p:sld>
-</file>
-
-<file path=ppt/slides/slide5.xml><?xml version="1.0" encoding="utf-8"?>
-<p:sld xmlns:a="http://schemas.openxmlformats.org/drawingml/2006/main" xmlns:r="http://schemas.openxmlformats.org/officeDocument/2006/relationships" xmlns:p="http://schemas.openxmlformats.org/presentationml/2006/main">
-  <p:cSld>
-    <p:spTree>
-      <p:nvGrpSpPr>
-        <p:cNvPr id="1" name=""/>
-        <p:cNvGrpSpPr/>
-        <p:nvPr/>
-      </p:nvGrpSpPr>
-      <p:grpSpPr>
-        <a:xfrm>
-          <a:off x="0" y="0"/>
-          <a:ext cx="0" cy="0"/>
-          <a:chOff x="0" y="0"/>
-          <a:chExt cx="0" cy="0"/>
-        </a:xfrm>
-      </p:grpSpPr>
-      <p:sp>
-        <p:nvSpPr>
-          <p:cNvPr id="2" name="Titre 1"/>
-          <p:cNvSpPr>
-            <a:spLocks noGrp="1"/>
-          </p:cNvSpPr>
-          <p:nvPr>
-            <p:ph type="title"/>
-          </p:nvPr>
-        </p:nvSpPr>
-        <p:spPr/>
-        <p:txBody>
-          <a:bodyPr/>
-          <a:lstStyle/>
-          <a:p>
-            <a:r>
-              <a:rPr lang="fr-FR" dirty="0" smtClean="0"/>
-              <a:t>Operating </a:t>
-            </a:r>
-            <a:r>
-              <a:rPr lang="fr-FR" dirty="0" err="1" smtClean="0"/>
-              <a:t>principle</a:t>
-            </a:r>
-            <a:endParaRPr lang="fr-FR" dirty="0"/>
-          </a:p>
-        </p:txBody>
-      </p:sp>
-      <p:sp>
-        <p:nvSpPr>
-          <p:cNvPr id="3" name="Espace réservé du contenu 2"/>
-          <p:cNvSpPr>
-            <a:spLocks noGrp="1"/>
-          </p:cNvSpPr>
-          <p:nvPr>
-            <p:ph idx="1"/>
-          </p:nvPr>
-        </p:nvSpPr>
-        <p:spPr/>
-        <p:txBody>
-          <a:bodyPr/>
-          <a:lstStyle/>
-          <a:p>
-            <a:r>
-              <a:rPr lang="fr-FR" dirty="0" smtClean="0"/>
-              <a:t>4 </a:t>
-            </a:r>
-            <a:r>
-              <a:rPr lang="fr-FR" dirty="0" err="1" smtClean="0"/>
-              <a:t>object</a:t>
-            </a:r>
-            <a:r>
-              <a:rPr lang="fr-FR" dirty="0" smtClean="0"/>
-              <a:t>:</a:t>
-            </a:r>
-          </a:p>
-          <a:p>
-            <a:pPr lvl="1"/>
-            <a:r>
-              <a:rPr lang="fr-FR" dirty="0" smtClean="0"/>
-              <a:t>Callback fonction : record the </a:t>
-            </a:r>
-            <a:r>
-              <a:rPr lang="fr-FR" dirty="0" err="1" smtClean="0"/>
-              <a:t>sound</a:t>
-            </a:r>
-            <a:r>
-              <a:rPr lang="fr-FR" dirty="0" smtClean="0"/>
-              <a:t> </a:t>
-            </a:r>
-          </a:p>
-          <a:p>
-            <a:pPr lvl="1"/>
-            <a:r>
-              <a:rPr lang="fr-FR" dirty="0" smtClean="0"/>
-              <a:t>FIFO : store the data</a:t>
-            </a:r>
-          </a:p>
-          <a:p>
-            <a:pPr lvl="1"/>
-            <a:r>
-              <a:rPr lang="fr-FR" dirty="0" err="1" smtClean="0"/>
-              <a:t>Chirp</a:t>
-            </a:r>
-            <a:r>
-              <a:rPr lang="fr-FR" dirty="0" smtClean="0"/>
-              <a:t> </a:t>
-            </a:r>
-            <a:r>
-              <a:rPr lang="fr-FR" dirty="0" err="1" smtClean="0"/>
-              <a:t>detection</a:t>
-            </a:r>
-            <a:r>
-              <a:rPr lang="fr-FR" dirty="0" smtClean="0"/>
-              <a:t>: </a:t>
-            </a:r>
-            <a:r>
-              <a:rPr lang="fr-FR" dirty="0" err="1" smtClean="0"/>
-              <a:t>detect</a:t>
-            </a:r>
-            <a:r>
-              <a:rPr lang="fr-FR" dirty="0" smtClean="0"/>
-              <a:t> the </a:t>
-            </a:r>
-            <a:r>
-              <a:rPr lang="fr-FR" dirty="0" err="1" smtClean="0"/>
-              <a:t>chirp</a:t>
-            </a:r>
-            <a:r>
-              <a:rPr lang="fr-FR" dirty="0" smtClean="0"/>
-              <a:t> </a:t>
-            </a:r>
-          </a:p>
-          <a:p>
-            <a:pPr lvl="1"/>
-            <a:r>
-              <a:rPr lang="fr-FR" dirty="0" err="1" smtClean="0"/>
-              <a:t>Semaphore</a:t>
-            </a:r>
-            <a:r>
-              <a:rPr lang="fr-FR" dirty="0" smtClean="0"/>
-              <a:t> : </a:t>
-            </a:r>
-            <a:r>
-              <a:rPr lang="fr-FR" dirty="0" err="1" smtClean="0"/>
-              <a:t>which</a:t>
-            </a:r>
-            <a:r>
-              <a:rPr lang="fr-FR" dirty="0" smtClean="0"/>
-              <a:t> </a:t>
-            </a:r>
-            <a:r>
-              <a:rPr lang="fr-FR" dirty="0" err="1" smtClean="0"/>
-              <a:t>regulate</a:t>
-            </a:r>
-            <a:r>
-              <a:rPr lang="fr-FR" dirty="0" smtClean="0"/>
-              <a:t> the use of the FIFO</a:t>
-            </a:r>
-          </a:p>
-          <a:p>
-            <a:pPr lvl="1"/>
-            <a:endParaRPr lang="fr-FR" dirty="0"/>
-          </a:p>
-        </p:txBody>
-      </p:sp>
-      <p:sp>
-        <p:nvSpPr>
-          <p:cNvPr id="4" name="Espace réservé du pied de page 3"/>
-          <p:cNvSpPr>
-            <a:spLocks noGrp="1"/>
-          </p:cNvSpPr>
-          <p:nvPr>
-            <p:ph type="ftr" sz="quarter" idx="11"/>
-          </p:nvPr>
-        </p:nvSpPr>
-        <p:spPr/>
-        <p:txBody>
-          <a:bodyPr/>
-          <a:lstStyle/>
-          <a:p>
-            <a:r>
-              <a:rPr lang="fr-FR" smtClean="0"/>
-              <a:t>BOYE Jean-Jacques - Ensta Bretagne/ UFRGS</a:t>
-            </a:r>
-            <a:endParaRPr lang="fr-BE"/>
-          </a:p>
-        </p:txBody>
-      </p:sp>
-    </p:spTree>
-  </p:cSld>
-  <p:clrMapOvr>
-    <a:masterClrMapping/>
-  </p:clrMapOvr>
-  <p:timing>
-    <p:tnLst>
-      <p:par>
-        <p:cTn id="1" dur="indefinite" restart="never" nodeType="tmRoot"/>
-      </p:par>
-    </p:tnLst>
-  </p:timing>
-</p:sld>
-</file>
-
-<file path=ppt/slides/slide6.xml><?xml version="1.0" encoding="utf-8"?>
-<p:sld xmlns:a="http://schemas.openxmlformats.org/drawingml/2006/main" xmlns:r="http://schemas.openxmlformats.org/officeDocument/2006/relationships" xmlns:p="http://schemas.openxmlformats.org/presentationml/2006/main">
-  <p:cSld>
-    <p:spTree>
-      <p:nvGrpSpPr>
-        <p:cNvPr id="1" name=""/>
-        <p:cNvGrpSpPr/>
-        <p:nvPr/>
-      </p:nvGrpSpPr>
-      <p:grpSpPr>
-        <a:xfrm>
-          <a:off x="0" y="0"/>
-          <a:ext cx="0" cy="0"/>
-          <a:chOff x="0" y="0"/>
-          <a:chExt cx="0" cy="0"/>
-        </a:xfrm>
-      </p:grpSpPr>
-      <p:sp>
-        <p:nvSpPr>
           <p:cNvPr id="30" name="Rectangle 29"/>
           <p:cNvSpPr/>
           <p:nvPr/>
@@ -5622,6 +5029,81 @@
             <a:r>
               <a:rPr lang="fr-FR" dirty="0" err="1" smtClean="0"/>
               <a:t>principle</a:t>
+            </a:r>
+            <a:endParaRPr lang="fr-FR" dirty="0"/>
+          </a:p>
+        </p:txBody>
+      </p:sp>
+      <p:sp>
+        <p:nvSpPr>
+          <p:cNvPr id="34" name="Espace réservé du contenu 2"/>
+          <p:cNvSpPr>
+            <a:spLocks noGrp="1"/>
+          </p:cNvSpPr>
+          <p:nvPr>
+            <p:ph idx="1"/>
+          </p:nvPr>
+        </p:nvSpPr>
+        <p:spPr>
+          <a:xfrm>
+            <a:off x="-500098" y="2786058"/>
+            <a:ext cx="3286148" cy="4325112"/>
+          </a:xfrm>
+        </p:spPr>
+        <p:txBody>
+          <a:bodyPr/>
+          <a:lstStyle/>
+          <a:p>
+            <a:pPr lvl="1"/>
+            <a:r>
+              <a:rPr lang="fr-FR" dirty="0" smtClean="0"/>
+              <a:t>Callback</a:t>
+            </a:r>
+          </a:p>
+          <a:p>
+            <a:pPr lvl="1"/>
+            <a:endParaRPr lang="fr-FR" dirty="0" smtClean="0"/>
+          </a:p>
+          <a:p>
+            <a:pPr lvl="1"/>
+            <a:r>
+              <a:rPr lang="fr-FR" dirty="0" smtClean="0"/>
+              <a:t>FIFO</a:t>
+            </a:r>
+          </a:p>
+          <a:p>
+            <a:pPr lvl="1"/>
+            <a:endParaRPr lang="fr-FR" dirty="0" smtClean="0"/>
+          </a:p>
+          <a:p>
+            <a:pPr lvl="1"/>
+            <a:r>
+              <a:rPr lang="fr-FR" dirty="0" err="1" smtClean="0"/>
+              <a:t>Chirp</a:t>
+            </a:r>
+            <a:r>
+              <a:rPr lang="fr-FR" dirty="0" smtClean="0"/>
+              <a:t> </a:t>
+            </a:r>
+            <a:r>
+              <a:rPr lang="fr-FR" dirty="0" err="1" smtClean="0"/>
+              <a:t>detection</a:t>
+            </a:r>
+            <a:endParaRPr lang="fr-FR" dirty="0" smtClean="0"/>
+          </a:p>
+          <a:p>
+            <a:pPr lvl="1"/>
+            <a:endParaRPr lang="fr-FR" dirty="0" smtClean="0"/>
+          </a:p>
+          <a:p>
+            <a:pPr lvl="1"/>
+            <a:endParaRPr lang="fr-FR" dirty="0" smtClean="0"/>
+          </a:p>
+          <a:p>
+            <a:pPr lvl="1"/>
+            <a:r>
+              <a:rPr lang="fr-FR" dirty="0" err="1" smtClean="0"/>
+              <a:t>Semaphore</a:t>
             </a:r>
             <a:endParaRPr lang="fr-FR" dirty="0"/>
           </a:p>
@@ -5919,81 +5401,6 @@
           </a:prstGeom>
         </p:spPr>
       </p:pic>
-      <p:sp>
-        <p:nvSpPr>
-          <p:cNvPr id="34" name="Espace réservé du contenu 2"/>
-          <p:cNvSpPr>
-            <a:spLocks noGrp="1"/>
-          </p:cNvSpPr>
-          <p:nvPr>
-            <p:ph idx="1"/>
-          </p:nvPr>
-        </p:nvSpPr>
-        <p:spPr>
-          <a:xfrm>
-            <a:off x="-500098" y="2786058"/>
-            <a:ext cx="3286148" cy="4325112"/>
-          </a:xfrm>
-        </p:spPr>
-        <p:txBody>
-          <a:bodyPr/>
-          <a:lstStyle/>
-          <a:p>
-            <a:pPr lvl="1"/>
-            <a:r>
-              <a:rPr lang="fr-FR" dirty="0" smtClean="0"/>
-              <a:t>Callback</a:t>
-            </a:r>
-          </a:p>
-          <a:p>
-            <a:pPr lvl="1"/>
-            <a:endParaRPr lang="fr-FR" dirty="0" smtClean="0"/>
-          </a:p>
-          <a:p>
-            <a:pPr lvl="1"/>
-            <a:r>
-              <a:rPr lang="fr-FR" dirty="0" smtClean="0"/>
-              <a:t>FIFO</a:t>
-            </a:r>
-          </a:p>
-          <a:p>
-            <a:pPr lvl="1"/>
-            <a:endParaRPr lang="fr-FR" dirty="0" smtClean="0"/>
-          </a:p>
-          <a:p>
-            <a:pPr lvl="1"/>
-            <a:r>
-              <a:rPr lang="fr-FR" dirty="0" err="1" smtClean="0"/>
-              <a:t>Chirp</a:t>
-            </a:r>
-            <a:r>
-              <a:rPr lang="fr-FR" dirty="0" smtClean="0"/>
-              <a:t> </a:t>
-            </a:r>
-            <a:r>
-              <a:rPr lang="fr-FR" dirty="0" err="1" smtClean="0"/>
-              <a:t>detection</a:t>
-            </a:r>
-            <a:endParaRPr lang="fr-FR" dirty="0" smtClean="0"/>
-          </a:p>
-          <a:p>
-            <a:pPr lvl="1"/>
-            <a:endParaRPr lang="fr-FR" dirty="0" smtClean="0"/>
-          </a:p>
-          <a:p>
-            <a:pPr lvl="1"/>
-            <a:endParaRPr lang="fr-FR" dirty="0" smtClean="0"/>
-          </a:p>
-          <a:p>
-            <a:pPr lvl="1"/>
-            <a:r>
-              <a:rPr lang="fr-FR" dirty="0" err="1" smtClean="0"/>
-              <a:t>Semaphore</a:t>
-            </a:r>
-            <a:endParaRPr lang="fr-FR" dirty="0"/>
-          </a:p>
-        </p:txBody>
-      </p:sp>
       <p:sp>
         <p:nvSpPr>
           <p:cNvPr id="35" name="Double flèche horizontale 34"/>
@@ -7000,6 +6407,1901 @@
 </p:sld>
 </file>
 
+<file path=ppt/slides/slide12.xml><?xml version="1.0" encoding="utf-8"?>
+<p:sld xmlns:a="http://schemas.openxmlformats.org/drawingml/2006/main" xmlns:r="http://schemas.openxmlformats.org/officeDocument/2006/relationships" xmlns:p="http://schemas.openxmlformats.org/presentationml/2006/main">
+  <p:cSld>
+    <p:spTree>
+      <p:nvGrpSpPr>
+        <p:cNvPr id="1" name=""/>
+        <p:cNvGrpSpPr/>
+        <p:nvPr/>
+      </p:nvGrpSpPr>
+      <p:grpSpPr>
+        <a:xfrm>
+          <a:off x="0" y="0"/>
+          <a:ext cx="0" cy="0"/>
+          <a:chOff x="0" y="0"/>
+          <a:chExt cx="0" cy="0"/>
+        </a:xfrm>
+      </p:grpSpPr>
+      <p:sp>
+        <p:nvSpPr>
+          <p:cNvPr id="2" name="Titre 1"/>
+          <p:cNvSpPr>
+            <a:spLocks noGrp="1"/>
+          </p:cNvSpPr>
+          <p:nvPr>
+            <p:ph type="title"/>
+          </p:nvPr>
+        </p:nvSpPr>
+        <p:spPr/>
+        <p:txBody>
+          <a:bodyPr/>
+          <a:lstStyle/>
+          <a:p>
+            <a:r>
+              <a:rPr lang="fr-FR" dirty="0" err="1" smtClean="0"/>
+              <a:t>Nowadays</a:t>
+            </a:r>
+            <a:endParaRPr lang="fr-FR" dirty="0"/>
+          </a:p>
+        </p:txBody>
+      </p:sp>
+      <p:sp>
+        <p:nvSpPr>
+          <p:cNvPr id="3" name="Espace réservé du contenu 2"/>
+          <p:cNvSpPr>
+            <a:spLocks noGrp="1"/>
+          </p:cNvSpPr>
+          <p:nvPr>
+            <p:ph idx="1"/>
+          </p:nvPr>
+        </p:nvSpPr>
+        <p:spPr/>
+        <p:txBody>
+          <a:bodyPr/>
+          <a:lstStyle/>
+          <a:p>
+            <a:r>
+              <a:rPr lang="fr-FR" dirty="0" err="1" smtClean="0"/>
+              <a:t>Using</a:t>
+            </a:r>
+            <a:r>
+              <a:rPr lang="fr-FR" dirty="0" smtClean="0"/>
+              <a:t> </a:t>
+            </a:r>
+            <a:r>
+              <a:rPr lang="fr-FR" dirty="0" err="1" smtClean="0"/>
+              <a:t>pyAudio</a:t>
+            </a:r>
+            <a:r>
+              <a:rPr lang="fr-FR" dirty="0" smtClean="0"/>
+              <a:t> to </a:t>
+            </a:r>
+            <a:r>
+              <a:rPr lang="fr-FR" dirty="0" err="1" smtClean="0"/>
+              <a:t>access</a:t>
+            </a:r>
+            <a:r>
+              <a:rPr lang="fr-FR" dirty="0" smtClean="0"/>
+              <a:t> the </a:t>
+            </a:r>
+            <a:r>
+              <a:rPr lang="fr-FR" dirty="0" err="1" smtClean="0"/>
+              <a:t>sound</a:t>
+            </a:r>
+            <a:r>
+              <a:rPr lang="fr-FR" dirty="0" smtClean="0"/>
+              <a:t> </a:t>
+            </a:r>
+            <a:r>
+              <a:rPr lang="fr-FR" dirty="0" err="1" smtClean="0"/>
+              <a:t>card</a:t>
+            </a:r>
+            <a:endParaRPr lang="fr-FR" dirty="0" smtClean="0"/>
+          </a:p>
+          <a:p>
+            <a:endParaRPr lang="fr-FR" dirty="0" smtClean="0"/>
+          </a:p>
+          <a:p>
+            <a:r>
+              <a:rPr lang="fr-FR" dirty="0" smtClean="0"/>
+              <a:t>Software </a:t>
+            </a:r>
+            <a:r>
+              <a:rPr lang="fr-FR" dirty="0" err="1" smtClean="0"/>
+              <a:t>works</a:t>
+            </a:r>
+            <a:r>
+              <a:rPr lang="fr-FR" dirty="0" smtClean="0"/>
+              <a:t> </a:t>
+            </a:r>
+            <a:r>
+              <a:rPr lang="fr-FR" dirty="0" err="1" smtClean="0"/>
+              <a:t>great</a:t>
+            </a:r>
+            <a:r>
+              <a:rPr lang="fr-FR" dirty="0" smtClean="0"/>
+              <a:t> on Windows</a:t>
+            </a:r>
+          </a:p>
+          <a:p>
+            <a:pPr lvl="1"/>
+            <a:r>
+              <a:rPr lang="fr-FR" dirty="0" err="1" smtClean="0"/>
+              <a:t>Accurate</a:t>
+            </a:r>
+            <a:r>
+              <a:rPr lang="fr-FR" dirty="0" smtClean="0"/>
+              <a:t> to </a:t>
+            </a:r>
+            <a:r>
+              <a:rPr lang="fr-FR" dirty="0" smtClean="0"/>
+              <a:t>4</a:t>
+            </a:r>
+            <a:r>
+              <a:rPr lang="fr-FR" dirty="0" smtClean="0"/>
+              <a:t>0 </a:t>
+            </a:r>
+            <a:r>
+              <a:rPr lang="fr-FR" dirty="0" err="1" smtClean="0"/>
+              <a:t>centimeter</a:t>
+            </a:r>
+            <a:endParaRPr lang="fr-FR" dirty="0" smtClean="0"/>
+          </a:p>
+          <a:p>
+            <a:r>
+              <a:rPr lang="fr-FR" dirty="0" err="1" smtClean="0"/>
+              <a:t>Does</a:t>
+            </a:r>
+            <a:r>
+              <a:rPr lang="fr-FR" dirty="0" smtClean="0"/>
+              <a:t> not </a:t>
+            </a:r>
+            <a:r>
+              <a:rPr lang="fr-FR" dirty="0" err="1" smtClean="0"/>
+              <a:t>work</a:t>
+            </a:r>
+            <a:r>
+              <a:rPr lang="fr-FR" dirty="0" smtClean="0"/>
+              <a:t> on </a:t>
+            </a:r>
+            <a:r>
+              <a:rPr lang="fr-FR" dirty="0" err="1" smtClean="0"/>
+              <a:t>raspberrypi</a:t>
+            </a:r>
+            <a:r>
+              <a:rPr lang="fr-FR" dirty="0" smtClean="0"/>
+              <a:t> or Linux</a:t>
+            </a:r>
+          </a:p>
+          <a:p>
+            <a:pPr lvl="1"/>
+            <a:r>
+              <a:rPr lang="fr-FR" dirty="0" smtClean="0"/>
+              <a:t>Configuration of the </a:t>
+            </a:r>
+            <a:r>
+              <a:rPr lang="fr-FR" dirty="0" err="1" smtClean="0"/>
+              <a:t>sound</a:t>
+            </a:r>
+            <a:r>
+              <a:rPr lang="fr-FR" dirty="0" smtClean="0"/>
+              <a:t> </a:t>
+            </a:r>
+            <a:r>
+              <a:rPr lang="fr-FR" dirty="0" err="1" smtClean="0"/>
+              <a:t>card</a:t>
+            </a:r>
+            <a:r>
+              <a:rPr lang="fr-FR" dirty="0" smtClean="0"/>
+              <a:t> </a:t>
+            </a:r>
+            <a:r>
+              <a:rPr lang="fr-FR" dirty="0" err="1" smtClean="0"/>
+              <a:t>is</a:t>
+            </a:r>
+            <a:r>
+              <a:rPr lang="fr-FR" dirty="0" smtClean="0"/>
+              <a:t> </a:t>
+            </a:r>
+            <a:r>
+              <a:rPr lang="fr-FR" dirty="0" err="1" smtClean="0"/>
+              <a:t>very</a:t>
+            </a:r>
+            <a:r>
+              <a:rPr lang="fr-FR" dirty="0" smtClean="0"/>
+              <a:t> </a:t>
+            </a:r>
+            <a:r>
+              <a:rPr lang="fr-FR" dirty="0" err="1" smtClean="0"/>
+              <a:t>difficult</a:t>
+            </a:r>
+            <a:endParaRPr lang="fr-FR" dirty="0" smtClean="0"/>
+          </a:p>
+          <a:p>
+            <a:pPr lvl="1"/>
+            <a:r>
+              <a:rPr lang="fr-FR" dirty="0" err="1" smtClean="0"/>
+              <a:t>Latency</a:t>
+            </a:r>
+            <a:r>
+              <a:rPr lang="fr-FR" dirty="0" smtClean="0"/>
+              <a:t> varies </a:t>
+            </a:r>
+            <a:r>
+              <a:rPr lang="fr-FR" dirty="0" err="1" smtClean="0"/>
+              <a:t>with</a:t>
+            </a:r>
+            <a:r>
+              <a:rPr lang="fr-FR" dirty="0" smtClean="0"/>
+              <a:t> </a:t>
+            </a:r>
+            <a:r>
+              <a:rPr lang="fr-FR" dirty="0" smtClean="0"/>
+              <a:t>time</a:t>
+            </a:r>
+          </a:p>
+          <a:p>
+            <a:pPr lvl="1"/>
+            <a:r>
+              <a:rPr lang="fr-FR" dirty="0" smtClean="0"/>
+              <a:t>Not stable (stop </a:t>
+            </a:r>
+            <a:r>
+              <a:rPr lang="fr-FR" dirty="0" err="1" smtClean="0"/>
+              <a:t>working</a:t>
+            </a:r>
+            <a:r>
+              <a:rPr lang="fr-FR" dirty="0" smtClean="0"/>
+              <a:t> </a:t>
+            </a:r>
+            <a:r>
+              <a:rPr lang="fr-FR" dirty="0" err="1" smtClean="0"/>
+              <a:t>after</a:t>
+            </a:r>
+            <a:r>
+              <a:rPr lang="fr-FR" dirty="0" smtClean="0"/>
+              <a:t> multiple test)</a:t>
+            </a:r>
+            <a:endParaRPr lang="fr-FR" dirty="0" smtClean="0"/>
+          </a:p>
+          <a:p>
+            <a:pPr lvl="1"/>
+            <a:endParaRPr lang="fr-FR" dirty="0" smtClean="0"/>
+          </a:p>
+        </p:txBody>
+      </p:sp>
+      <p:sp>
+        <p:nvSpPr>
+          <p:cNvPr id="4" name="Espace réservé du pied de page 3"/>
+          <p:cNvSpPr>
+            <a:spLocks noGrp="1"/>
+          </p:cNvSpPr>
+          <p:nvPr>
+            <p:ph type="ftr" sz="quarter" idx="11"/>
+          </p:nvPr>
+        </p:nvSpPr>
+        <p:spPr/>
+        <p:txBody>
+          <a:bodyPr/>
+          <a:lstStyle/>
+          <a:p>
+            <a:r>
+              <a:rPr lang="fr-FR" smtClean="0"/>
+              <a:t>BOYE Jean-Jacques - Ensta Bretagne/ UFRGS</a:t>
+            </a:r>
+            <a:endParaRPr lang="fr-BE"/>
+          </a:p>
+        </p:txBody>
+      </p:sp>
+    </p:spTree>
+  </p:cSld>
+  <p:clrMapOvr>
+    <a:masterClrMapping/>
+  </p:clrMapOvr>
+  <p:timing>
+    <p:tnLst>
+      <p:par>
+        <p:cTn id="1" dur="indefinite" restart="never" nodeType="tmRoot"/>
+      </p:par>
+    </p:tnLst>
+  </p:timing>
+</p:sld>
+</file>
+
+<file path=ppt/slides/slide2.xml><?xml version="1.0" encoding="utf-8"?>
+<p:sld xmlns:a="http://schemas.openxmlformats.org/drawingml/2006/main" xmlns:r="http://schemas.openxmlformats.org/officeDocument/2006/relationships" xmlns:p="http://schemas.openxmlformats.org/presentationml/2006/main">
+  <p:cSld>
+    <p:spTree>
+      <p:nvGrpSpPr>
+        <p:cNvPr id="1" name=""/>
+        <p:cNvGrpSpPr/>
+        <p:nvPr/>
+      </p:nvGrpSpPr>
+      <p:grpSpPr>
+        <a:xfrm>
+          <a:off x="0" y="0"/>
+          <a:ext cx="0" cy="0"/>
+          <a:chOff x="0" y="0"/>
+          <a:chExt cx="0" cy="0"/>
+        </a:xfrm>
+      </p:grpSpPr>
+      <p:sp>
+        <p:nvSpPr>
+          <p:cNvPr id="2" name="Titre 1"/>
+          <p:cNvSpPr>
+            <a:spLocks noGrp="1"/>
+          </p:cNvSpPr>
+          <p:nvPr>
+            <p:ph type="title"/>
+          </p:nvPr>
+        </p:nvSpPr>
+        <p:spPr/>
+        <p:txBody>
+          <a:bodyPr/>
+          <a:lstStyle/>
+          <a:p>
+            <a:r>
+              <a:rPr lang="fr-FR" dirty="0" err="1" smtClean="0"/>
+              <a:t>Principle</a:t>
+            </a:r>
+            <a:endParaRPr lang="fr-FR" dirty="0"/>
+          </a:p>
+        </p:txBody>
+      </p:sp>
+      <p:sp>
+        <p:nvSpPr>
+          <p:cNvPr id="3" name="Espace réservé du contenu 2"/>
+          <p:cNvSpPr>
+            <a:spLocks noGrp="1"/>
+          </p:cNvSpPr>
+          <p:nvPr>
+            <p:ph idx="1"/>
+          </p:nvPr>
+        </p:nvSpPr>
+        <p:spPr/>
+        <p:txBody>
+          <a:bodyPr/>
+          <a:lstStyle/>
+          <a:p>
+            <a:endParaRPr lang="fr-FR" dirty="0"/>
+          </a:p>
+        </p:txBody>
+      </p:sp>
+      <p:sp>
+        <p:nvSpPr>
+          <p:cNvPr id="4" name="Espace réservé du pied de page 3"/>
+          <p:cNvSpPr>
+            <a:spLocks noGrp="1"/>
+          </p:cNvSpPr>
+          <p:nvPr>
+            <p:ph type="ftr" sz="quarter" idx="11"/>
+          </p:nvPr>
+        </p:nvSpPr>
+        <p:spPr/>
+        <p:txBody>
+          <a:bodyPr/>
+          <a:lstStyle/>
+          <a:p>
+            <a:r>
+              <a:rPr lang="fr-FR" smtClean="0"/>
+              <a:t>BOYE Jean-Jacques - Ensta Bretagne/ UFRGS</a:t>
+            </a:r>
+            <a:endParaRPr lang="fr-BE"/>
+          </a:p>
+        </p:txBody>
+      </p:sp>
+      <p:sp>
+        <p:nvSpPr>
+          <p:cNvPr id="5" name="Rectangle 4"/>
+          <p:cNvSpPr/>
+          <p:nvPr/>
+        </p:nvSpPr>
+        <p:spPr>
+          <a:xfrm>
+            <a:off x="5715008" y="2428868"/>
+            <a:ext cx="1785950" cy="1285884"/>
+          </a:xfrm>
+          <a:prstGeom prst="rect">
+            <a:avLst/>
+          </a:prstGeom>
+        </p:spPr>
+        <p:style>
+          <a:lnRef idx="1">
+            <a:schemeClr val="accent1"/>
+          </a:lnRef>
+          <a:fillRef idx="2">
+            <a:schemeClr val="accent1"/>
+          </a:fillRef>
+          <a:effectRef idx="1">
+            <a:schemeClr val="accent1"/>
+          </a:effectRef>
+          <a:fontRef idx="minor">
+            <a:schemeClr val="dk1"/>
+          </a:fontRef>
+        </p:style>
+        <p:txBody>
+          <a:bodyPr rtlCol="0" anchor="ctr"/>
+          <a:lstStyle/>
+          <a:p>
+            <a:pPr algn="ctr"/>
+            <a:endParaRPr lang="fr-FR"/>
+          </a:p>
+        </p:txBody>
+      </p:sp>
+      <p:sp>
+        <p:nvSpPr>
+          <p:cNvPr id="6" name="Rectangle 5"/>
+          <p:cNvSpPr/>
+          <p:nvPr/>
+        </p:nvSpPr>
+        <p:spPr>
+          <a:xfrm>
+            <a:off x="1142976" y="2428868"/>
+            <a:ext cx="1785950" cy="1285884"/>
+          </a:xfrm>
+          <a:prstGeom prst="rect">
+            <a:avLst/>
+          </a:prstGeom>
+        </p:spPr>
+        <p:style>
+          <a:lnRef idx="1">
+            <a:schemeClr val="accent1"/>
+          </a:lnRef>
+          <a:fillRef idx="2">
+            <a:schemeClr val="accent1"/>
+          </a:fillRef>
+          <a:effectRef idx="1">
+            <a:schemeClr val="accent1"/>
+          </a:effectRef>
+          <a:fontRef idx="minor">
+            <a:schemeClr val="dk1"/>
+          </a:fontRef>
+        </p:style>
+        <p:txBody>
+          <a:bodyPr rtlCol="0" anchor="ctr"/>
+          <a:lstStyle/>
+          <a:p>
+            <a:pPr algn="ctr"/>
+            <a:endParaRPr lang="fr-FR"/>
+          </a:p>
+        </p:txBody>
+      </p:sp>
+      <p:pic>
+        <p:nvPicPr>
+          <p:cNvPr id="7" name="Picture 2" descr="C:\Users\Jean-Jacques\Downloads\1404845986_Wireless_signal.png"/>
+          <p:cNvPicPr>
+            <a:picLocks noChangeAspect="1" noChangeArrowheads="1"/>
+          </p:cNvPicPr>
+          <p:nvPr/>
+        </p:nvPicPr>
+        <p:blipFill>
+          <a:blip r:embed="rId2"/>
+          <a:srcRect/>
+          <a:stretch>
+            <a:fillRect/>
+          </a:stretch>
+        </p:blipFill>
+        <p:spPr bwMode="auto">
+          <a:xfrm>
+            <a:off x="1714480" y="3000372"/>
+            <a:ext cx="609600" cy="609600"/>
+          </a:xfrm>
+          <a:prstGeom prst="rect">
+            <a:avLst/>
+          </a:prstGeom>
+          <a:noFill/>
+        </p:spPr>
+      </p:pic>
+      <p:sp>
+        <p:nvSpPr>
+          <p:cNvPr id="8" name="ZoneTexte 7"/>
+          <p:cNvSpPr txBox="1"/>
+          <p:nvPr/>
+        </p:nvSpPr>
+        <p:spPr>
+          <a:xfrm>
+            <a:off x="1142976" y="2428868"/>
+            <a:ext cx="2000264" cy="369332"/>
+          </a:xfrm>
+          <a:prstGeom prst="rect">
+            <a:avLst/>
+          </a:prstGeom>
+          <a:noFill/>
+        </p:spPr>
+        <p:txBody>
+          <a:bodyPr wrap="square" rtlCol="0">
+            <a:spAutoFit/>
+          </a:bodyPr>
+          <a:lstStyle/>
+          <a:p>
+            <a:r>
+              <a:rPr lang="fr-FR" dirty="0" err="1" smtClean="0"/>
+              <a:t>Acoustic</a:t>
+            </a:r>
+            <a:r>
+              <a:rPr lang="fr-FR" dirty="0" smtClean="0"/>
+              <a:t> </a:t>
+            </a:r>
+            <a:r>
+              <a:rPr lang="fr-FR" dirty="0" err="1" smtClean="0"/>
+              <a:t>beacon</a:t>
+            </a:r>
+            <a:endParaRPr lang="fr-FR" dirty="0"/>
+          </a:p>
+        </p:txBody>
+      </p:sp>
+      <p:sp>
+        <p:nvSpPr>
+          <p:cNvPr id="9" name="ZoneTexte 8"/>
+          <p:cNvSpPr txBox="1"/>
+          <p:nvPr/>
+        </p:nvSpPr>
+        <p:spPr>
+          <a:xfrm>
+            <a:off x="6215074" y="2357430"/>
+            <a:ext cx="857256" cy="369332"/>
+          </a:xfrm>
+          <a:prstGeom prst="rect">
+            <a:avLst/>
+          </a:prstGeom>
+          <a:noFill/>
+        </p:spPr>
+        <p:txBody>
+          <a:bodyPr wrap="square" rtlCol="0">
+            <a:spAutoFit/>
+          </a:bodyPr>
+          <a:lstStyle/>
+          <a:p>
+            <a:r>
+              <a:rPr lang="fr-FR" dirty="0" smtClean="0"/>
+              <a:t>Robot</a:t>
+            </a:r>
+            <a:endParaRPr lang="fr-FR" dirty="0"/>
+          </a:p>
+        </p:txBody>
+      </p:sp>
+      <p:pic>
+        <p:nvPicPr>
+          <p:cNvPr id="10" name="Picture 5" descr="http://cdn.flaticon.com/png/256/16978.png"/>
+          <p:cNvPicPr>
+            <a:picLocks noChangeAspect="1" noChangeArrowheads="1"/>
+          </p:cNvPicPr>
+          <p:nvPr/>
+        </p:nvPicPr>
+        <p:blipFill>
+          <a:blip r:embed="rId3"/>
+          <a:srcRect/>
+          <a:stretch>
+            <a:fillRect/>
+          </a:stretch>
+        </p:blipFill>
+        <p:spPr bwMode="auto">
+          <a:xfrm>
+            <a:off x="6143636" y="2714620"/>
+            <a:ext cx="1009640" cy="1009640"/>
+          </a:xfrm>
+          <a:prstGeom prst="rect">
+            <a:avLst/>
+          </a:prstGeom>
+          <a:noFill/>
+        </p:spPr>
+      </p:pic>
+      <p:sp>
+        <p:nvSpPr>
+          <p:cNvPr id="11" name="ZoneTexte 10"/>
+          <p:cNvSpPr txBox="1"/>
+          <p:nvPr/>
+        </p:nvSpPr>
+        <p:spPr>
+          <a:xfrm>
+            <a:off x="1142976" y="3786190"/>
+            <a:ext cx="1928826" cy="369332"/>
+          </a:xfrm>
+          <a:prstGeom prst="rect">
+            <a:avLst/>
+          </a:prstGeom>
+          <a:noFill/>
+        </p:spPr>
+        <p:txBody>
+          <a:bodyPr wrap="square" rtlCol="0">
+            <a:spAutoFit/>
+          </a:bodyPr>
+          <a:lstStyle/>
+          <a:p>
+            <a:r>
+              <a:rPr lang="fr-FR" dirty="0" smtClean="0"/>
+              <a:t>Auto-calibration</a:t>
+            </a:r>
+            <a:endParaRPr lang="fr-FR" dirty="0"/>
+          </a:p>
+        </p:txBody>
+      </p:sp>
+      <p:sp>
+        <p:nvSpPr>
+          <p:cNvPr id="12" name="ZoneTexte 11"/>
+          <p:cNvSpPr txBox="1"/>
+          <p:nvPr/>
+        </p:nvSpPr>
+        <p:spPr>
+          <a:xfrm>
+            <a:off x="5643570" y="3786190"/>
+            <a:ext cx="1928826" cy="369332"/>
+          </a:xfrm>
+          <a:prstGeom prst="rect">
+            <a:avLst/>
+          </a:prstGeom>
+          <a:noFill/>
+        </p:spPr>
+        <p:txBody>
+          <a:bodyPr wrap="square" rtlCol="0">
+            <a:spAutoFit/>
+          </a:bodyPr>
+          <a:lstStyle/>
+          <a:p>
+            <a:r>
+              <a:rPr lang="fr-FR" strike="sngStrike" dirty="0" smtClean="0">
+                <a:solidFill>
+                  <a:srgbClr val="FF0000"/>
+                </a:solidFill>
+              </a:rPr>
+              <a:t>Auto-calibration</a:t>
+            </a:r>
+            <a:endParaRPr lang="fr-FR" strike="sngStrike" dirty="0">
+              <a:solidFill>
+                <a:srgbClr val="FF0000"/>
+              </a:solidFill>
+            </a:endParaRPr>
+          </a:p>
+        </p:txBody>
+      </p:sp>
+      <p:cxnSp>
+        <p:nvCxnSpPr>
+          <p:cNvPr id="13" name="Connecteur droit avec flèche 12"/>
+          <p:cNvCxnSpPr/>
+          <p:nvPr/>
+        </p:nvCxnSpPr>
+        <p:spPr>
+          <a:xfrm rot="10800000" flipV="1">
+            <a:off x="2928926" y="4502158"/>
+            <a:ext cx="2643206" cy="284164"/>
+          </a:xfrm>
+          <a:prstGeom prst="straightConnector1">
+            <a:avLst/>
+          </a:prstGeom>
+          <a:ln>
+            <a:tailEnd type="arrow"/>
+          </a:ln>
+        </p:spPr>
+        <p:style>
+          <a:lnRef idx="1">
+            <a:schemeClr val="accent1"/>
+          </a:lnRef>
+          <a:fillRef idx="0">
+            <a:schemeClr val="accent1"/>
+          </a:fillRef>
+          <a:effectRef idx="0">
+            <a:schemeClr val="accent1"/>
+          </a:effectRef>
+          <a:fontRef idx="minor">
+            <a:schemeClr val="tx1"/>
+          </a:fontRef>
+        </p:style>
+      </p:cxnSp>
+      <p:sp>
+        <p:nvSpPr>
+          <p:cNvPr id="14" name="ZoneTexte 13"/>
+          <p:cNvSpPr txBox="1"/>
+          <p:nvPr/>
+        </p:nvSpPr>
+        <p:spPr>
+          <a:xfrm>
+            <a:off x="5786446" y="4286256"/>
+            <a:ext cx="1571636" cy="369332"/>
+          </a:xfrm>
+          <a:prstGeom prst="rect">
+            <a:avLst/>
+          </a:prstGeom>
+          <a:noFill/>
+        </p:spPr>
+        <p:txBody>
+          <a:bodyPr wrap="square" rtlCol="0">
+            <a:spAutoFit/>
+          </a:bodyPr>
+          <a:lstStyle/>
+          <a:p>
+            <a:r>
+              <a:rPr lang="fr-FR" dirty="0" err="1" smtClean="0"/>
+              <a:t>send</a:t>
+            </a:r>
+            <a:r>
+              <a:rPr lang="fr-FR" dirty="0" smtClean="0"/>
+              <a:t> </a:t>
+            </a:r>
+            <a:r>
+              <a:rPr lang="fr-FR" dirty="0" err="1"/>
+              <a:t>c</a:t>
+            </a:r>
+            <a:r>
+              <a:rPr lang="fr-FR" dirty="0" err="1" smtClean="0"/>
+              <a:t>hirp</a:t>
+            </a:r>
+            <a:endParaRPr lang="fr-FR" dirty="0"/>
+          </a:p>
+        </p:txBody>
+      </p:sp>
+      <p:sp>
+        <p:nvSpPr>
+          <p:cNvPr id="15" name="ZoneTexte 14"/>
+          <p:cNvSpPr txBox="1"/>
+          <p:nvPr/>
+        </p:nvSpPr>
+        <p:spPr>
+          <a:xfrm>
+            <a:off x="1285852" y="4572008"/>
+            <a:ext cx="1571636" cy="369332"/>
+          </a:xfrm>
+          <a:prstGeom prst="rect">
+            <a:avLst/>
+          </a:prstGeom>
+          <a:noFill/>
+        </p:spPr>
+        <p:txBody>
+          <a:bodyPr wrap="square" rtlCol="0">
+            <a:spAutoFit/>
+          </a:bodyPr>
+          <a:lstStyle/>
+          <a:p>
+            <a:r>
+              <a:rPr lang="fr-FR" dirty="0" err="1" smtClean="0"/>
+              <a:t>receive</a:t>
+            </a:r>
+            <a:r>
+              <a:rPr lang="fr-FR" dirty="0" smtClean="0"/>
+              <a:t> </a:t>
+            </a:r>
+            <a:r>
+              <a:rPr lang="fr-FR" dirty="0" err="1"/>
+              <a:t>c</a:t>
+            </a:r>
+            <a:r>
+              <a:rPr lang="fr-FR" dirty="0" err="1" smtClean="0"/>
+              <a:t>hirp</a:t>
+            </a:r>
+            <a:endParaRPr lang="fr-FR" dirty="0"/>
+          </a:p>
+        </p:txBody>
+      </p:sp>
+      <p:sp>
+        <p:nvSpPr>
+          <p:cNvPr id="16" name="ZoneTexte 15"/>
+          <p:cNvSpPr txBox="1"/>
+          <p:nvPr/>
+        </p:nvSpPr>
+        <p:spPr>
+          <a:xfrm>
+            <a:off x="1285852" y="5000636"/>
+            <a:ext cx="1571636" cy="369332"/>
+          </a:xfrm>
+          <a:prstGeom prst="rect">
+            <a:avLst/>
+          </a:prstGeom>
+          <a:noFill/>
+        </p:spPr>
+        <p:txBody>
+          <a:bodyPr wrap="square" rtlCol="0">
+            <a:spAutoFit/>
+          </a:bodyPr>
+          <a:lstStyle/>
+          <a:p>
+            <a:r>
+              <a:rPr lang="fr-FR" dirty="0" err="1" smtClean="0"/>
+              <a:t>send</a:t>
+            </a:r>
+            <a:r>
+              <a:rPr lang="fr-FR" dirty="0" smtClean="0"/>
+              <a:t> </a:t>
+            </a:r>
+            <a:r>
+              <a:rPr lang="fr-FR" dirty="0" err="1" smtClean="0"/>
+              <a:t>chirp</a:t>
+            </a:r>
+            <a:endParaRPr lang="fr-FR" dirty="0"/>
+          </a:p>
+        </p:txBody>
+      </p:sp>
+      <p:cxnSp>
+        <p:nvCxnSpPr>
+          <p:cNvPr id="17" name="Connecteur droit avec flèche 16"/>
+          <p:cNvCxnSpPr/>
+          <p:nvPr/>
+        </p:nvCxnSpPr>
+        <p:spPr>
+          <a:xfrm>
+            <a:off x="3000364" y="5214950"/>
+            <a:ext cx="2500330" cy="285752"/>
+          </a:xfrm>
+          <a:prstGeom prst="straightConnector1">
+            <a:avLst/>
+          </a:prstGeom>
+          <a:ln>
+            <a:tailEnd type="arrow"/>
+          </a:ln>
+        </p:spPr>
+        <p:style>
+          <a:lnRef idx="1">
+            <a:schemeClr val="accent1"/>
+          </a:lnRef>
+          <a:fillRef idx="0">
+            <a:schemeClr val="accent1"/>
+          </a:fillRef>
+          <a:effectRef idx="0">
+            <a:schemeClr val="accent1"/>
+          </a:effectRef>
+          <a:fontRef idx="minor">
+            <a:schemeClr val="tx1"/>
+          </a:fontRef>
+        </p:style>
+      </p:cxnSp>
+      <p:sp>
+        <p:nvSpPr>
+          <p:cNvPr id="18" name="ZoneTexte 17"/>
+          <p:cNvSpPr txBox="1"/>
+          <p:nvPr/>
+        </p:nvSpPr>
+        <p:spPr>
+          <a:xfrm>
+            <a:off x="5715008" y="5286388"/>
+            <a:ext cx="1571636" cy="369332"/>
+          </a:xfrm>
+          <a:prstGeom prst="rect">
+            <a:avLst/>
+          </a:prstGeom>
+          <a:noFill/>
+        </p:spPr>
+        <p:txBody>
+          <a:bodyPr wrap="square" rtlCol="0">
+            <a:spAutoFit/>
+          </a:bodyPr>
+          <a:lstStyle/>
+          <a:p>
+            <a:r>
+              <a:rPr lang="fr-FR" dirty="0" err="1" smtClean="0"/>
+              <a:t>receive</a:t>
+            </a:r>
+            <a:r>
+              <a:rPr lang="fr-FR" dirty="0" smtClean="0"/>
+              <a:t> </a:t>
+            </a:r>
+            <a:r>
+              <a:rPr lang="fr-FR" dirty="0" err="1"/>
+              <a:t>c</a:t>
+            </a:r>
+            <a:r>
+              <a:rPr lang="fr-FR" dirty="0" err="1" smtClean="0"/>
+              <a:t>hirp</a:t>
+            </a:r>
+            <a:endParaRPr lang="fr-FR" dirty="0"/>
+          </a:p>
+        </p:txBody>
+      </p:sp>
+      <p:sp>
+        <p:nvSpPr>
+          <p:cNvPr id="19" name="ZoneTexte 18"/>
+          <p:cNvSpPr txBox="1"/>
+          <p:nvPr/>
+        </p:nvSpPr>
+        <p:spPr>
+          <a:xfrm>
+            <a:off x="5715008" y="5702850"/>
+            <a:ext cx="2714644" cy="369332"/>
+          </a:xfrm>
+          <a:prstGeom prst="rect">
+            <a:avLst/>
+          </a:prstGeom>
+          <a:noFill/>
+        </p:spPr>
+        <p:txBody>
+          <a:bodyPr wrap="square" rtlCol="0">
+            <a:spAutoFit/>
+          </a:bodyPr>
+          <a:lstStyle/>
+          <a:p>
+            <a:r>
+              <a:rPr lang="fr-FR" dirty="0" err="1" smtClean="0"/>
+              <a:t>Measuring</a:t>
+            </a:r>
+            <a:r>
+              <a:rPr lang="fr-FR" dirty="0" smtClean="0"/>
+              <a:t> time of flight</a:t>
+            </a:r>
+            <a:endParaRPr lang="fr-FR" dirty="0"/>
+          </a:p>
+        </p:txBody>
+      </p:sp>
+    </p:spTree>
+  </p:cSld>
+  <p:clrMapOvr>
+    <a:masterClrMapping/>
+  </p:clrMapOvr>
+  <p:timing>
+    <p:tnLst>
+      <p:par>
+        <p:cTn id="1" dur="indefinite" restart="never" nodeType="tmRoot"/>
+      </p:par>
+    </p:tnLst>
+  </p:timing>
+</p:sld>
+</file>
+
+<file path=ppt/slides/slide3.xml><?xml version="1.0" encoding="utf-8"?>
+<p:sld xmlns:a="http://schemas.openxmlformats.org/drawingml/2006/main" xmlns:r="http://schemas.openxmlformats.org/officeDocument/2006/relationships" xmlns:p="http://schemas.openxmlformats.org/presentationml/2006/main">
+  <p:cSld>
+    <p:spTree>
+      <p:nvGrpSpPr>
+        <p:cNvPr id="1" name=""/>
+        <p:cNvGrpSpPr/>
+        <p:nvPr/>
+      </p:nvGrpSpPr>
+      <p:grpSpPr>
+        <a:xfrm>
+          <a:off x="0" y="0"/>
+          <a:ext cx="0" cy="0"/>
+          <a:chOff x="0" y="0"/>
+          <a:chExt cx="0" cy="0"/>
+        </a:xfrm>
+      </p:grpSpPr>
+      <p:sp>
+        <p:nvSpPr>
+          <p:cNvPr id="2" name="Titre 1"/>
+          <p:cNvSpPr>
+            <a:spLocks noGrp="1"/>
+          </p:cNvSpPr>
+          <p:nvPr>
+            <p:ph type="title"/>
+          </p:nvPr>
+        </p:nvSpPr>
+        <p:spPr/>
+        <p:txBody>
+          <a:bodyPr/>
+          <a:lstStyle/>
+          <a:p>
+            <a:r>
+              <a:rPr lang="fr-FR" dirty="0" err="1" smtClean="0"/>
+              <a:t>What</a:t>
+            </a:r>
+            <a:r>
+              <a:rPr lang="fr-FR" dirty="0" smtClean="0"/>
+              <a:t> </a:t>
+            </a:r>
+            <a:r>
+              <a:rPr lang="fr-FR" dirty="0" err="1" smtClean="0"/>
+              <a:t>is</a:t>
+            </a:r>
+            <a:r>
+              <a:rPr lang="fr-FR" dirty="0" smtClean="0"/>
+              <a:t> a </a:t>
+            </a:r>
+            <a:r>
+              <a:rPr lang="fr-FR" dirty="0" err="1" smtClean="0"/>
+              <a:t>chirp</a:t>
+            </a:r>
+            <a:r>
+              <a:rPr lang="fr-FR" dirty="0" smtClean="0"/>
+              <a:t> ?</a:t>
+            </a:r>
+            <a:endParaRPr lang="fr-FR" dirty="0"/>
+          </a:p>
+        </p:txBody>
+      </p:sp>
+      <p:sp>
+        <p:nvSpPr>
+          <p:cNvPr id="3" name="Espace réservé du contenu 2"/>
+          <p:cNvSpPr>
+            <a:spLocks noGrp="1"/>
+          </p:cNvSpPr>
+          <p:nvPr>
+            <p:ph idx="1"/>
+          </p:nvPr>
+        </p:nvSpPr>
+        <p:spPr>
+          <a:xfrm>
+            <a:off x="457200" y="2249424"/>
+            <a:ext cx="8229600" cy="965262"/>
+          </a:xfrm>
+        </p:spPr>
+        <p:txBody>
+          <a:bodyPr/>
+          <a:lstStyle/>
+          <a:p>
+            <a:r>
+              <a:rPr lang="fr-FR" dirty="0" smtClean="0"/>
+              <a:t>A signal in </a:t>
+            </a:r>
+            <a:r>
+              <a:rPr lang="fr-FR" dirty="0" err="1" smtClean="0"/>
+              <a:t>which</a:t>
+            </a:r>
+            <a:r>
+              <a:rPr lang="fr-FR" dirty="0" smtClean="0"/>
+              <a:t> the </a:t>
+            </a:r>
+            <a:r>
+              <a:rPr lang="fr-FR" dirty="0" err="1" smtClean="0"/>
+              <a:t>frequency</a:t>
+            </a:r>
+            <a:r>
+              <a:rPr lang="fr-FR" dirty="0" smtClean="0"/>
+              <a:t> </a:t>
+            </a:r>
+            <a:r>
+              <a:rPr lang="fr-FR" dirty="0" err="1" smtClean="0"/>
+              <a:t>increase</a:t>
+            </a:r>
+            <a:r>
+              <a:rPr lang="fr-FR" dirty="0" smtClean="0"/>
+              <a:t> or </a:t>
+            </a:r>
+            <a:r>
+              <a:rPr lang="fr-FR" dirty="0" err="1" smtClean="0"/>
+              <a:t>decrease</a:t>
+            </a:r>
+            <a:r>
+              <a:rPr lang="fr-FR" dirty="0" smtClean="0"/>
+              <a:t> </a:t>
+            </a:r>
+            <a:r>
+              <a:rPr lang="fr-FR" dirty="0" err="1" smtClean="0"/>
+              <a:t>with</a:t>
+            </a:r>
+            <a:r>
+              <a:rPr lang="fr-FR" dirty="0" smtClean="0"/>
+              <a:t> time.</a:t>
+            </a:r>
+            <a:endParaRPr lang="fr-FR" dirty="0"/>
+          </a:p>
+        </p:txBody>
+      </p:sp>
+      <p:sp>
+        <p:nvSpPr>
+          <p:cNvPr id="4" name="Espace réservé du pied de page 3"/>
+          <p:cNvSpPr>
+            <a:spLocks noGrp="1"/>
+          </p:cNvSpPr>
+          <p:nvPr>
+            <p:ph type="ftr" sz="quarter" idx="11"/>
+          </p:nvPr>
+        </p:nvSpPr>
+        <p:spPr/>
+        <p:txBody>
+          <a:bodyPr/>
+          <a:lstStyle/>
+          <a:p>
+            <a:r>
+              <a:rPr lang="fr-FR" smtClean="0"/>
+              <a:t>BOYE Jean-Jacques - Ensta Bretagne/ UFRGS</a:t>
+            </a:r>
+            <a:endParaRPr lang="fr-BE"/>
+          </a:p>
+        </p:txBody>
+      </p:sp>
+      <p:pic>
+        <p:nvPicPr>
+          <p:cNvPr id="5" name="Image 4" descr="formula_chirp.png"/>
+          <p:cNvPicPr>
+            <a:picLocks noChangeAspect="1"/>
+          </p:cNvPicPr>
+          <p:nvPr/>
+        </p:nvPicPr>
+        <p:blipFill>
+          <a:blip r:embed="rId2"/>
+          <a:stretch>
+            <a:fillRect/>
+          </a:stretch>
+        </p:blipFill>
+        <p:spPr>
+          <a:xfrm>
+            <a:off x="1857356" y="3214686"/>
+            <a:ext cx="4786346" cy="799946"/>
+          </a:xfrm>
+          <a:prstGeom prst="rect">
+            <a:avLst/>
+          </a:prstGeom>
+        </p:spPr>
+      </p:pic>
+      <p:pic>
+        <p:nvPicPr>
+          <p:cNvPr id="6" name="Image 5" descr="example_chirp.png"/>
+          <p:cNvPicPr>
+            <a:picLocks noChangeAspect="1"/>
+          </p:cNvPicPr>
+          <p:nvPr/>
+        </p:nvPicPr>
+        <p:blipFill>
+          <a:blip r:embed="rId3"/>
+          <a:stretch>
+            <a:fillRect/>
+          </a:stretch>
+        </p:blipFill>
+        <p:spPr>
+          <a:xfrm>
+            <a:off x="1428728" y="4050450"/>
+            <a:ext cx="5929354" cy="2807550"/>
+          </a:xfrm>
+          <a:prstGeom prst="rect">
+            <a:avLst/>
+          </a:prstGeom>
+        </p:spPr>
+      </p:pic>
+    </p:spTree>
+  </p:cSld>
+  <p:clrMapOvr>
+    <a:masterClrMapping/>
+  </p:clrMapOvr>
+  <p:timing>
+    <p:tnLst>
+      <p:par>
+        <p:cTn id="1" dur="indefinite" restart="never" nodeType="tmRoot"/>
+      </p:par>
+    </p:tnLst>
+  </p:timing>
+</p:sld>
+</file>
+
+<file path=ppt/slides/slide4.xml><?xml version="1.0" encoding="utf-8"?>
+<p:sld xmlns:a="http://schemas.openxmlformats.org/drawingml/2006/main" xmlns:r="http://schemas.openxmlformats.org/officeDocument/2006/relationships" xmlns:p="http://schemas.openxmlformats.org/presentationml/2006/main">
+  <p:cSld>
+    <p:spTree>
+      <p:nvGrpSpPr>
+        <p:cNvPr id="1" name=""/>
+        <p:cNvGrpSpPr/>
+        <p:nvPr/>
+      </p:nvGrpSpPr>
+      <p:grpSpPr>
+        <a:xfrm>
+          <a:off x="0" y="0"/>
+          <a:ext cx="0" cy="0"/>
+          <a:chOff x="0" y="0"/>
+          <a:chExt cx="0" cy="0"/>
+        </a:xfrm>
+      </p:grpSpPr>
+      <p:sp>
+        <p:nvSpPr>
+          <p:cNvPr id="2" name="Titre 1"/>
+          <p:cNvSpPr>
+            <a:spLocks noGrp="1"/>
+          </p:cNvSpPr>
+          <p:nvPr>
+            <p:ph type="title"/>
+          </p:nvPr>
+        </p:nvSpPr>
+        <p:spPr/>
+        <p:txBody>
+          <a:bodyPr/>
+          <a:lstStyle/>
+          <a:p>
+            <a:r>
+              <a:rPr lang="fr-FR" dirty="0" err="1" smtClean="0"/>
+              <a:t>Why</a:t>
+            </a:r>
+            <a:r>
+              <a:rPr lang="fr-FR" dirty="0" smtClean="0"/>
+              <a:t> </a:t>
+            </a:r>
+            <a:r>
+              <a:rPr lang="fr-FR" dirty="0" err="1" smtClean="0"/>
+              <a:t>is</a:t>
+            </a:r>
+            <a:r>
+              <a:rPr lang="fr-FR" dirty="0" smtClean="0"/>
+              <a:t> </a:t>
+            </a:r>
+            <a:r>
+              <a:rPr lang="fr-FR" dirty="0" err="1" smtClean="0"/>
+              <a:t>chirp</a:t>
+            </a:r>
+            <a:r>
+              <a:rPr lang="fr-FR" dirty="0" smtClean="0"/>
+              <a:t> </a:t>
+            </a:r>
+            <a:r>
+              <a:rPr lang="fr-FR" dirty="0" err="1" smtClean="0"/>
+              <a:t>used</a:t>
+            </a:r>
+            <a:r>
+              <a:rPr lang="fr-FR" dirty="0" smtClean="0"/>
+              <a:t> ?</a:t>
+            </a:r>
+            <a:endParaRPr lang="fr-FR" dirty="0"/>
+          </a:p>
+        </p:txBody>
+      </p:sp>
+      <p:sp>
+        <p:nvSpPr>
+          <p:cNvPr id="3" name="Espace réservé du contenu 2"/>
+          <p:cNvSpPr>
+            <a:spLocks noGrp="1"/>
+          </p:cNvSpPr>
+          <p:nvPr>
+            <p:ph idx="1"/>
+          </p:nvPr>
+        </p:nvSpPr>
+        <p:spPr>
+          <a:xfrm>
+            <a:off x="428596" y="2071678"/>
+            <a:ext cx="8229600" cy="1179576"/>
+          </a:xfrm>
+        </p:spPr>
+        <p:txBody>
+          <a:bodyPr>
+            <a:normAutofit fontScale="92500" lnSpcReduction="10000"/>
+          </a:bodyPr>
+          <a:lstStyle/>
+          <a:p>
+            <a:r>
+              <a:rPr lang="fr-FR" dirty="0" err="1" smtClean="0"/>
+              <a:t>Compared</a:t>
+            </a:r>
+            <a:r>
+              <a:rPr lang="fr-FR" dirty="0" smtClean="0"/>
+              <a:t> to mono-</a:t>
+            </a:r>
+            <a:r>
+              <a:rPr lang="fr-FR" dirty="0" err="1" smtClean="0"/>
+              <a:t>frequency</a:t>
+            </a:r>
+            <a:r>
+              <a:rPr lang="fr-FR" dirty="0" smtClean="0"/>
+              <a:t> impulsion :</a:t>
+            </a:r>
+          </a:p>
+          <a:p>
+            <a:pPr lvl="1"/>
+            <a:r>
+              <a:rPr lang="fr-FR" dirty="0" err="1" smtClean="0"/>
+              <a:t>Increasing</a:t>
+            </a:r>
+            <a:r>
+              <a:rPr lang="fr-FR" dirty="0" smtClean="0"/>
+              <a:t> the </a:t>
+            </a:r>
+            <a:r>
+              <a:rPr lang="fr-FR" dirty="0" err="1" smtClean="0"/>
+              <a:t>length</a:t>
+            </a:r>
+            <a:r>
+              <a:rPr lang="fr-FR" dirty="0" smtClean="0"/>
+              <a:t> of impulsion </a:t>
+            </a:r>
+            <a:r>
+              <a:rPr lang="fr-FR" dirty="0" err="1" smtClean="0"/>
+              <a:t>decrease</a:t>
+            </a:r>
+            <a:r>
+              <a:rPr lang="fr-FR" dirty="0" smtClean="0"/>
+              <a:t> the </a:t>
+            </a:r>
+            <a:r>
+              <a:rPr lang="fr-FR" dirty="0" err="1" smtClean="0"/>
+              <a:t>precision</a:t>
+            </a:r>
+            <a:r>
+              <a:rPr lang="fr-FR" dirty="0" smtClean="0"/>
+              <a:t> of </a:t>
+            </a:r>
+            <a:r>
+              <a:rPr lang="fr-FR" dirty="0" err="1" smtClean="0"/>
+              <a:t>detection</a:t>
+            </a:r>
+            <a:endParaRPr lang="fr-FR" dirty="0" smtClean="0"/>
+          </a:p>
+        </p:txBody>
+      </p:sp>
+      <p:sp>
+        <p:nvSpPr>
+          <p:cNvPr id="4" name="Espace réservé du pied de page 3"/>
+          <p:cNvSpPr>
+            <a:spLocks noGrp="1"/>
+          </p:cNvSpPr>
+          <p:nvPr>
+            <p:ph type="ftr" sz="quarter" idx="11"/>
+          </p:nvPr>
+        </p:nvSpPr>
+        <p:spPr/>
+        <p:txBody>
+          <a:bodyPr/>
+          <a:lstStyle/>
+          <a:p>
+            <a:r>
+              <a:rPr lang="fr-FR" smtClean="0"/>
+              <a:t>BOYE Jean-Jacques - Ensta Bretagne/ UFRGS</a:t>
+            </a:r>
+            <a:endParaRPr lang="fr-BE"/>
+          </a:p>
+        </p:txBody>
+      </p:sp>
+      <p:pic>
+        <p:nvPicPr>
+          <p:cNvPr id="5" name="Image 4" descr="autocorr_simple.png"/>
+          <p:cNvPicPr>
+            <a:picLocks noChangeAspect="1"/>
+          </p:cNvPicPr>
+          <p:nvPr/>
+        </p:nvPicPr>
+        <p:blipFill>
+          <a:blip r:embed="rId2"/>
+          <a:stretch>
+            <a:fillRect/>
+          </a:stretch>
+        </p:blipFill>
+        <p:spPr>
+          <a:xfrm>
+            <a:off x="642910" y="3137151"/>
+            <a:ext cx="7858180" cy="3720849"/>
+          </a:xfrm>
+          <a:prstGeom prst="rect">
+            <a:avLst/>
+          </a:prstGeom>
+        </p:spPr>
+      </p:pic>
+    </p:spTree>
+  </p:cSld>
+  <p:clrMapOvr>
+    <a:masterClrMapping/>
+  </p:clrMapOvr>
+  <p:timing>
+    <p:tnLst>
+      <p:par>
+        <p:cTn id="1" dur="indefinite" restart="never" nodeType="tmRoot"/>
+      </p:par>
+    </p:tnLst>
+  </p:timing>
+</p:sld>
+</file>
+
+<file path=ppt/slides/slide5.xml><?xml version="1.0" encoding="utf-8"?>
+<p:sld xmlns:a="http://schemas.openxmlformats.org/drawingml/2006/main" xmlns:r="http://schemas.openxmlformats.org/officeDocument/2006/relationships" xmlns:p="http://schemas.openxmlformats.org/presentationml/2006/main">
+  <p:cSld>
+    <p:spTree>
+      <p:nvGrpSpPr>
+        <p:cNvPr id="1" name=""/>
+        <p:cNvGrpSpPr/>
+        <p:nvPr/>
+      </p:nvGrpSpPr>
+      <p:grpSpPr>
+        <a:xfrm>
+          <a:off x="0" y="0"/>
+          <a:ext cx="0" cy="0"/>
+          <a:chOff x="0" y="0"/>
+          <a:chExt cx="0" cy="0"/>
+        </a:xfrm>
+      </p:grpSpPr>
+      <p:sp>
+        <p:nvSpPr>
+          <p:cNvPr id="2" name="Titre 1"/>
+          <p:cNvSpPr>
+            <a:spLocks noGrp="1"/>
+          </p:cNvSpPr>
+          <p:nvPr>
+            <p:ph type="title"/>
+          </p:nvPr>
+        </p:nvSpPr>
+        <p:spPr/>
+        <p:txBody>
+          <a:bodyPr/>
+          <a:lstStyle/>
+          <a:p>
+            <a:r>
+              <a:rPr lang="fr-FR" dirty="0" err="1" smtClean="0"/>
+              <a:t>Why</a:t>
+            </a:r>
+            <a:r>
+              <a:rPr lang="fr-FR" dirty="0" smtClean="0"/>
+              <a:t> </a:t>
+            </a:r>
+            <a:r>
+              <a:rPr lang="fr-FR" dirty="0" err="1" smtClean="0"/>
+              <a:t>is</a:t>
+            </a:r>
+            <a:r>
+              <a:rPr lang="fr-FR" dirty="0" smtClean="0"/>
+              <a:t> </a:t>
+            </a:r>
+            <a:r>
+              <a:rPr lang="fr-FR" dirty="0" err="1" smtClean="0"/>
+              <a:t>chirp</a:t>
+            </a:r>
+            <a:r>
+              <a:rPr lang="fr-FR" dirty="0" smtClean="0"/>
+              <a:t> </a:t>
+            </a:r>
+            <a:r>
+              <a:rPr lang="fr-FR" dirty="0" err="1" smtClean="0"/>
+              <a:t>used</a:t>
+            </a:r>
+            <a:r>
+              <a:rPr lang="fr-FR" dirty="0" smtClean="0"/>
+              <a:t> ?</a:t>
+            </a:r>
+            <a:endParaRPr lang="fr-FR" dirty="0"/>
+          </a:p>
+        </p:txBody>
+      </p:sp>
+      <p:sp>
+        <p:nvSpPr>
+          <p:cNvPr id="3" name="Espace réservé du contenu 2"/>
+          <p:cNvSpPr>
+            <a:spLocks noGrp="1"/>
+          </p:cNvSpPr>
+          <p:nvPr>
+            <p:ph idx="1"/>
+          </p:nvPr>
+        </p:nvSpPr>
+        <p:spPr>
+          <a:xfrm>
+            <a:off x="457200" y="1928802"/>
+            <a:ext cx="8229600" cy="1465328"/>
+          </a:xfrm>
+        </p:spPr>
+        <p:txBody>
+          <a:bodyPr>
+            <a:normAutofit/>
+          </a:bodyPr>
+          <a:lstStyle/>
+          <a:p>
+            <a:r>
+              <a:rPr lang="fr-FR" dirty="0" err="1" smtClean="0"/>
+              <a:t>Compared</a:t>
+            </a:r>
+            <a:r>
+              <a:rPr lang="fr-FR" dirty="0" smtClean="0"/>
+              <a:t> to mono-</a:t>
+            </a:r>
+            <a:r>
+              <a:rPr lang="fr-FR" dirty="0" err="1" smtClean="0"/>
+              <a:t>frequency</a:t>
+            </a:r>
+            <a:r>
+              <a:rPr lang="fr-FR" dirty="0" smtClean="0"/>
+              <a:t> impulsion :</a:t>
+            </a:r>
+          </a:p>
+          <a:p>
+            <a:pPr lvl="1"/>
+            <a:r>
+              <a:rPr lang="fr-FR" dirty="0" err="1" smtClean="0"/>
+              <a:t>Chirp</a:t>
+            </a:r>
+            <a:r>
+              <a:rPr lang="fr-FR" dirty="0" smtClean="0"/>
+              <a:t> has a </a:t>
+            </a:r>
+            <a:r>
+              <a:rPr lang="fr-FR" dirty="0" err="1" smtClean="0"/>
+              <a:t>better</a:t>
+            </a:r>
+            <a:r>
+              <a:rPr lang="fr-FR" dirty="0" smtClean="0"/>
+              <a:t> noise-</a:t>
+            </a:r>
+            <a:r>
+              <a:rPr lang="fr-FR" dirty="0" err="1" smtClean="0"/>
+              <a:t>resistance</a:t>
+            </a:r>
+            <a:endParaRPr lang="fr-FR" dirty="0"/>
+          </a:p>
+        </p:txBody>
+      </p:sp>
+      <p:sp>
+        <p:nvSpPr>
+          <p:cNvPr id="4" name="Espace réservé du pied de page 3"/>
+          <p:cNvSpPr>
+            <a:spLocks noGrp="1"/>
+          </p:cNvSpPr>
+          <p:nvPr>
+            <p:ph type="ftr" sz="quarter" idx="11"/>
+          </p:nvPr>
+        </p:nvSpPr>
+        <p:spPr/>
+        <p:txBody>
+          <a:bodyPr/>
+          <a:lstStyle/>
+          <a:p>
+            <a:r>
+              <a:rPr lang="fr-FR" smtClean="0"/>
+              <a:t>BOYE Jean-Jacques - Ensta Bretagne/ UFRGS</a:t>
+            </a:r>
+            <a:endParaRPr lang="fr-BE"/>
+          </a:p>
+        </p:txBody>
+      </p:sp>
+      <p:pic>
+        <p:nvPicPr>
+          <p:cNvPr id="6" name="Image 5" descr="corr_noise.png"/>
+          <p:cNvPicPr>
+            <a:picLocks noChangeAspect="1"/>
+          </p:cNvPicPr>
+          <p:nvPr/>
+        </p:nvPicPr>
+        <p:blipFill>
+          <a:blip r:embed="rId2"/>
+          <a:stretch>
+            <a:fillRect/>
+          </a:stretch>
+        </p:blipFill>
+        <p:spPr>
+          <a:xfrm>
+            <a:off x="642910" y="2968037"/>
+            <a:ext cx="8215338" cy="3889963"/>
+          </a:xfrm>
+          <a:prstGeom prst="rect">
+            <a:avLst/>
+          </a:prstGeom>
+        </p:spPr>
+      </p:pic>
+    </p:spTree>
+  </p:cSld>
+  <p:clrMapOvr>
+    <a:masterClrMapping/>
+  </p:clrMapOvr>
+  <p:timing>
+    <p:tnLst>
+      <p:par>
+        <p:cTn id="1" dur="indefinite" restart="never" nodeType="tmRoot"/>
+      </p:par>
+    </p:tnLst>
+  </p:timing>
+</p:sld>
+</file>
+
+<file path=ppt/slides/slide6.xml><?xml version="1.0" encoding="utf-8"?>
+<p:sld xmlns:a="http://schemas.openxmlformats.org/drawingml/2006/main" xmlns:r="http://schemas.openxmlformats.org/officeDocument/2006/relationships" xmlns:p="http://schemas.openxmlformats.org/presentationml/2006/main">
+  <p:cSld>
+    <p:spTree>
+      <p:nvGrpSpPr>
+        <p:cNvPr id="1" name=""/>
+        <p:cNvGrpSpPr/>
+        <p:nvPr/>
+      </p:nvGrpSpPr>
+      <p:grpSpPr>
+        <a:xfrm>
+          <a:off x="0" y="0"/>
+          <a:ext cx="0" cy="0"/>
+          <a:chOff x="0" y="0"/>
+          <a:chExt cx="0" cy="0"/>
+        </a:xfrm>
+      </p:grpSpPr>
+      <p:sp>
+        <p:nvSpPr>
+          <p:cNvPr id="2" name="Titre 1"/>
+          <p:cNvSpPr>
+            <a:spLocks noGrp="1"/>
+          </p:cNvSpPr>
+          <p:nvPr>
+            <p:ph type="title"/>
+          </p:nvPr>
+        </p:nvSpPr>
+        <p:spPr/>
+        <p:txBody>
+          <a:bodyPr/>
+          <a:lstStyle/>
+          <a:p>
+            <a:r>
+              <a:rPr lang="fr-FR" dirty="0" err="1" smtClean="0"/>
+              <a:t>Operation</a:t>
+            </a:r>
+            <a:endParaRPr lang="fr-FR" dirty="0"/>
+          </a:p>
+        </p:txBody>
+      </p:sp>
+      <p:sp>
+        <p:nvSpPr>
+          <p:cNvPr id="3" name="Espace réservé du contenu 2"/>
+          <p:cNvSpPr>
+            <a:spLocks noGrp="1"/>
+          </p:cNvSpPr>
+          <p:nvPr>
+            <p:ph idx="1"/>
+          </p:nvPr>
+        </p:nvSpPr>
+        <p:spPr/>
+        <p:txBody>
+          <a:bodyPr>
+            <a:normAutofit lnSpcReduction="10000"/>
+          </a:bodyPr>
+          <a:lstStyle/>
+          <a:p>
+            <a:r>
+              <a:rPr lang="fr-FR" dirty="0" smtClean="0"/>
+              <a:t>On the robot </a:t>
+            </a:r>
+            <a:r>
+              <a:rPr lang="fr-FR" dirty="0" err="1" smtClean="0"/>
+              <a:t>side</a:t>
+            </a:r>
+            <a:r>
+              <a:rPr lang="fr-FR" dirty="0" smtClean="0"/>
+              <a:t> :</a:t>
+            </a:r>
+          </a:p>
+          <a:p>
+            <a:pPr lvl="1"/>
+            <a:r>
+              <a:rPr lang="fr-FR" dirty="0" smtClean="0"/>
+              <a:t>Start </a:t>
+            </a:r>
+            <a:r>
+              <a:rPr lang="fr-FR" dirty="0" err="1" smtClean="0"/>
+              <a:t>Recording</a:t>
+            </a:r>
+            <a:r>
+              <a:rPr lang="fr-FR" dirty="0" smtClean="0"/>
+              <a:t> </a:t>
+            </a:r>
+            <a:r>
+              <a:rPr lang="fr-FR" dirty="0" err="1" smtClean="0"/>
+              <a:t>ambient</a:t>
+            </a:r>
+            <a:r>
+              <a:rPr lang="fr-FR" dirty="0" smtClean="0"/>
+              <a:t> </a:t>
+            </a:r>
+            <a:r>
+              <a:rPr lang="fr-FR" dirty="0" err="1" smtClean="0"/>
+              <a:t>sound</a:t>
+            </a:r>
+            <a:endParaRPr lang="fr-FR" dirty="0" smtClean="0"/>
+          </a:p>
+          <a:p>
+            <a:pPr lvl="1"/>
+            <a:r>
+              <a:rPr lang="fr-FR" dirty="0" err="1" smtClean="0"/>
+              <a:t>Send</a:t>
+            </a:r>
+            <a:r>
+              <a:rPr lang="fr-FR" dirty="0" smtClean="0"/>
+              <a:t> </a:t>
+            </a:r>
+            <a:r>
+              <a:rPr lang="fr-FR" dirty="0" err="1" smtClean="0"/>
+              <a:t>Chirp</a:t>
+            </a:r>
+            <a:endParaRPr lang="fr-FR" dirty="0" smtClean="0"/>
+          </a:p>
+          <a:p>
+            <a:pPr lvl="2"/>
+            <a:r>
+              <a:rPr lang="fr-FR" dirty="0" err="1" smtClean="0"/>
+              <a:t>Hear</a:t>
+            </a:r>
+            <a:r>
+              <a:rPr lang="fr-FR" dirty="0" smtClean="0"/>
+              <a:t> </a:t>
+            </a:r>
+            <a:r>
+              <a:rPr lang="fr-FR" dirty="0" err="1" smtClean="0"/>
+              <a:t>its</a:t>
+            </a:r>
+            <a:r>
+              <a:rPr lang="fr-FR" dirty="0" smtClean="0"/>
+              <a:t> </a:t>
+            </a:r>
+            <a:r>
+              <a:rPr lang="fr-FR" dirty="0" err="1" smtClean="0"/>
+              <a:t>own</a:t>
+            </a:r>
+            <a:r>
+              <a:rPr lang="fr-FR" dirty="0" smtClean="0"/>
+              <a:t> </a:t>
+            </a:r>
+            <a:r>
+              <a:rPr lang="fr-FR" dirty="0" err="1" smtClean="0"/>
+              <a:t>chirp</a:t>
+            </a:r>
+            <a:endParaRPr lang="fr-FR" dirty="0" smtClean="0"/>
+          </a:p>
+          <a:p>
+            <a:pPr lvl="2"/>
+            <a:r>
+              <a:rPr lang="fr-FR" dirty="0" err="1" smtClean="0"/>
+              <a:t>Hear</a:t>
+            </a:r>
+            <a:r>
+              <a:rPr lang="fr-FR" dirty="0" smtClean="0"/>
+              <a:t> the </a:t>
+            </a:r>
+            <a:r>
+              <a:rPr lang="fr-FR" dirty="0" err="1" smtClean="0"/>
+              <a:t>beacon</a:t>
+            </a:r>
+            <a:r>
+              <a:rPr lang="fr-FR" dirty="0" smtClean="0"/>
+              <a:t> </a:t>
+            </a:r>
+            <a:r>
+              <a:rPr lang="fr-FR" dirty="0" err="1" smtClean="0"/>
+              <a:t>chirp</a:t>
+            </a:r>
+            <a:endParaRPr lang="fr-FR" dirty="0" smtClean="0"/>
+          </a:p>
+          <a:p>
+            <a:pPr lvl="1"/>
+            <a:r>
+              <a:rPr lang="fr-FR" dirty="0" err="1" smtClean="0"/>
+              <a:t>Calculate</a:t>
+            </a:r>
+            <a:r>
+              <a:rPr lang="fr-FR" dirty="0" smtClean="0"/>
+              <a:t> the time </a:t>
+            </a:r>
+            <a:r>
+              <a:rPr lang="fr-FR" dirty="0" err="1" smtClean="0"/>
+              <a:t>between</a:t>
+            </a:r>
+            <a:r>
+              <a:rPr lang="fr-FR" dirty="0" smtClean="0"/>
+              <a:t> the </a:t>
+            </a:r>
+            <a:r>
+              <a:rPr lang="fr-FR" dirty="0" err="1" smtClean="0"/>
+              <a:t>two</a:t>
+            </a:r>
+            <a:r>
+              <a:rPr lang="fr-FR" dirty="0" smtClean="0"/>
+              <a:t> </a:t>
+            </a:r>
+            <a:r>
+              <a:rPr lang="fr-FR" dirty="0" err="1" smtClean="0"/>
+              <a:t>chirp</a:t>
+            </a:r>
+            <a:endParaRPr lang="fr-FR" dirty="0" smtClean="0"/>
+          </a:p>
+          <a:p>
+            <a:r>
+              <a:rPr lang="fr-FR" dirty="0" smtClean="0"/>
+              <a:t>On the </a:t>
+            </a:r>
+            <a:r>
+              <a:rPr lang="fr-FR" dirty="0" err="1" smtClean="0"/>
+              <a:t>b</a:t>
+            </a:r>
+            <a:r>
+              <a:rPr lang="fr-FR" dirty="0" err="1" smtClean="0"/>
+              <a:t>eacon</a:t>
+            </a:r>
+            <a:r>
+              <a:rPr lang="fr-FR" dirty="0" smtClean="0"/>
+              <a:t> </a:t>
+            </a:r>
+            <a:r>
+              <a:rPr lang="fr-FR" dirty="0" err="1" smtClean="0"/>
+              <a:t>side</a:t>
+            </a:r>
+            <a:r>
+              <a:rPr lang="fr-FR" dirty="0" smtClean="0"/>
+              <a:t> :</a:t>
+            </a:r>
+          </a:p>
+          <a:p>
+            <a:pPr lvl="1"/>
+            <a:r>
+              <a:rPr lang="fr-FR" dirty="0" smtClean="0"/>
+              <a:t>Start </a:t>
+            </a:r>
+            <a:r>
+              <a:rPr lang="fr-FR" dirty="0" err="1" smtClean="0"/>
+              <a:t>Recording</a:t>
+            </a:r>
+            <a:r>
+              <a:rPr lang="fr-FR" dirty="0" smtClean="0"/>
+              <a:t> </a:t>
+            </a:r>
+            <a:r>
+              <a:rPr lang="fr-FR" dirty="0" err="1" smtClean="0"/>
+              <a:t>ambient</a:t>
+            </a:r>
+            <a:r>
+              <a:rPr lang="fr-FR" dirty="0" smtClean="0"/>
+              <a:t> </a:t>
+            </a:r>
+            <a:r>
+              <a:rPr lang="fr-FR" dirty="0" err="1" smtClean="0"/>
+              <a:t>sound</a:t>
+            </a:r>
+            <a:endParaRPr lang="fr-FR" dirty="0" smtClean="0"/>
+          </a:p>
+          <a:p>
+            <a:pPr lvl="2"/>
+            <a:r>
+              <a:rPr lang="fr-FR" dirty="0" err="1" smtClean="0"/>
+              <a:t>Hear</a:t>
+            </a:r>
+            <a:r>
+              <a:rPr lang="fr-FR" dirty="0" smtClean="0"/>
+              <a:t> the robot </a:t>
+            </a:r>
+            <a:r>
+              <a:rPr lang="fr-FR" dirty="0" err="1" smtClean="0"/>
+              <a:t>chirp</a:t>
+            </a:r>
+            <a:endParaRPr lang="fr-FR" dirty="0" smtClean="0"/>
+          </a:p>
+          <a:p>
+            <a:pPr lvl="1"/>
+            <a:r>
+              <a:rPr lang="fr-FR" dirty="0" err="1" smtClean="0"/>
+              <a:t>Send</a:t>
+            </a:r>
+            <a:r>
+              <a:rPr lang="fr-FR" dirty="0" smtClean="0"/>
+              <a:t> </a:t>
+            </a:r>
+            <a:r>
+              <a:rPr lang="fr-FR" dirty="0" err="1" smtClean="0"/>
+              <a:t>chirp</a:t>
+            </a:r>
+            <a:r>
+              <a:rPr lang="fr-FR" dirty="0" smtClean="0"/>
+              <a:t> 1 second </a:t>
+            </a:r>
+            <a:r>
+              <a:rPr lang="fr-FR" dirty="0" err="1" smtClean="0"/>
+              <a:t>later</a:t>
+            </a:r>
+            <a:r>
+              <a:rPr lang="fr-FR" dirty="0" smtClean="0"/>
+              <a:t> (</a:t>
+            </a:r>
+            <a:r>
+              <a:rPr lang="fr-FR" dirty="0" err="1" smtClean="0"/>
+              <a:t>exactely</a:t>
+            </a:r>
+            <a:r>
+              <a:rPr lang="fr-FR" dirty="0" smtClean="0"/>
+              <a:t>)</a:t>
+            </a:r>
+          </a:p>
+        </p:txBody>
+      </p:sp>
+      <p:sp>
+        <p:nvSpPr>
+          <p:cNvPr id="4" name="Espace réservé du pied de page 3"/>
+          <p:cNvSpPr>
+            <a:spLocks noGrp="1"/>
+          </p:cNvSpPr>
+          <p:nvPr>
+            <p:ph type="ftr" sz="quarter" idx="11"/>
+          </p:nvPr>
+        </p:nvSpPr>
+        <p:spPr/>
+        <p:txBody>
+          <a:bodyPr/>
+          <a:lstStyle/>
+          <a:p>
+            <a:r>
+              <a:rPr lang="fr-FR" smtClean="0"/>
+              <a:t>BOYE Jean-Jacques - Ensta Bretagne/ UFRGS</a:t>
+            </a:r>
+            <a:endParaRPr lang="fr-BE"/>
+          </a:p>
+        </p:txBody>
+      </p:sp>
+    </p:spTree>
+  </p:cSld>
+  <p:clrMapOvr>
+    <a:masterClrMapping/>
+  </p:clrMapOvr>
+  <p:timing>
+    <p:tnLst>
+      <p:par>
+        <p:cTn id="1" dur="indefinite" restart="never" nodeType="tmRoot"/>
+      </p:par>
+    </p:tnLst>
+  </p:timing>
+</p:sld>
+</file>
+
 <file path=ppt/slides/slide7.xml><?xml version="1.0" encoding="utf-8"?>
 <p:sld xmlns:a="http://schemas.openxmlformats.org/drawingml/2006/main" xmlns:r="http://schemas.openxmlformats.org/officeDocument/2006/relationships" xmlns:p="http://schemas.openxmlformats.org/presentationml/2006/main">
   <p:cSld>
@@ -7033,8 +8335,24 @@
           <a:lstStyle/>
           <a:p>
             <a:r>
-              <a:rPr lang="fr-FR" dirty="0" err="1" smtClean="0"/>
-              <a:t>Nowadays</a:t>
+              <a:rPr lang="fr-FR" dirty="0" smtClean="0"/>
+              <a:t>Challenge </a:t>
+            </a:r>
+            <a:r>
+              <a:rPr lang="fr-FR" dirty="0" err="1" smtClean="0"/>
+              <a:t>with</a:t>
+            </a:r>
+            <a:r>
+              <a:rPr lang="fr-FR" dirty="0" smtClean="0"/>
+              <a:t> time-</a:t>
+            </a:r>
+            <a:r>
+              <a:rPr lang="fr-FR" dirty="0" err="1" smtClean="0"/>
+              <a:t>measuring</a:t>
+            </a:r>
+            <a:r>
+              <a:rPr lang="fr-FR" dirty="0" smtClean="0"/>
+              <a:t> </a:t>
             </a:r>
             <a:endParaRPr lang="fr-FR" dirty="0"/>
           </a:p>
@@ -7056,131 +8374,147 @@
           <a:lstStyle/>
           <a:p>
             <a:r>
+              <a:rPr lang="fr-FR" dirty="0" smtClean="0"/>
+              <a:t>Speed of </a:t>
+            </a:r>
+            <a:r>
+              <a:rPr lang="fr-FR" dirty="0" err="1" smtClean="0"/>
+              <a:t>sound</a:t>
+            </a:r>
+            <a:r>
+              <a:rPr lang="fr-FR" dirty="0" smtClean="0"/>
+              <a:t> :</a:t>
+            </a:r>
+          </a:p>
+          <a:p>
+            <a:pPr lvl="1"/>
+            <a:r>
+              <a:rPr lang="fr-FR" dirty="0" smtClean="0"/>
+              <a:t>330 m/s in the air ( 33 cm for 1 ms)</a:t>
+            </a:r>
+          </a:p>
+          <a:p>
+            <a:pPr lvl="1"/>
+            <a:r>
+              <a:rPr lang="fr-FR" dirty="0" smtClean="0"/>
+              <a:t>1500 m/s in water (1.5 m for 1 ms)</a:t>
+            </a:r>
+            <a:endParaRPr lang="fr-FR" dirty="0" smtClean="0"/>
+          </a:p>
+          <a:p>
+            <a:r>
+              <a:rPr lang="fr-FR" dirty="0" smtClean="0"/>
+              <a:t>Source of </a:t>
+            </a:r>
+            <a:r>
+              <a:rPr lang="fr-FR" dirty="0" err="1" smtClean="0"/>
+              <a:t>imprecision</a:t>
+            </a:r>
+            <a:r>
+              <a:rPr lang="fr-FR" dirty="0" smtClean="0"/>
+              <a:t> </a:t>
+            </a:r>
+            <a:r>
+              <a:rPr lang="fr-FR" dirty="0" smtClean="0"/>
+              <a:t>:</a:t>
+            </a:r>
+          </a:p>
+          <a:p>
+            <a:pPr lvl="1"/>
+            <a:r>
+              <a:rPr lang="fr-FR" dirty="0" err="1" smtClean="0"/>
+              <a:t>Latency</a:t>
+            </a:r>
+            <a:r>
+              <a:rPr lang="fr-FR" dirty="0" smtClean="0"/>
+              <a:t> in </a:t>
+            </a:r>
+            <a:r>
+              <a:rPr lang="fr-FR" dirty="0" err="1" smtClean="0"/>
+              <a:t>sound</a:t>
+            </a:r>
+            <a:r>
+              <a:rPr lang="fr-FR" dirty="0" smtClean="0"/>
+              <a:t> </a:t>
+            </a:r>
+            <a:r>
+              <a:rPr lang="fr-FR" dirty="0" err="1" smtClean="0"/>
+              <a:t>card</a:t>
+            </a:r>
+            <a:endParaRPr lang="fr-FR" dirty="0" smtClean="0"/>
+          </a:p>
+          <a:p>
+            <a:pPr lvl="1"/>
+            <a:r>
+              <a:rPr lang="fr-FR" dirty="0" smtClean="0"/>
+              <a:t>The </a:t>
+            </a:r>
+            <a:r>
+              <a:rPr lang="fr-FR" dirty="0" err="1" smtClean="0"/>
+              <a:t>intern</a:t>
+            </a:r>
+            <a:r>
+              <a:rPr lang="fr-FR" dirty="0" smtClean="0"/>
+              <a:t> </a:t>
+            </a:r>
+            <a:r>
+              <a:rPr lang="fr-FR" dirty="0" err="1" smtClean="0"/>
+              <a:t>clock</a:t>
+            </a:r>
+            <a:r>
+              <a:rPr lang="fr-FR" dirty="0" smtClean="0"/>
+              <a:t> </a:t>
+            </a:r>
+            <a:r>
+              <a:rPr lang="fr-FR" dirty="0" err="1" smtClean="0"/>
+              <a:t>cannot</a:t>
+            </a:r>
+            <a:r>
+              <a:rPr lang="fr-FR" dirty="0" smtClean="0"/>
+              <a:t> </a:t>
+            </a:r>
+            <a:r>
+              <a:rPr lang="fr-FR" dirty="0" err="1" smtClean="0"/>
+              <a:t>be</a:t>
+            </a:r>
+            <a:r>
+              <a:rPr lang="fr-FR" dirty="0" smtClean="0"/>
+              <a:t> </a:t>
+            </a:r>
+            <a:r>
+              <a:rPr lang="fr-FR" dirty="0" err="1" smtClean="0"/>
+              <a:t>trusted</a:t>
+            </a:r>
+            <a:r>
+              <a:rPr lang="fr-FR" dirty="0" smtClean="0"/>
+              <a:t> </a:t>
+            </a:r>
+          </a:p>
+          <a:p>
+            <a:pPr lvl="2"/>
+            <a:r>
               <a:rPr lang="fr-FR" dirty="0" err="1" smtClean="0"/>
               <a:t>Using</a:t>
             </a:r>
             <a:r>
               <a:rPr lang="fr-FR" dirty="0" smtClean="0"/>
-              <a:t> </a:t>
-            </a:r>
-            <a:r>
-              <a:rPr lang="fr-FR" dirty="0" err="1" smtClean="0"/>
-              <a:t>pyAudio</a:t>
-            </a:r>
-            <a:r>
-              <a:rPr lang="fr-FR" dirty="0" smtClean="0"/>
-              <a:t> to </a:t>
-            </a:r>
-            <a:r>
-              <a:rPr lang="fr-FR" dirty="0" err="1" smtClean="0"/>
-              <a:t>access</a:t>
-            </a:r>
-            <a:r>
-              <a:rPr lang="fr-FR" dirty="0" smtClean="0"/>
-              <a:t> the </a:t>
-            </a:r>
-            <a:r>
-              <a:rPr lang="fr-FR" dirty="0" err="1" smtClean="0"/>
-              <a:t>sound</a:t>
-            </a:r>
-            <a:r>
-              <a:rPr lang="fr-FR" dirty="0" smtClean="0"/>
-              <a:t> </a:t>
-            </a:r>
-            <a:r>
-              <a:rPr lang="fr-FR" dirty="0" err="1" smtClean="0"/>
-              <a:t>card</a:t>
-            </a:r>
-            <a:endParaRPr lang="fr-FR" dirty="0" smtClean="0"/>
-          </a:p>
-          <a:p>
-            <a:endParaRPr lang="fr-FR" dirty="0" smtClean="0"/>
-          </a:p>
-          <a:p>
-            <a:r>
-              <a:rPr lang="fr-FR" dirty="0" smtClean="0"/>
-              <a:t>Software </a:t>
-            </a:r>
-            <a:r>
-              <a:rPr lang="fr-FR" dirty="0" err="1" smtClean="0"/>
-              <a:t>works</a:t>
-            </a:r>
-            <a:r>
-              <a:rPr lang="fr-FR" dirty="0" smtClean="0"/>
-              <a:t> </a:t>
-            </a:r>
-            <a:r>
-              <a:rPr lang="fr-FR" dirty="0" err="1" smtClean="0"/>
-              <a:t>great</a:t>
-            </a:r>
-            <a:r>
-              <a:rPr lang="fr-FR" dirty="0" smtClean="0"/>
-              <a:t> on Windows</a:t>
-            </a:r>
-          </a:p>
-          <a:p>
-            <a:pPr lvl="1"/>
-            <a:r>
-              <a:rPr lang="fr-FR" dirty="0" err="1" smtClean="0"/>
-              <a:t>Accurate</a:t>
-            </a:r>
-            <a:r>
-              <a:rPr lang="fr-FR" dirty="0" smtClean="0"/>
-              <a:t> to 20 </a:t>
-            </a:r>
-            <a:r>
-              <a:rPr lang="fr-FR" dirty="0" err="1" smtClean="0"/>
-              <a:t>centimeter</a:t>
-            </a:r>
-            <a:endParaRPr lang="fr-FR" dirty="0" smtClean="0"/>
-          </a:p>
-          <a:p>
-            <a:r>
-              <a:rPr lang="fr-FR" dirty="0" err="1" smtClean="0"/>
-              <a:t>Does</a:t>
-            </a:r>
-            <a:r>
-              <a:rPr lang="fr-FR" dirty="0" smtClean="0"/>
-              <a:t> not </a:t>
-            </a:r>
-            <a:r>
-              <a:rPr lang="fr-FR" dirty="0" err="1" smtClean="0"/>
-              <a:t>work</a:t>
-            </a:r>
-            <a:r>
-              <a:rPr lang="fr-FR" dirty="0" smtClean="0"/>
-              <a:t> on </a:t>
-            </a:r>
-            <a:r>
-              <a:rPr lang="fr-FR" dirty="0" err="1" smtClean="0"/>
-              <a:t>raspberrypi</a:t>
-            </a:r>
-            <a:r>
-              <a:rPr lang="fr-FR" dirty="0" smtClean="0"/>
-              <a:t> or Linux</a:t>
-            </a:r>
-          </a:p>
-          <a:p>
-            <a:pPr lvl="1"/>
-            <a:r>
-              <a:rPr lang="fr-FR" dirty="0" smtClean="0"/>
-              <a:t>Configuration of the </a:t>
-            </a:r>
-            <a:r>
-              <a:rPr lang="fr-FR" dirty="0" err="1" smtClean="0"/>
-              <a:t>sound</a:t>
-            </a:r>
-            <a:r>
-              <a:rPr lang="fr-FR" dirty="0" smtClean="0"/>
-              <a:t> </a:t>
-            </a:r>
-            <a:r>
-              <a:rPr lang="fr-FR" dirty="0" err="1" smtClean="0"/>
-              <a:t>card</a:t>
-            </a:r>
-            <a:r>
-              <a:rPr lang="fr-FR" dirty="0" smtClean="0"/>
-              <a:t> </a:t>
+              <a:t> fonction </a:t>
+            </a:r>
+            <a:r>
+              <a:rPr lang="fr-FR" dirty="0" err="1" smtClean="0"/>
+              <a:t>such</a:t>
+            </a:r>
+            <a:r>
+              <a:rPr lang="fr-FR" dirty="0" smtClean="0"/>
+              <a:t> as </a:t>
+            </a:r>
+            <a:r>
+              <a:rPr lang="fr-FR" dirty="0" err="1" smtClean="0"/>
+              <a:t>time.time</a:t>
+            </a:r>
+            <a:r>
+              <a:rPr lang="fr-FR" dirty="0" smtClean="0"/>
+              <a:t>() </a:t>
             </a:r>
             <a:r>
               <a:rPr lang="fr-FR" dirty="0" err="1" smtClean="0"/>
@@ -7188,44 +8522,8 @@
             </a:r>
             <a:r>
               <a:rPr lang="fr-FR" dirty="0" smtClean="0"/>
-              <a:t> </a:t>
-            </a:r>
-            <a:r>
-              <a:rPr lang="fr-FR" dirty="0" err="1" smtClean="0"/>
-              <a:t>very</a:t>
-            </a:r>
-            <a:r>
-              <a:rPr lang="fr-FR" dirty="0" smtClean="0"/>
-              <a:t> </a:t>
-            </a:r>
-            <a:r>
-              <a:rPr lang="fr-FR" dirty="0" err="1" smtClean="0"/>
-              <a:t>difficult</a:t>
-            </a:r>
-            <a:endParaRPr lang="fr-FR" dirty="0" smtClean="0"/>
-          </a:p>
-          <a:p>
-            <a:pPr lvl="1"/>
-            <a:r>
-              <a:rPr lang="fr-FR" dirty="0" err="1" smtClean="0"/>
-              <a:t>Latency</a:t>
-            </a:r>
-            <a:r>
-              <a:rPr lang="fr-FR" dirty="0" smtClean="0"/>
-              <a:t> varies </a:t>
-            </a:r>
-            <a:r>
-              <a:rPr lang="fr-FR" dirty="0" err="1" smtClean="0"/>
-              <a:t>with</a:t>
-            </a:r>
-            <a:r>
-              <a:rPr lang="fr-FR" dirty="0" smtClean="0"/>
-              <a:t> time</a:t>
-            </a:r>
-          </a:p>
-          <a:p>
-            <a:pPr lvl="1"/>
-            <a:endParaRPr lang="fr-FR" dirty="0" smtClean="0"/>
+              <a:t> impossible</a:t>
+            </a:r>
           </a:p>
         </p:txBody>
       </p:sp>
@@ -7257,6 +8555,3780 @@
   <p:clrMapOvr>
     <a:masterClrMapping/>
   </p:clrMapOvr>
+  <p:timing>
+    <p:tnLst>
+      <p:par>
+        <p:cTn id="1" dur="indefinite" restart="never" nodeType="tmRoot"/>
+      </p:par>
+    </p:tnLst>
+  </p:timing>
+</p:sld>
+</file>
+
+<file path=ppt/slides/slide8.xml><?xml version="1.0" encoding="utf-8"?>
+<p:sld xmlns:a="http://schemas.openxmlformats.org/drawingml/2006/main" xmlns:r="http://schemas.openxmlformats.org/officeDocument/2006/relationships" xmlns:p="http://schemas.openxmlformats.org/presentationml/2006/main">
+  <p:cSld>
+    <p:spTree>
+      <p:nvGrpSpPr>
+        <p:cNvPr id="1" name=""/>
+        <p:cNvGrpSpPr/>
+        <p:nvPr/>
+      </p:nvGrpSpPr>
+      <p:grpSpPr>
+        <a:xfrm>
+          <a:off x="0" y="0"/>
+          <a:ext cx="0" cy="0"/>
+          <a:chOff x="0" y="0"/>
+          <a:chExt cx="0" cy="0"/>
+        </a:xfrm>
+      </p:grpSpPr>
+      <p:sp>
+        <p:nvSpPr>
+          <p:cNvPr id="2" name="Titre 1"/>
+          <p:cNvSpPr>
+            <a:spLocks noGrp="1"/>
+          </p:cNvSpPr>
+          <p:nvPr>
+            <p:ph type="title"/>
+          </p:nvPr>
+        </p:nvSpPr>
+        <p:spPr/>
+        <p:txBody>
+          <a:bodyPr>
+            <a:normAutofit fontScale="90000"/>
+          </a:bodyPr>
+          <a:lstStyle/>
+          <a:p>
+            <a:r>
+              <a:rPr lang="fr-FR" dirty="0" smtClean="0"/>
+              <a:t>A solution: </a:t>
+            </a:r>
+            <a:r>
+              <a:rPr lang="fr-FR" dirty="0" err="1" smtClean="0"/>
+              <a:t>using</a:t>
+            </a:r>
+            <a:r>
+              <a:rPr lang="fr-FR" dirty="0" smtClean="0"/>
+              <a:t> the </a:t>
+            </a:r>
+            <a:r>
+              <a:rPr lang="fr-FR" dirty="0" err="1" smtClean="0"/>
+              <a:t>number</a:t>
+            </a:r>
+            <a:r>
+              <a:rPr lang="fr-FR" dirty="0" smtClean="0"/>
+              <a:t> of frames</a:t>
+            </a:r>
+            <a:endParaRPr lang="fr-FR" dirty="0"/>
+          </a:p>
+        </p:txBody>
+      </p:sp>
+      <p:sp>
+        <p:nvSpPr>
+          <p:cNvPr id="3" name="Espace réservé du contenu 2"/>
+          <p:cNvSpPr>
+            <a:spLocks noGrp="1"/>
+          </p:cNvSpPr>
+          <p:nvPr>
+            <p:ph idx="1"/>
+          </p:nvPr>
+        </p:nvSpPr>
+        <p:spPr>
+          <a:xfrm>
+            <a:off x="457200" y="2249424"/>
+            <a:ext cx="8229600" cy="2108270"/>
+          </a:xfrm>
+        </p:spPr>
+        <p:txBody>
+          <a:bodyPr>
+            <a:normAutofit fontScale="92500" lnSpcReduction="20000"/>
+          </a:bodyPr>
+          <a:lstStyle/>
+          <a:p>
+            <a:r>
+              <a:rPr lang="fr-FR" dirty="0" smtClean="0"/>
+              <a:t>Sound </a:t>
+            </a:r>
+            <a:r>
+              <a:rPr lang="fr-FR" dirty="0" err="1" smtClean="0"/>
+              <a:t>card</a:t>
+            </a:r>
+            <a:r>
+              <a:rPr lang="fr-FR" dirty="0" smtClean="0"/>
+              <a:t> </a:t>
+            </a:r>
+            <a:r>
+              <a:rPr lang="fr-FR" dirty="0" err="1" smtClean="0"/>
+              <a:t>is</a:t>
+            </a:r>
+            <a:r>
+              <a:rPr lang="fr-FR" dirty="0" smtClean="0"/>
+              <a:t> set on non-</a:t>
+            </a:r>
+            <a:r>
+              <a:rPr lang="fr-FR" dirty="0" err="1" smtClean="0"/>
+              <a:t>blocking</a:t>
+            </a:r>
+            <a:r>
+              <a:rPr lang="fr-FR" dirty="0" smtClean="0"/>
+              <a:t> mode :</a:t>
+            </a:r>
+          </a:p>
+          <a:p>
+            <a:pPr lvl="1"/>
+            <a:r>
+              <a:rPr lang="fr-FR" dirty="0" err="1" smtClean="0"/>
+              <a:t>Creates</a:t>
+            </a:r>
+            <a:r>
+              <a:rPr lang="fr-FR" dirty="0" smtClean="0"/>
+              <a:t> a new thread to control the </a:t>
+            </a:r>
+            <a:r>
+              <a:rPr lang="fr-FR" dirty="0" err="1" smtClean="0"/>
+              <a:t>sound</a:t>
+            </a:r>
+            <a:r>
+              <a:rPr lang="fr-FR" dirty="0" smtClean="0"/>
+              <a:t> </a:t>
+            </a:r>
+            <a:r>
+              <a:rPr lang="fr-FR" dirty="0" err="1" smtClean="0"/>
+              <a:t>card</a:t>
+            </a:r>
+            <a:endParaRPr lang="fr-FR" dirty="0" smtClean="0"/>
+          </a:p>
+          <a:p>
+            <a:pPr lvl="1"/>
+            <a:r>
+              <a:rPr lang="fr-FR" dirty="0" err="1" smtClean="0"/>
+              <a:t>Always</a:t>
+            </a:r>
+            <a:r>
+              <a:rPr lang="fr-FR" dirty="0" smtClean="0"/>
+              <a:t> </a:t>
+            </a:r>
+            <a:r>
+              <a:rPr lang="fr-FR" dirty="0" err="1" smtClean="0"/>
+              <a:t>recording</a:t>
+            </a:r>
+            <a:endParaRPr lang="fr-FR" dirty="0" smtClean="0"/>
+          </a:p>
+          <a:p>
+            <a:pPr lvl="1"/>
+            <a:r>
+              <a:rPr lang="fr-FR" dirty="0" smtClean="0"/>
+              <a:t>The rate </a:t>
+            </a:r>
+            <a:r>
+              <a:rPr lang="fr-FR" dirty="0" err="1" smtClean="0"/>
+              <a:t>is</a:t>
+            </a:r>
+            <a:r>
+              <a:rPr lang="fr-FR" dirty="0" smtClean="0"/>
+              <a:t> </a:t>
+            </a:r>
+            <a:r>
+              <a:rPr lang="fr-FR" dirty="0" err="1" smtClean="0"/>
+              <a:t>known</a:t>
+            </a:r>
+            <a:r>
+              <a:rPr lang="fr-FR" dirty="0" smtClean="0"/>
+              <a:t> and </a:t>
+            </a:r>
+            <a:r>
+              <a:rPr lang="fr-FR" dirty="0" err="1" smtClean="0"/>
+              <a:t>precise</a:t>
+            </a:r>
+            <a:endParaRPr lang="fr-FR" dirty="0" smtClean="0"/>
+          </a:p>
+          <a:p>
+            <a:r>
+              <a:rPr lang="fr-FR" dirty="0" smtClean="0"/>
+              <a:t>This solution </a:t>
+            </a:r>
+            <a:r>
+              <a:rPr lang="fr-FR" dirty="0" err="1" smtClean="0"/>
+              <a:t>solves</a:t>
+            </a:r>
+            <a:r>
+              <a:rPr lang="fr-FR" dirty="0" smtClean="0"/>
+              <a:t> the </a:t>
+            </a:r>
+            <a:r>
+              <a:rPr lang="fr-FR" dirty="0" err="1" smtClean="0"/>
+              <a:t>problem</a:t>
+            </a:r>
+            <a:r>
+              <a:rPr lang="fr-FR" dirty="0" smtClean="0"/>
+              <a:t> of </a:t>
+            </a:r>
+            <a:r>
+              <a:rPr lang="fr-FR" dirty="0" err="1" smtClean="0"/>
+              <a:t>latency</a:t>
+            </a:r>
+            <a:r>
+              <a:rPr lang="fr-FR" dirty="0" smtClean="0"/>
+              <a:t> (for the robot)</a:t>
+            </a:r>
+            <a:endParaRPr lang="fr-FR" dirty="0"/>
+          </a:p>
+        </p:txBody>
+      </p:sp>
+      <p:sp>
+        <p:nvSpPr>
+          <p:cNvPr id="4" name="Espace réservé du pied de page 3"/>
+          <p:cNvSpPr>
+            <a:spLocks noGrp="1"/>
+          </p:cNvSpPr>
+          <p:nvPr>
+            <p:ph type="ftr" sz="quarter" idx="11"/>
+          </p:nvPr>
+        </p:nvSpPr>
+        <p:spPr/>
+        <p:txBody>
+          <a:bodyPr/>
+          <a:lstStyle/>
+          <a:p>
+            <a:r>
+              <a:rPr lang="fr-FR" smtClean="0"/>
+              <a:t>BOYE Jean-Jacques - Ensta Bretagne/ UFRGS</a:t>
+            </a:r>
+            <a:endParaRPr lang="fr-BE"/>
+          </a:p>
+        </p:txBody>
+      </p:sp>
+      <p:cxnSp>
+        <p:nvCxnSpPr>
+          <p:cNvPr id="6" name="Connecteur droit avec flèche 5"/>
+          <p:cNvCxnSpPr/>
+          <p:nvPr/>
+        </p:nvCxnSpPr>
+        <p:spPr>
+          <a:xfrm>
+            <a:off x="1142976" y="6000768"/>
+            <a:ext cx="7786742" cy="1588"/>
+          </a:xfrm>
+          <a:prstGeom prst="straightConnector1">
+            <a:avLst/>
+          </a:prstGeom>
+          <a:ln>
+            <a:tailEnd type="arrow"/>
+          </a:ln>
+        </p:spPr>
+        <p:style>
+          <a:lnRef idx="3">
+            <a:schemeClr val="accent3"/>
+          </a:lnRef>
+          <a:fillRef idx="0">
+            <a:schemeClr val="accent3"/>
+          </a:fillRef>
+          <a:effectRef idx="2">
+            <a:schemeClr val="accent3"/>
+          </a:effectRef>
+          <a:fontRef idx="minor">
+            <a:schemeClr val="tx1"/>
+          </a:fontRef>
+        </p:style>
+      </p:cxnSp>
+      <p:sp>
+        <p:nvSpPr>
+          <p:cNvPr id="9" name="ZoneTexte 8"/>
+          <p:cNvSpPr txBox="1"/>
+          <p:nvPr/>
+        </p:nvSpPr>
+        <p:spPr>
+          <a:xfrm>
+            <a:off x="6929422" y="5929330"/>
+            <a:ext cx="2214578" cy="369332"/>
+          </a:xfrm>
+          <a:prstGeom prst="rect">
+            <a:avLst/>
+          </a:prstGeom>
+          <a:noFill/>
+        </p:spPr>
+        <p:txBody>
+          <a:bodyPr wrap="square" rtlCol="0">
+            <a:spAutoFit/>
+          </a:bodyPr>
+          <a:lstStyle/>
+          <a:p>
+            <a:r>
+              <a:rPr lang="fr-FR" dirty="0" err="1" smtClean="0"/>
+              <a:t>Number</a:t>
+            </a:r>
+            <a:r>
+              <a:rPr lang="fr-FR" dirty="0" smtClean="0"/>
+              <a:t> of frames</a:t>
+            </a:r>
+            <a:endParaRPr lang="fr-FR" dirty="0"/>
+          </a:p>
+        </p:txBody>
+      </p:sp>
+      <p:sp>
+        <p:nvSpPr>
+          <p:cNvPr id="10" name="Triangle isocèle 9"/>
+          <p:cNvSpPr/>
+          <p:nvPr/>
+        </p:nvSpPr>
+        <p:spPr>
+          <a:xfrm>
+            <a:off x="3143240" y="4572008"/>
+            <a:ext cx="142876" cy="1428760"/>
+          </a:xfrm>
+          <a:prstGeom prst="triangle">
+            <a:avLst/>
+          </a:prstGeom>
+        </p:spPr>
+        <p:style>
+          <a:lnRef idx="1">
+            <a:schemeClr val="accent5"/>
+          </a:lnRef>
+          <a:fillRef idx="3">
+            <a:schemeClr val="accent5"/>
+          </a:fillRef>
+          <a:effectRef idx="2">
+            <a:schemeClr val="accent5"/>
+          </a:effectRef>
+          <a:fontRef idx="minor">
+            <a:schemeClr val="lt1"/>
+          </a:fontRef>
+        </p:style>
+        <p:txBody>
+          <a:bodyPr rtlCol="0" anchor="ctr"/>
+          <a:lstStyle/>
+          <a:p>
+            <a:pPr algn="ctr"/>
+            <a:endParaRPr lang="fr-FR"/>
+          </a:p>
+        </p:txBody>
+      </p:sp>
+      <p:sp>
+        <p:nvSpPr>
+          <p:cNvPr id="11" name="Triangle isocèle 10"/>
+          <p:cNvSpPr/>
+          <p:nvPr/>
+        </p:nvSpPr>
+        <p:spPr>
+          <a:xfrm>
+            <a:off x="6000760" y="4572008"/>
+            <a:ext cx="142876" cy="1428760"/>
+          </a:xfrm>
+          <a:prstGeom prst="triangle">
+            <a:avLst/>
+          </a:prstGeom>
+        </p:spPr>
+        <p:style>
+          <a:lnRef idx="1">
+            <a:schemeClr val="accent5"/>
+          </a:lnRef>
+          <a:fillRef idx="3">
+            <a:schemeClr val="accent5"/>
+          </a:fillRef>
+          <a:effectRef idx="2">
+            <a:schemeClr val="accent5"/>
+          </a:effectRef>
+          <a:fontRef idx="minor">
+            <a:schemeClr val="lt1"/>
+          </a:fontRef>
+        </p:style>
+        <p:txBody>
+          <a:bodyPr rtlCol="0" anchor="ctr"/>
+          <a:lstStyle/>
+          <a:p>
+            <a:pPr algn="ctr"/>
+            <a:endParaRPr lang="fr-FR"/>
+          </a:p>
+        </p:txBody>
+      </p:sp>
+      <p:cxnSp>
+        <p:nvCxnSpPr>
+          <p:cNvPr id="13" name="Connecteur droit avec flèche 12"/>
+          <p:cNvCxnSpPr/>
+          <p:nvPr/>
+        </p:nvCxnSpPr>
+        <p:spPr>
+          <a:xfrm>
+            <a:off x="1714480" y="5357826"/>
+            <a:ext cx="642942" cy="1588"/>
+          </a:xfrm>
+          <a:prstGeom prst="straightConnector1">
+            <a:avLst/>
+          </a:prstGeom>
+          <a:ln>
+            <a:headEnd type="arrow"/>
+            <a:tailEnd type="arrow"/>
+          </a:ln>
+        </p:spPr>
+        <p:style>
+          <a:lnRef idx="2">
+            <a:schemeClr val="accent6"/>
+          </a:lnRef>
+          <a:fillRef idx="0">
+            <a:schemeClr val="accent6"/>
+          </a:fillRef>
+          <a:effectRef idx="1">
+            <a:schemeClr val="accent6"/>
+          </a:effectRef>
+          <a:fontRef idx="minor">
+            <a:schemeClr val="tx1"/>
+          </a:fontRef>
+        </p:style>
+      </p:cxnSp>
+      <p:cxnSp>
+        <p:nvCxnSpPr>
+          <p:cNvPr id="15" name="Connecteur droit avec flèche 14"/>
+          <p:cNvCxnSpPr/>
+          <p:nvPr/>
+        </p:nvCxnSpPr>
+        <p:spPr>
+          <a:xfrm>
+            <a:off x="2357422" y="5357826"/>
+            <a:ext cx="857256" cy="1588"/>
+          </a:xfrm>
+          <a:prstGeom prst="straightConnector1">
+            <a:avLst/>
+          </a:prstGeom>
+          <a:ln>
+            <a:headEnd type="arrow"/>
+            <a:tailEnd type="arrow"/>
+          </a:ln>
+        </p:spPr>
+        <p:style>
+          <a:lnRef idx="2">
+            <a:schemeClr val="accent1"/>
+          </a:lnRef>
+          <a:fillRef idx="0">
+            <a:schemeClr val="accent1"/>
+          </a:fillRef>
+          <a:effectRef idx="1">
+            <a:schemeClr val="accent1"/>
+          </a:effectRef>
+          <a:fontRef idx="minor">
+            <a:schemeClr val="tx1"/>
+          </a:fontRef>
+        </p:style>
+      </p:cxnSp>
+      <p:cxnSp>
+        <p:nvCxnSpPr>
+          <p:cNvPr id="17" name="Connecteur droit avec flèche 16"/>
+          <p:cNvCxnSpPr/>
+          <p:nvPr/>
+        </p:nvCxnSpPr>
+        <p:spPr>
+          <a:xfrm>
+            <a:off x="5214942" y="5357826"/>
+            <a:ext cx="857256" cy="1588"/>
+          </a:xfrm>
+          <a:prstGeom prst="straightConnector1">
+            <a:avLst/>
+          </a:prstGeom>
+          <a:ln>
+            <a:headEnd type="arrow"/>
+            <a:tailEnd type="arrow"/>
+          </a:ln>
+        </p:spPr>
+        <p:style>
+          <a:lnRef idx="2">
+            <a:schemeClr val="accent1"/>
+          </a:lnRef>
+          <a:fillRef idx="0">
+            <a:schemeClr val="accent1"/>
+          </a:fillRef>
+          <a:effectRef idx="1">
+            <a:schemeClr val="accent1"/>
+          </a:effectRef>
+          <a:fontRef idx="minor">
+            <a:schemeClr val="tx1"/>
+          </a:fontRef>
+        </p:style>
+      </p:cxnSp>
+      <p:sp>
+        <p:nvSpPr>
+          <p:cNvPr id="18" name="Triangle isocèle 17"/>
+          <p:cNvSpPr/>
+          <p:nvPr/>
+        </p:nvSpPr>
+        <p:spPr>
+          <a:xfrm>
+            <a:off x="2285984" y="5357826"/>
+            <a:ext cx="133352" cy="652466"/>
+          </a:xfrm>
+          <a:prstGeom prst="triangle">
+            <a:avLst/>
+          </a:prstGeom>
+        </p:spPr>
+        <p:style>
+          <a:lnRef idx="1">
+            <a:schemeClr val="accent6"/>
+          </a:lnRef>
+          <a:fillRef idx="3">
+            <a:schemeClr val="accent6"/>
+          </a:fillRef>
+          <a:effectRef idx="2">
+            <a:schemeClr val="accent6"/>
+          </a:effectRef>
+          <a:fontRef idx="minor">
+            <a:schemeClr val="lt1"/>
+          </a:fontRef>
+        </p:style>
+        <p:txBody>
+          <a:bodyPr rtlCol="0" anchor="ctr"/>
+          <a:lstStyle/>
+          <a:p>
+            <a:pPr algn="ctr"/>
+            <a:endParaRPr lang="fr-FR"/>
+          </a:p>
+        </p:txBody>
+      </p:sp>
+      <p:sp>
+        <p:nvSpPr>
+          <p:cNvPr id="19" name="Triangle isocèle 18"/>
+          <p:cNvSpPr/>
+          <p:nvPr/>
+        </p:nvSpPr>
+        <p:spPr>
+          <a:xfrm>
+            <a:off x="5143504" y="5357826"/>
+            <a:ext cx="133352" cy="652466"/>
+          </a:xfrm>
+          <a:prstGeom prst="triangle">
+            <a:avLst/>
+          </a:prstGeom>
+        </p:spPr>
+        <p:style>
+          <a:lnRef idx="1">
+            <a:schemeClr val="accent6"/>
+          </a:lnRef>
+          <a:fillRef idx="3">
+            <a:schemeClr val="accent6"/>
+          </a:fillRef>
+          <a:effectRef idx="2">
+            <a:schemeClr val="accent6"/>
+          </a:effectRef>
+          <a:fontRef idx="minor">
+            <a:schemeClr val="lt1"/>
+          </a:fontRef>
+        </p:style>
+        <p:txBody>
+          <a:bodyPr rtlCol="0" anchor="ctr"/>
+          <a:lstStyle/>
+          <a:p>
+            <a:pPr algn="ctr"/>
+            <a:endParaRPr lang="fr-FR"/>
+          </a:p>
+        </p:txBody>
+      </p:sp>
+      <p:cxnSp>
+        <p:nvCxnSpPr>
+          <p:cNvPr id="21" name="Forme 20"/>
+          <p:cNvCxnSpPr>
+            <a:endCxn id="18" idx="3"/>
+          </p:cNvCxnSpPr>
+          <p:nvPr/>
+        </p:nvCxnSpPr>
+        <p:spPr>
+          <a:xfrm flipV="1">
+            <a:off x="1714480" y="6010292"/>
+            <a:ext cx="638180" cy="419104"/>
+          </a:xfrm>
+          <a:prstGeom prst="bentConnector2">
+            <a:avLst/>
+          </a:prstGeom>
+          <a:ln>
+            <a:tailEnd type="arrow"/>
+          </a:ln>
+        </p:spPr>
+        <p:style>
+          <a:lnRef idx="1">
+            <a:schemeClr val="dk1"/>
+          </a:lnRef>
+          <a:fillRef idx="0">
+            <a:schemeClr val="dk1"/>
+          </a:fillRef>
+          <a:effectRef idx="0">
+            <a:schemeClr val="dk1"/>
+          </a:effectRef>
+          <a:fontRef idx="minor">
+            <a:schemeClr val="tx1"/>
+          </a:fontRef>
+        </p:style>
+      </p:cxnSp>
+      <p:cxnSp>
+        <p:nvCxnSpPr>
+          <p:cNvPr id="23" name="Forme 22"/>
+          <p:cNvCxnSpPr>
+            <a:endCxn id="10" idx="3"/>
+          </p:cNvCxnSpPr>
+          <p:nvPr/>
+        </p:nvCxnSpPr>
+        <p:spPr>
+          <a:xfrm rot="10800000">
+            <a:off x="3214678" y="6000768"/>
+            <a:ext cx="571504" cy="428628"/>
+          </a:xfrm>
+          <a:prstGeom prst="bentConnector2">
+            <a:avLst/>
+          </a:prstGeom>
+          <a:ln>
+            <a:tailEnd type="arrow"/>
+          </a:ln>
+        </p:spPr>
+        <p:style>
+          <a:lnRef idx="1">
+            <a:schemeClr val="dk1"/>
+          </a:lnRef>
+          <a:fillRef idx="0">
+            <a:schemeClr val="dk1"/>
+          </a:fillRef>
+          <a:effectRef idx="0">
+            <a:schemeClr val="dk1"/>
+          </a:effectRef>
+          <a:fontRef idx="minor">
+            <a:schemeClr val="tx1"/>
+          </a:fontRef>
+        </p:style>
+      </p:cxnSp>
+      <p:sp>
+        <p:nvSpPr>
+          <p:cNvPr id="25" name="ZoneTexte 24"/>
+          <p:cNvSpPr txBox="1"/>
+          <p:nvPr/>
+        </p:nvSpPr>
+        <p:spPr>
+          <a:xfrm>
+            <a:off x="1285852" y="6143644"/>
+            <a:ext cx="1000132" cy="523220"/>
+          </a:xfrm>
+          <a:prstGeom prst="rect">
+            <a:avLst/>
+          </a:prstGeom>
+          <a:noFill/>
+        </p:spPr>
+        <p:txBody>
+          <a:bodyPr wrap="square" rtlCol="0">
+            <a:spAutoFit/>
+          </a:bodyPr>
+          <a:lstStyle/>
+          <a:p>
+            <a:r>
+              <a:rPr lang="fr-FR" sz="1400" dirty="0" err="1" smtClean="0"/>
+              <a:t>Peak</a:t>
+            </a:r>
+            <a:r>
+              <a:rPr lang="fr-FR" sz="1400" dirty="0" smtClean="0"/>
+              <a:t> on speaker</a:t>
+            </a:r>
+            <a:endParaRPr lang="fr-FR" sz="1400" dirty="0"/>
+          </a:p>
+        </p:txBody>
+      </p:sp>
+      <p:sp>
+        <p:nvSpPr>
+          <p:cNvPr id="26" name="ZoneTexte 25"/>
+          <p:cNvSpPr txBox="1"/>
+          <p:nvPr/>
+        </p:nvSpPr>
+        <p:spPr>
+          <a:xfrm>
+            <a:off x="3428992" y="6143644"/>
+            <a:ext cx="1143008" cy="523220"/>
+          </a:xfrm>
+          <a:prstGeom prst="rect">
+            <a:avLst/>
+          </a:prstGeom>
+          <a:noFill/>
+        </p:spPr>
+        <p:txBody>
+          <a:bodyPr wrap="square" rtlCol="0">
+            <a:spAutoFit/>
+          </a:bodyPr>
+          <a:lstStyle/>
+          <a:p>
+            <a:r>
+              <a:rPr lang="fr-FR" sz="1400" dirty="0" smtClean="0"/>
+              <a:t>Time of </a:t>
+            </a:r>
+            <a:r>
+              <a:rPr lang="fr-FR" sz="1400" dirty="0" err="1" smtClean="0"/>
+              <a:t>detection</a:t>
+            </a:r>
+            <a:endParaRPr lang="fr-FR" sz="1400" dirty="0"/>
+          </a:p>
+        </p:txBody>
+      </p:sp>
+      <p:cxnSp>
+        <p:nvCxnSpPr>
+          <p:cNvPr id="28" name="Forme 27"/>
+          <p:cNvCxnSpPr/>
+          <p:nvPr/>
+        </p:nvCxnSpPr>
+        <p:spPr>
+          <a:xfrm>
+            <a:off x="714348" y="4929198"/>
+            <a:ext cx="1423998" cy="428628"/>
+          </a:xfrm>
+          <a:prstGeom prst="bentConnector2">
+            <a:avLst/>
+          </a:prstGeom>
+          <a:ln>
+            <a:tailEnd type="arrow"/>
+          </a:ln>
+        </p:spPr>
+        <p:style>
+          <a:lnRef idx="1">
+            <a:schemeClr val="accent1"/>
+          </a:lnRef>
+          <a:fillRef idx="0">
+            <a:schemeClr val="accent1"/>
+          </a:fillRef>
+          <a:effectRef idx="0">
+            <a:schemeClr val="accent1"/>
+          </a:effectRef>
+          <a:fontRef idx="minor">
+            <a:schemeClr val="tx1"/>
+          </a:fontRef>
+        </p:style>
+      </p:cxnSp>
+      <p:sp>
+        <p:nvSpPr>
+          <p:cNvPr id="32" name="ZoneTexte 31"/>
+          <p:cNvSpPr txBox="1"/>
+          <p:nvPr/>
+        </p:nvSpPr>
+        <p:spPr>
+          <a:xfrm>
+            <a:off x="285720" y="4643446"/>
+            <a:ext cx="1571636" cy="307777"/>
+          </a:xfrm>
+          <a:prstGeom prst="rect">
+            <a:avLst/>
+          </a:prstGeom>
+          <a:noFill/>
+        </p:spPr>
+        <p:txBody>
+          <a:bodyPr wrap="square" rtlCol="0">
+            <a:spAutoFit/>
+          </a:bodyPr>
+          <a:lstStyle/>
+          <a:p>
+            <a:r>
+              <a:rPr lang="fr-FR" sz="1400" dirty="0" smtClean="0"/>
+              <a:t>Output </a:t>
+            </a:r>
+            <a:r>
+              <a:rPr lang="fr-FR" sz="1400" dirty="0" err="1" smtClean="0"/>
+              <a:t>Latency</a:t>
+            </a:r>
+            <a:endParaRPr lang="fr-FR" sz="1400" dirty="0"/>
+          </a:p>
+        </p:txBody>
+      </p:sp>
+      <p:cxnSp>
+        <p:nvCxnSpPr>
+          <p:cNvPr id="34" name="Connecteur droit 33"/>
+          <p:cNvCxnSpPr/>
+          <p:nvPr/>
+        </p:nvCxnSpPr>
+        <p:spPr>
+          <a:xfrm rot="5400000" flipH="1" flipV="1">
+            <a:off x="892943" y="5179231"/>
+            <a:ext cx="1643074" cy="1588"/>
+          </a:xfrm>
+          <a:prstGeom prst="line">
+            <a:avLst/>
+          </a:prstGeom>
+        </p:spPr>
+        <p:style>
+          <a:lnRef idx="1">
+            <a:schemeClr val="accent1"/>
+          </a:lnRef>
+          <a:fillRef idx="0">
+            <a:schemeClr val="accent1"/>
+          </a:fillRef>
+          <a:effectRef idx="0">
+            <a:schemeClr val="accent1"/>
+          </a:effectRef>
+          <a:fontRef idx="minor">
+            <a:schemeClr val="tx1"/>
+          </a:fontRef>
+        </p:style>
+      </p:cxnSp>
+      <p:cxnSp>
+        <p:nvCxnSpPr>
+          <p:cNvPr id="36" name="Forme 35"/>
+          <p:cNvCxnSpPr/>
+          <p:nvPr/>
+        </p:nvCxnSpPr>
+        <p:spPr>
+          <a:xfrm rot="10800000" flipV="1">
+            <a:off x="2786050" y="4929198"/>
+            <a:ext cx="1076332" cy="428628"/>
+          </a:xfrm>
+          <a:prstGeom prst="bentConnector2">
+            <a:avLst/>
+          </a:prstGeom>
+          <a:ln>
+            <a:tailEnd type="arrow"/>
+          </a:ln>
+        </p:spPr>
+        <p:style>
+          <a:lnRef idx="1">
+            <a:schemeClr val="accent1"/>
+          </a:lnRef>
+          <a:fillRef idx="0">
+            <a:schemeClr val="accent1"/>
+          </a:fillRef>
+          <a:effectRef idx="0">
+            <a:schemeClr val="accent1"/>
+          </a:effectRef>
+          <a:fontRef idx="minor">
+            <a:schemeClr val="tx1"/>
+          </a:fontRef>
+        </p:style>
+      </p:cxnSp>
+      <p:sp>
+        <p:nvSpPr>
+          <p:cNvPr id="41" name="ZoneTexte 40"/>
+          <p:cNvSpPr txBox="1"/>
+          <p:nvPr/>
+        </p:nvSpPr>
+        <p:spPr>
+          <a:xfrm>
+            <a:off x="3286116" y="4643446"/>
+            <a:ext cx="1571636" cy="307777"/>
+          </a:xfrm>
+          <a:prstGeom prst="rect">
+            <a:avLst/>
+          </a:prstGeom>
+          <a:noFill/>
+        </p:spPr>
+        <p:txBody>
+          <a:bodyPr wrap="square" rtlCol="0">
+            <a:spAutoFit/>
+          </a:bodyPr>
+          <a:lstStyle/>
+          <a:p>
+            <a:r>
+              <a:rPr lang="fr-FR" sz="1400" dirty="0" smtClean="0"/>
+              <a:t>Input </a:t>
+            </a:r>
+            <a:r>
+              <a:rPr lang="fr-FR" sz="1400" dirty="0" err="1" smtClean="0"/>
+              <a:t>Latency</a:t>
+            </a:r>
+            <a:endParaRPr lang="fr-FR" sz="1400" dirty="0"/>
+          </a:p>
+        </p:txBody>
+      </p:sp>
+      <p:cxnSp>
+        <p:nvCxnSpPr>
+          <p:cNvPr id="43" name="Connecteur droit avec flèche 42"/>
+          <p:cNvCxnSpPr>
+            <a:stCxn id="18" idx="5"/>
+            <a:endCxn id="19" idx="1"/>
+          </p:cNvCxnSpPr>
+          <p:nvPr/>
+        </p:nvCxnSpPr>
+        <p:spPr>
+          <a:xfrm>
+            <a:off x="2385998" y="5684059"/>
+            <a:ext cx="2790844" cy="1588"/>
+          </a:xfrm>
+          <a:prstGeom prst="straightConnector1">
+            <a:avLst/>
+          </a:prstGeom>
+          <a:ln>
+            <a:headEnd type="arrow"/>
+            <a:tailEnd type="arrow"/>
+          </a:ln>
+        </p:spPr>
+        <p:style>
+          <a:lnRef idx="3">
+            <a:schemeClr val="accent4"/>
+          </a:lnRef>
+          <a:fillRef idx="0">
+            <a:schemeClr val="accent4"/>
+          </a:fillRef>
+          <a:effectRef idx="2">
+            <a:schemeClr val="accent4"/>
+          </a:effectRef>
+          <a:fontRef idx="minor">
+            <a:schemeClr val="tx1"/>
+          </a:fontRef>
+        </p:style>
+      </p:cxnSp>
+      <p:cxnSp>
+        <p:nvCxnSpPr>
+          <p:cNvPr id="44" name="Connecteur droit avec flèche 43"/>
+          <p:cNvCxnSpPr/>
+          <p:nvPr/>
+        </p:nvCxnSpPr>
+        <p:spPr>
+          <a:xfrm>
+            <a:off x="3214678" y="5072074"/>
+            <a:ext cx="2857520" cy="1588"/>
+          </a:xfrm>
+          <a:prstGeom prst="straightConnector1">
+            <a:avLst/>
+          </a:prstGeom>
+          <a:ln>
+            <a:headEnd type="arrow"/>
+            <a:tailEnd type="arrow"/>
+          </a:ln>
+        </p:spPr>
+        <p:style>
+          <a:lnRef idx="3">
+            <a:schemeClr val="accent4"/>
+          </a:lnRef>
+          <a:fillRef idx="0">
+            <a:schemeClr val="accent4"/>
+          </a:fillRef>
+          <a:effectRef idx="2">
+            <a:schemeClr val="accent4"/>
+          </a:effectRef>
+          <a:fontRef idx="minor">
+            <a:schemeClr val="tx1"/>
+          </a:fontRef>
+        </p:style>
+      </p:cxnSp>
+      <p:cxnSp>
+        <p:nvCxnSpPr>
+          <p:cNvPr id="47" name="Forme 46"/>
+          <p:cNvCxnSpPr/>
+          <p:nvPr/>
+        </p:nvCxnSpPr>
+        <p:spPr>
+          <a:xfrm rot="10800000" flipV="1">
+            <a:off x="3786182" y="5357826"/>
+            <a:ext cx="2219340" cy="357190"/>
+          </a:xfrm>
+          <a:prstGeom prst="bentConnector2">
+            <a:avLst/>
+          </a:prstGeom>
+          <a:ln>
+            <a:tailEnd type="arrow"/>
+          </a:ln>
+        </p:spPr>
+        <p:style>
+          <a:lnRef idx="1">
+            <a:schemeClr val="accent1"/>
+          </a:lnRef>
+          <a:fillRef idx="0">
+            <a:schemeClr val="accent1"/>
+          </a:fillRef>
+          <a:effectRef idx="0">
+            <a:schemeClr val="accent1"/>
+          </a:effectRef>
+          <a:fontRef idx="minor">
+            <a:schemeClr val="tx1"/>
+          </a:fontRef>
+        </p:style>
+      </p:cxnSp>
+      <p:sp>
+        <p:nvSpPr>
+          <p:cNvPr id="53" name="ZoneTexte 52"/>
+          <p:cNvSpPr txBox="1"/>
+          <p:nvPr/>
+        </p:nvSpPr>
+        <p:spPr>
+          <a:xfrm>
+            <a:off x="5143504" y="5072074"/>
+            <a:ext cx="1555234" cy="307777"/>
+          </a:xfrm>
+          <a:prstGeom prst="rect">
+            <a:avLst/>
+          </a:prstGeom>
+          <a:noFill/>
+        </p:spPr>
+        <p:txBody>
+          <a:bodyPr wrap="none" rtlCol="0">
+            <a:spAutoFit/>
+          </a:bodyPr>
+          <a:lstStyle/>
+          <a:p>
+            <a:r>
+              <a:rPr lang="fr-FR" sz="1400" dirty="0" smtClean="0"/>
+              <a:t>Delay to </a:t>
+            </a:r>
+            <a:r>
+              <a:rPr lang="fr-FR" sz="1400" dirty="0" err="1" smtClean="0"/>
+              <a:t>measure</a:t>
+            </a:r>
+            <a:endParaRPr lang="fr-FR" sz="1400" dirty="0"/>
+          </a:p>
+        </p:txBody>
+      </p:sp>
+      <p:cxnSp>
+        <p:nvCxnSpPr>
+          <p:cNvPr id="55" name="Connecteur droit avec flèche 54"/>
+          <p:cNvCxnSpPr/>
+          <p:nvPr/>
+        </p:nvCxnSpPr>
+        <p:spPr>
+          <a:xfrm>
+            <a:off x="1714480" y="4857760"/>
+            <a:ext cx="1500198" cy="1588"/>
+          </a:xfrm>
+          <a:prstGeom prst="straightConnector1">
+            <a:avLst/>
+          </a:prstGeom>
+          <a:ln>
+            <a:headEnd type="arrow"/>
+            <a:tailEnd type="arrow"/>
+          </a:ln>
+        </p:spPr>
+        <p:style>
+          <a:lnRef idx="3">
+            <a:schemeClr val="dk1"/>
+          </a:lnRef>
+          <a:fillRef idx="0">
+            <a:schemeClr val="dk1"/>
+          </a:fillRef>
+          <a:effectRef idx="2">
+            <a:schemeClr val="dk1"/>
+          </a:effectRef>
+          <a:fontRef idx="minor">
+            <a:schemeClr val="tx1"/>
+          </a:fontRef>
+        </p:style>
+      </p:cxnSp>
+      <p:sp>
+        <p:nvSpPr>
+          <p:cNvPr id="56" name="ZoneTexte 55"/>
+          <p:cNvSpPr txBox="1"/>
+          <p:nvPr/>
+        </p:nvSpPr>
+        <p:spPr>
+          <a:xfrm>
+            <a:off x="1785918" y="4500570"/>
+            <a:ext cx="2000264" cy="307777"/>
+          </a:xfrm>
+          <a:prstGeom prst="rect">
+            <a:avLst/>
+          </a:prstGeom>
+          <a:noFill/>
+        </p:spPr>
+        <p:txBody>
+          <a:bodyPr wrap="square" rtlCol="0">
+            <a:spAutoFit/>
+          </a:bodyPr>
+          <a:lstStyle/>
+          <a:p>
+            <a:r>
+              <a:rPr lang="fr-FR" sz="1400" dirty="0" smtClean="0">
+                <a:solidFill>
+                  <a:srgbClr val="FF0000"/>
+                </a:solidFill>
+              </a:rPr>
+              <a:t>Total </a:t>
+            </a:r>
+            <a:r>
+              <a:rPr lang="fr-FR" sz="1400" dirty="0" err="1" smtClean="0">
+                <a:solidFill>
+                  <a:srgbClr val="FF0000"/>
+                </a:solidFill>
+              </a:rPr>
+              <a:t>Latency</a:t>
+            </a:r>
+            <a:endParaRPr lang="fr-FR" sz="1400" dirty="0">
+              <a:solidFill>
+                <a:srgbClr val="FF0000"/>
+              </a:solidFill>
+            </a:endParaRPr>
+          </a:p>
+        </p:txBody>
+      </p:sp>
+    </p:spTree>
+  </p:cSld>
+  <p:clrMapOvr>
+    <a:masterClrMapping/>
+  </p:clrMapOvr>
+  <p:timing>
+    <p:tnLst>
+      <p:par>
+        <p:cTn id="1" dur="indefinite" restart="never" nodeType="tmRoot">
+          <p:childTnLst>
+            <p:seq concurrent="1" nextAc="seek">
+              <p:cTn id="2" dur="indefinite" nodeType="mainSeq">
+                <p:childTnLst>
+                  <p:par>
+                    <p:cTn id="3" fill="hold">
+                      <p:stCondLst>
+                        <p:cond delay="indefinite"/>
+                      </p:stCondLst>
+                      <p:childTnLst>
+                        <p:par>
+                          <p:cTn id="4" fill="hold">
+                            <p:stCondLst>
+                              <p:cond delay="0"/>
+                            </p:stCondLst>
+                            <p:childTnLst>
+                              <p:par>
+                                <p:cTn id="5" presetID="10" presetClass="entr" presetSubtype="0" fill="hold" nodeType="clickEffect">
+                                  <p:stCondLst>
+                                    <p:cond delay="0"/>
+                                  </p:stCondLst>
+                                  <p:childTnLst>
+                                    <p:set>
+                                      <p:cBhvr>
+                                        <p:cTn id="6" dur="1" fill="hold">
+                                          <p:stCondLst>
+                                            <p:cond delay="0"/>
+                                          </p:stCondLst>
+                                        </p:cTn>
+                                        <p:tgtEl>
+                                          <p:spTgt spid="28"/>
+                                        </p:tgtEl>
+                                        <p:attrNameLst>
+                                          <p:attrName>style.visibility</p:attrName>
+                                        </p:attrNameLst>
+                                      </p:cBhvr>
+                                      <p:to>
+                                        <p:strVal val="visible"/>
+                                      </p:to>
+                                    </p:set>
+                                    <p:animEffect transition="in" filter="fade">
+                                      <p:cBhvr>
+                                        <p:cTn id="7" dur="500"/>
+                                        <p:tgtEl>
+                                          <p:spTgt spid="28"/>
+                                        </p:tgtEl>
+                                      </p:cBhvr>
+                                    </p:animEffect>
+                                  </p:childTnLst>
+                                </p:cTn>
+                              </p:par>
+                              <p:par>
+                                <p:cTn id="8" presetID="10" presetClass="entr" presetSubtype="0" fill="hold" grpId="0" nodeType="withEffect">
+                                  <p:stCondLst>
+                                    <p:cond delay="0"/>
+                                  </p:stCondLst>
+                                  <p:childTnLst>
+                                    <p:set>
+                                      <p:cBhvr>
+                                        <p:cTn id="9" dur="1" fill="hold">
+                                          <p:stCondLst>
+                                            <p:cond delay="0"/>
+                                          </p:stCondLst>
+                                        </p:cTn>
+                                        <p:tgtEl>
+                                          <p:spTgt spid="32"/>
+                                        </p:tgtEl>
+                                        <p:attrNameLst>
+                                          <p:attrName>style.visibility</p:attrName>
+                                        </p:attrNameLst>
+                                      </p:cBhvr>
+                                      <p:to>
+                                        <p:strVal val="visible"/>
+                                      </p:to>
+                                    </p:set>
+                                    <p:animEffect transition="in" filter="fade">
+                                      <p:cBhvr>
+                                        <p:cTn id="10" dur="500"/>
+                                        <p:tgtEl>
+                                          <p:spTgt spid="32"/>
+                                        </p:tgtEl>
+                                      </p:cBhvr>
+                                    </p:animEffect>
+                                  </p:childTnLst>
+                                </p:cTn>
+                              </p:par>
+                              <p:par>
+                                <p:cTn id="11" presetID="10" presetClass="entr" presetSubtype="0" fill="hold" nodeType="withEffect">
+                                  <p:stCondLst>
+                                    <p:cond delay="0"/>
+                                  </p:stCondLst>
+                                  <p:childTnLst>
+                                    <p:set>
+                                      <p:cBhvr>
+                                        <p:cTn id="12" dur="1" fill="hold">
+                                          <p:stCondLst>
+                                            <p:cond delay="0"/>
+                                          </p:stCondLst>
+                                        </p:cTn>
+                                        <p:tgtEl>
+                                          <p:spTgt spid="13"/>
+                                        </p:tgtEl>
+                                        <p:attrNameLst>
+                                          <p:attrName>style.visibility</p:attrName>
+                                        </p:attrNameLst>
+                                      </p:cBhvr>
+                                      <p:to>
+                                        <p:strVal val="visible"/>
+                                      </p:to>
+                                    </p:set>
+                                    <p:animEffect transition="in" filter="fade">
+                                      <p:cBhvr>
+                                        <p:cTn id="13" dur="500"/>
+                                        <p:tgtEl>
+                                          <p:spTgt spid="13"/>
+                                        </p:tgtEl>
+                                      </p:cBhvr>
+                                    </p:animEffect>
+                                  </p:childTnLst>
+                                </p:cTn>
+                              </p:par>
+                              <p:par>
+                                <p:cTn id="14" presetID="10" presetClass="entr" presetSubtype="0" fill="hold" grpId="0" nodeType="withEffect">
+                                  <p:stCondLst>
+                                    <p:cond delay="0"/>
+                                  </p:stCondLst>
+                                  <p:childTnLst>
+                                    <p:set>
+                                      <p:cBhvr>
+                                        <p:cTn id="15" dur="1" fill="hold">
+                                          <p:stCondLst>
+                                            <p:cond delay="0"/>
+                                          </p:stCondLst>
+                                        </p:cTn>
+                                        <p:tgtEl>
+                                          <p:spTgt spid="18"/>
+                                        </p:tgtEl>
+                                        <p:attrNameLst>
+                                          <p:attrName>style.visibility</p:attrName>
+                                        </p:attrNameLst>
+                                      </p:cBhvr>
+                                      <p:to>
+                                        <p:strVal val="visible"/>
+                                      </p:to>
+                                    </p:set>
+                                    <p:animEffect transition="in" filter="fade">
+                                      <p:cBhvr>
+                                        <p:cTn id="16" dur="500"/>
+                                        <p:tgtEl>
+                                          <p:spTgt spid="18"/>
+                                        </p:tgtEl>
+                                      </p:cBhvr>
+                                    </p:animEffect>
+                                  </p:childTnLst>
+                                </p:cTn>
+                              </p:par>
+                              <p:par>
+                                <p:cTn id="17" presetID="10" presetClass="entr" presetSubtype="0" fill="hold" nodeType="withEffect">
+                                  <p:stCondLst>
+                                    <p:cond delay="0"/>
+                                  </p:stCondLst>
+                                  <p:childTnLst>
+                                    <p:set>
+                                      <p:cBhvr>
+                                        <p:cTn id="18" dur="1" fill="hold">
+                                          <p:stCondLst>
+                                            <p:cond delay="0"/>
+                                          </p:stCondLst>
+                                        </p:cTn>
+                                        <p:tgtEl>
+                                          <p:spTgt spid="21"/>
+                                        </p:tgtEl>
+                                        <p:attrNameLst>
+                                          <p:attrName>style.visibility</p:attrName>
+                                        </p:attrNameLst>
+                                      </p:cBhvr>
+                                      <p:to>
+                                        <p:strVal val="visible"/>
+                                      </p:to>
+                                    </p:set>
+                                    <p:animEffect transition="in" filter="fade">
+                                      <p:cBhvr>
+                                        <p:cTn id="19" dur="500"/>
+                                        <p:tgtEl>
+                                          <p:spTgt spid="21"/>
+                                        </p:tgtEl>
+                                      </p:cBhvr>
+                                    </p:animEffect>
+                                  </p:childTnLst>
+                                </p:cTn>
+                              </p:par>
+                              <p:par>
+                                <p:cTn id="20" presetID="10" presetClass="entr" presetSubtype="0" fill="hold" grpId="0" nodeType="withEffect">
+                                  <p:stCondLst>
+                                    <p:cond delay="0"/>
+                                  </p:stCondLst>
+                                  <p:childTnLst>
+                                    <p:set>
+                                      <p:cBhvr>
+                                        <p:cTn id="21" dur="1" fill="hold">
+                                          <p:stCondLst>
+                                            <p:cond delay="0"/>
+                                          </p:stCondLst>
+                                        </p:cTn>
+                                        <p:tgtEl>
+                                          <p:spTgt spid="25"/>
+                                        </p:tgtEl>
+                                        <p:attrNameLst>
+                                          <p:attrName>style.visibility</p:attrName>
+                                        </p:attrNameLst>
+                                      </p:cBhvr>
+                                      <p:to>
+                                        <p:strVal val="visible"/>
+                                      </p:to>
+                                    </p:set>
+                                    <p:animEffect transition="in" filter="fade">
+                                      <p:cBhvr>
+                                        <p:cTn id="22" dur="500"/>
+                                        <p:tgtEl>
+                                          <p:spTgt spid="25"/>
+                                        </p:tgtEl>
+                                      </p:cBhvr>
+                                    </p:animEffect>
+                                  </p:childTnLst>
+                                </p:cTn>
+                              </p:par>
+                            </p:childTnLst>
+                          </p:cTn>
+                        </p:par>
+                      </p:childTnLst>
+                    </p:cTn>
+                  </p:par>
+                  <p:par>
+                    <p:cTn id="23" fill="hold">
+                      <p:stCondLst>
+                        <p:cond delay="indefinite"/>
+                      </p:stCondLst>
+                      <p:childTnLst>
+                        <p:par>
+                          <p:cTn id="24" fill="hold">
+                            <p:stCondLst>
+                              <p:cond delay="0"/>
+                            </p:stCondLst>
+                            <p:childTnLst>
+                              <p:par>
+                                <p:cTn id="25" presetID="10" presetClass="entr" presetSubtype="0" fill="hold" nodeType="clickEffect">
+                                  <p:stCondLst>
+                                    <p:cond delay="0"/>
+                                  </p:stCondLst>
+                                  <p:childTnLst>
+                                    <p:set>
+                                      <p:cBhvr>
+                                        <p:cTn id="26" dur="1" fill="hold">
+                                          <p:stCondLst>
+                                            <p:cond delay="0"/>
+                                          </p:stCondLst>
+                                        </p:cTn>
+                                        <p:tgtEl>
+                                          <p:spTgt spid="15"/>
+                                        </p:tgtEl>
+                                        <p:attrNameLst>
+                                          <p:attrName>style.visibility</p:attrName>
+                                        </p:attrNameLst>
+                                      </p:cBhvr>
+                                      <p:to>
+                                        <p:strVal val="visible"/>
+                                      </p:to>
+                                    </p:set>
+                                    <p:animEffect transition="in" filter="fade">
+                                      <p:cBhvr>
+                                        <p:cTn id="27" dur="500"/>
+                                        <p:tgtEl>
+                                          <p:spTgt spid="15"/>
+                                        </p:tgtEl>
+                                      </p:cBhvr>
+                                    </p:animEffect>
+                                  </p:childTnLst>
+                                </p:cTn>
+                              </p:par>
+                              <p:par>
+                                <p:cTn id="28" presetID="10" presetClass="entr" presetSubtype="0" fill="hold" nodeType="withEffect">
+                                  <p:stCondLst>
+                                    <p:cond delay="0"/>
+                                  </p:stCondLst>
+                                  <p:childTnLst>
+                                    <p:set>
+                                      <p:cBhvr>
+                                        <p:cTn id="29" dur="1" fill="hold">
+                                          <p:stCondLst>
+                                            <p:cond delay="0"/>
+                                          </p:stCondLst>
+                                        </p:cTn>
+                                        <p:tgtEl>
+                                          <p:spTgt spid="36"/>
+                                        </p:tgtEl>
+                                        <p:attrNameLst>
+                                          <p:attrName>style.visibility</p:attrName>
+                                        </p:attrNameLst>
+                                      </p:cBhvr>
+                                      <p:to>
+                                        <p:strVal val="visible"/>
+                                      </p:to>
+                                    </p:set>
+                                    <p:animEffect transition="in" filter="fade">
+                                      <p:cBhvr>
+                                        <p:cTn id="30" dur="500"/>
+                                        <p:tgtEl>
+                                          <p:spTgt spid="36"/>
+                                        </p:tgtEl>
+                                      </p:cBhvr>
+                                    </p:animEffect>
+                                  </p:childTnLst>
+                                </p:cTn>
+                              </p:par>
+                              <p:par>
+                                <p:cTn id="31" presetID="10" presetClass="entr" presetSubtype="0" fill="hold" grpId="0" nodeType="withEffect">
+                                  <p:stCondLst>
+                                    <p:cond delay="0"/>
+                                  </p:stCondLst>
+                                  <p:childTnLst>
+                                    <p:set>
+                                      <p:cBhvr>
+                                        <p:cTn id="32" dur="1" fill="hold">
+                                          <p:stCondLst>
+                                            <p:cond delay="0"/>
+                                          </p:stCondLst>
+                                        </p:cTn>
+                                        <p:tgtEl>
+                                          <p:spTgt spid="41"/>
+                                        </p:tgtEl>
+                                        <p:attrNameLst>
+                                          <p:attrName>style.visibility</p:attrName>
+                                        </p:attrNameLst>
+                                      </p:cBhvr>
+                                      <p:to>
+                                        <p:strVal val="visible"/>
+                                      </p:to>
+                                    </p:set>
+                                    <p:animEffect transition="in" filter="fade">
+                                      <p:cBhvr>
+                                        <p:cTn id="33" dur="500"/>
+                                        <p:tgtEl>
+                                          <p:spTgt spid="41"/>
+                                        </p:tgtEl>
+                                      </p:cBhvr>
+                                    </p:animEffect>
+                                  </p:childTnLst>
+                                </p:cTn>
+                              </p:par>
+                              <p:par>
+                                <p:cTn id="34" presetID="10" presetClass="entr" presetSubtype="0" fill="hold" grpId="0" nodeType="withEffect">
+                                  <p:stCondLst>
+                                    <p:cond delay="0"/>
+                                  </p:stCondLst>
+                                  <p:childTnLst>
+                                    <p:set>
+                                      <p:cBhvr>
+                                        <p:cTn id="35" dur="1" fill="hold">
+                                          <p:stCondLst>
+                                            <p:cond delay="0"/>
+                                          </p:stCondLst>
+                                        </p:cTn>
+                                        <p:tgtEl>
+                                          <p:spTgt spid="10"/>
+                                        </p:tgtEl>
+                                        <p:attrNameLst>
+                                          <p:attrName>style.visibility</p:attrName>
+                                        </p:attrNameLst>
+                                      </p:cBhvr>
+                                      <p:to>
+                                        <p:strVal val="visible"/>
+                                      </p:to>
+                                    </p:set>
+                                    <p:animEffect transition="in" filter="fade">
+                                      <p:cBhvr>
+                                        <p:cTn id="36" dur="500"/>
+                                        <p:tgtEl>
+                                          <p:spTgt spid="10"/>
+                                        </p:tgtEl>
+                                      </p:cBhvr>
+                                    </p:animEffect>
+                                  </p:childTnLst>
+                                </p:cTn>
+                              </p:par>
+                              <p:par>
+                                <p:cTn id="37" presetID="10" presetClass="entr" presetSubtype="0" fill="hold" grpId="0" nodeType="withEffect">
+                                  <p:stCondLst>
+                                    <p:cond delay="0"/>
+                                  </p:stCondLst>
+                                  <p:childTnLst>
+                                    <p:set>
+                                      <p:cBhvr>
+                                        <p:cTn id="38" dur="1" fill="hold">
+                                          <p:stCondLst>
+                                            <p:cond delay="0"/>
+                                          </p:stCondLst>
+                                        </p:cTn>
+                                        <p:tgtEl>
+                                          <p:spTgt spid="26"/>
+                                        </p:tgtEl>
+                                        <p:attrNameLst>
+                                          <p:attrName>style.visibility</p:attrName>
+                                        </p:attrNameLst>
+                                      </p:cBhvr>
+                                      <p:to>
+                                        <p:strVal val="visible"/>
+                                      </p:to>
+                                    </p:set>
+                                    <p:animEffect transition="in" filter="fade">
+                                      <p:cBhvr>
+                                        <p:cTn id="39" dur="500"/>
+                                        <p:tgtEl>
+                                          <p:spTgt spid="26"/>
+                                        </p:tgtEl>
+                                      </p:cBhvr>
+                                    </p:animEffect>
+                                  </p:childTnLst>
+                                </p:cTn>
+                              </p:par>
+                              <p:par>
+                                <p:cTn id="40" presetID="10" presetClass="entr" presetSubtype="0" fill="hold" nodeType="withEffect">
+                                  <p:stCondLst>
+                                    <p:cond delay="0"/>
+                                  </p:stCondLst>
+                                  <p:childTnLst>
+                                    <p:set>
+                                      <p:cBhvr>
+                                        <p:cTn id="41" dur="1" fill="hold">
+                                          <p:stCondLst>
+                                            <p:cond delay="0"/>
+                                          </p:stCondLst>
+                                        </p:cTn>
+                                        <p:tgtEl>
+                                          <p:spTgt spid="23"/>
+                                        </p:tgtEl>
+                                        <p:attrNameLst>
+                                          <p:attrName>style.visibility</p:attrName>
+                                        </p:attrNameLst>
+                                      </p:cBhvr>
+                                      <p:to>
+                                        <p:strVal val="visible"/>
+                                      </p:to>
+                                    </p:set>
+                                    <p:animEffect transition="in" filter="fade">
+                                      <p:cBhvr>
+                                        <p:cTn id="42" dur="500"/>
+                                        <p:tgtEl>
+                                          <p:spTgt spid="23"/>
+                                        </p:tgtEl>
+                                      </p:cBhvr>
+                                    </p:animEffect>
+                                  </p:childTnLst>
+                                </p:cTn>
+                              </p:par>
+                            </p:childTnLst>
+                          </p:cTn>
+                        </p:par>
+                      </p:childTnLst>
+                    </p:cTn>
+                  </p:par>
+                  <p:par>
+                    <p:cTn id="43" fill="hold">
+                      <p:stCondLst>
+                        <p:cond delay="indefinite"/>
+                      </p:stCondLst>
+                      <p:childTnLst>
+                        <p:par>
+                          <p:cTn id="44" fill="hold">
+                            <p:stCondLst>
+                              <p:cond delay="0"/>
+                            </p:stCondLst>
+                            <p:childTnLst>
+                              <p:par>
+                                <p:cTn id="45" presetID="10" presetClass="entr" presetSubtype="0" fill="hold" nodeType="clickEffect">
+                                  <p:stCondLst>
+                                    <p:cond delay="0"/>
+                                  </p:stCondLst>
+                                  <p:childTnLst>
+                                    <p:set>
+                                      <p:cBhvr>
+                                        <p:cTn id="46" dur="1" fill="hold">
+                                          <p:stCondLst>
+                                            <p:cond delay="0"/>
+                                          </p:stCondLst>
+                                        </p:cTn>
+                                        <p:tgtEl>
+                                          <p:spTgt spid="47"/>
+                                        </p:tgtEl>
+                                        <p:attrNameLst>
+                                          <p:attrName>style.visibility</p:attrName>
+                                        </p:attrNameLst>
+                                      </p:cBhvr>
+                                      <p:to>
+                                        <p:strVal val="visible"/>
+                                      </p:to>
+                                    </p:set>
+                                    <p:animEffect transition="in" filter="fade">
+                                      <p:cBhvr>
+                                        <p:cTn id="47" dur="1000"/>
+                                        <p:tgtEl>
+                                          <p:spTgt spid="47"/>
+                                        </p:tgtEl>
+                                      </p:cBhvr>
+                                    </p:animEffect>
+                                  </p:childTnLst>
+                                </p:cTn>
+                              </p:par>
+                              <p:par>
+                                <p:cTn id="48" presetID="10" presetClass="entr" presetSubtype="0" fill="hold" grpId="0" nodeType="withEffect">
+                                  <p:stCondLst>
+                                    <p:cond delay="0"/>
+                                  </p:stCondLst>
+                                  <p:childTnLst>
+                                    <p:set>
+                                      <p:cBhvr>
+                                        <p:cTn id="49" dur="1" fill="hold">
+                                          <p:stCondLst>
+                                            <p:cond delay="0"/>
+                                          </p:stCondLst>
+                                        </p:cTn>
+                                        <p:tgtEl>
+                                          <p:spTgt spid="53"/>
+                                        </p:tgtEl>
+                                        <p:attrNameLst>
+                                          <p:attrName>style.visibility</p:attrName>
+                                        </p:attrNameLst>
+                                      </p:cBhvr>
+                                      <p:to>
+                                        <p:strVal val="visible"/>
+                                      </p:to>
+                                    </p:set>
+                                    <p:animEffect transition="in" filter="fade">
+                                      <p:cBhvr>
+                                        <p:cTn id="50" dur="1000"/>
+                                        <p:tgtEl>
+                                          <p:spTgt spid="53"/>
+                                        </p:tgtEl>
+                                      </p:cBhvr>
+                                    </p:animEffect>
+                                  </p:childTnLst>
+                                </p:cTn>
+                              </p:par>
+                              <p:par>
+                                <p:cTn id="51" presetID="10" presetClass="entr" presetSubtype="0" fill="hold" nodeType="withEffect">
+                                  <p:stCondLst>
+                                    <p:cond delay="0"/>
+                                  </p:stCondLst>
+                                  <p:childTnLst>
+                                    <p:set>
+                                      <p:cBhvr>
+                                        <p:cTn id="52" dur="1" fill="hold">
+                                          <p:stCondLst>
+                                            <p:cond delay="0"/>
+                                          </p:stCondLst>
+                                        </p:cTn>
+                                        <p:tgtEl>
+                                          <p:spTgt spid="43"/>
+                                        </p:tgtEl>
+                                        <p:attrNameLst>
+                                          <p:attrName>style.visibility</p:attrName>
+                                        </p:attrNameLst>
+                                      </p:cBhvr>
+                                      <p:to>
+                                        <p:strVal val="visible"/>
+                                      </p:to>
+                                    </p:set>
+                                    <p:animEffect transition="in" filter="fade">
+                                      <p:cBhvr>
+                                        <p:cTn id="53" dur="1000"/>
+                                        <p:tgtEl>
+                                          <p:spTgt spid="43"/>
+                                        </p:tgtEl>
+                                      </p:cBhvr>
+                                    </p:animEffect>
+                                  </p:childTnLst>
+                                </p:cTn>
+                              </p:par>
+                              <p:par>
+                                <p:cTn id="54" presetID="10" presetClass="entr" presetSubtype="0" fill="hold" grpId="0" nodeType="withEffect">
+                                  <p:stCondLst>
+                                    <p:cond delay="0"/>
+                                  </p:stCondLst>
+                                  <p:childTnLst>
+                                    <p:set>
+                                      <p:cBhvr>
+                                        <p:cTn id="55" dur="1" fill="hold">
+                                          <p:stCondLst>
+                                            <p:cond delay="0"/>
+                                          </p:stCondLst>
+                                        </p:cTn>
+                                        <p:tgtEl>
+                                          <p:spTgt spid="19"/>
+                                        </p:tgtEl>
+                                        <p:attrNameLst>
+                                          <p:attrName>style.visibility</p:attrName>
+                                        </p:attrNameLst>
+                                      </p:cBhvr>
+                                      <p:to>
+                                        <p:strVal val="visible"/>
+                                      </p:to>
+                                    </p:set>
+                                    <p:animEffect transition="in" filter="fade">
+                                      <p:cBhvr>
+                                        <p:cTn id="56" dur="1000"/>
+                                        <p:tgtEl>
+                                          <p:spTgt spid="19"/>
+                                        </p:tgtEl>
+                                      </p:cBhvr>
+                                    </p:animEffect>
+                                  </p:childTnLst>
+                                </p:cTn>
+                              </p:par>
+                            </p:childTnLst>
+                          </p:cTn>
+                        </p:par>
+                      </p:childTnLst>
+                    </p:cTn>
+                  </p:par>
+                  <p:par>
+                    <p:cTn id="57" fill="hold">
+                      <p:stCondLst>
+                        <p:cond delay="indefinite"/>
+                      </p:stCondLst>
+                      <p:childTnLst>
+                        <p:par>
+                          <p:cTn id="58" fill="hold">
+                            <p:stCondLst>
+                              <p:cond delay="0"/>
+                            </p:stCondLst>
+                            <p:childTnLst>
+                              <p:par>
+                                <p:cTn id="59" presetID="10" presetClass="entr" presetSubtype="0" fill="hold" nodeType="clickEffect">
+                                  <p:stCondLst>
+                                    <p:cond delay="0"/>
+                                  </p:stCondLst>
+                                  <p:childTnLst>
+                                    <p:set>
+                                      <p:cBhvr>
+                                        <p:cTn id="60" dur="1" fill="hold">
+                                          <p:stCondLst>
+                                            <p:cond delay="0"/>
+                                          </p:stCondLst>
+                                        </p:cTn>
+                                        <p:tgtEl>
+                                          <p:spTgt spid="44"/>
+                                        </p:tgtEl>
+                                        <p:attrNameLst>
+                                          <p:attrName>style.visibility</p:attrName>
+                                        </p:attrNameLst>
+                                      </p:cBhvr>
+                                      <p:to>
+                                        <p:strVal val="visible"/>
+                                      </p:to>
+                                    </p:set>
+                                    <p:animEffect transition="in" filter="fade">
+                                      <p:cBhvr>
+                                        <p:cTn id="61" dur="2000"/>
+                                        <p:tgtEl>
+                                          <p:spTgt spid="44"/>
+                                        </p:tgtEl>
+                                      </p:cBhvr>
+                                    </p:animEffect>
+                                  </p:childTnLst>
+                                </p:cTn>
+                              </p:par>
+                              <p:par>
+                                <p:cTn id="62" presetID="10" presetClass="entr" presetSubtype="0" fill="hold" grpId="0" nodeType="withEffect">
+                                  <p:stCondLst>
+                                    <p:cond delay="0"/>
+                                  </p:stCondLst>
+                                  <p:childTnLst>
+                                    <p:set>
+                                      <p:cBhvr>
+                                        <p:cTn id="63" dur="1" fill="hold">
+                                          <p:stCondLst>
+                                            <p:cond delay="0"/>
+                                          </p:stCondLst>
+                                        </p:cTn>
+                                        <p:tgtEl>
+                                          <p:spTgt spid="11"/>
+                                        </p:tgtEl>
+                                        <p:attrNameLst>
+                                          <p:attrName>style.visibility</p:attrName>
+                                        </p:attrNameLst>
+                                      </p:cBhvr>
+                                      <p:to>
+                                        <p:strVal val="visible"/>
+                                      </p:to>
+                                    </p:set>
+                                    <p:animEffect transition="in" filter="fade">
+                                      <p:cBhvr>
+                                        <p:cTn id="64" dur="2000"/>
+                                        <p:tgtEl>
+                                          <p:spTgt spid="11"/>
+                                        </p:tgtEl>
+                                      </p:cBhvr>
+                                    </p:animEffect>
+                                  </p:childTnLst>
+                                </p:cTn>
+                              </p:par>
+                              <p:par>
+                                <p:cTn id="65" presetID="10" presetClass="entr" presetSubtype="0" fill="hold" nodeType="withEffect">
+                                  <p:stCondLst>
+                                    <p:cond delay="0"/>
+                                  </p:stCondLst>
+                                  <p:childTnLst>
+                                    <p:set>
+                                      <p:cBhvr>
+                                        <p:cTn id="66" dur="1" fill="hold">
+                                          <p:stCondLst>
+                                            <p:cond delay="0"/>
+                                          </p:stCondLst>
+                                        </p:cTn>
+                                        <p:tgtEl>
+                                          <p:spTgt spid="17"/>
+                                        </p:tgtEl>
+                                        <p:attrNameLst>
+                                          <p:attrName>style.visibility</p:attrName>
+                                        </p:attrNameLst>
+                                      </p:cBhvr>
+                                      <p:to>
+                                        <p:strVal val="visible"/>
+                                      </p:to>
+                                    </p:set>
+                                    <p:animEffect transition="in" filter="fade">
+                                      <p:cBhvr>
+                                        <p:cTn id="67" dur="2000"/>
+                                        <p:tgtEl>
+                                          <p:spTgt spid="17"/>
+                                        </p:tgtEl>
+                                      </p:cBhvr>
+                                    </p:animEffect>
+                                  </p:childTnLst>
+                                </p:cTn>
+                              </p:par>
+                              <p:par>
+                                <p:cTn id="68" presetID="56" presetClass="path" presetSubtype="0" accel="50000" decel="50000" fill="hold" grpId="1" nodeType="withEffect">
+                                  <p:stCondLst>
+                                    <p:cond delay="0"/>
+                                  </p:stCondLst>
+                                  <p:childTnLst>
+                                    <p:animMotion origin="layout" path="M -2.77778E-6 -2.09991E-6 L 0.08073 -0.10453 " pathEditMode="relative" rAng="0" ptsTypes="AA">
+                                      <p:cBhvr>
+                                        <p:cTn id="69" dur="2000" fill="hold"/>
+                                        <p:tgtEl>
+                                          <p:spTgt spid="53"/>
+                                        </p:tgtEl>
+                                        <p:attrNameLst>
+                                          <p:attrName>ppt_x</p:attrName>
+                                          <p:attrName>ppt_y</p:attrName>
+                                        </p:attrNameLst>
+                                      </p:cBhvr>
+                                      <p:rCtr x="40" y="-52"/>
+                                    </p:animMotion>
+                                  </p:childTnLst>
+                                </p:cTn>
+                              </p:par>
+                              <p:par>
+                                <p:cTn id="70" presetID="56" presetClass="path" presetSubtype="0" accel="50000" decel="50000" fill="hold" nodeType="withEffect">
+                                  <p:stCondLst>
+                                    <p:cond delay="0"/>
+                                  </p:stCondLst>
+                                  <p:childTnLst>
+                                    <p:animMotion origin="layout" path="M -1.11111E-6 -2.20167E-6 L 0.11424 -0.09713 " pathEditMode="relative" rAng="0" ptsTypes="AA">
+                                      <p:cBhvr>
+                                        <p:cTn id="71" dur="2000" fill="hold"/>
+                                        <p:tgtEl>
+                                          <p:spTgt spid="47"/>
+                                        </p:tgtEl>
+                                        <p:attrNameLst>
+                                          <p:attrName>ppt_x</p:attrName>
+                                          <p:attrName>ppt_y</p:attrName>
+                                        </p:attrNameLst>
+                                      </p:cBhvr>
+                                      <p:rCtr x="57" y="-49"/>
+                                    </p:animMotion>
+                                  </p:childTnLst>
+                                </p:cTn>
+                              </p:par>
+                            </p:childTnLst>
+                          </p:cTn>
+                        </p:par>
+                      </p:childTnLst>
+                    </p:cTn>
+                  </p:par>
+                  <p:par>
+                    <p:cTn id="72" fill="hold">
+                      <p:stCondLst>
+                        <p:cond delay="indefinite"/>
+                      </p:stCondLst>
+                      <p:childTnLst>
+                        <p:par>
+                          <p:cTn id="73" fill="hold">
+                            <p:stCondLst>
+                              <p:cond delay="0"/>
+                            </p:stCondLst>
+                            <p:childTnLst>
+                              <p:par>
+                                <p:cTn id="74" presetID="10" presetClass="entr" presetSubtype="0" fill="hold" grpId="0" nodeType="clickEffect">
+                                  <p:stCondLst>
+                                    <p:cond delay="0"/>
+                                  </p:stCondLst>
+                                  <p:childTnLst>
+                                    <p:set>
+                                      <p:cBhvr>
+                                        <p:cTn id="75" dur="1" fill="hold">
+                                          <p:stCondLst>
+                                            <p:cond delay="0"/>
+                                          </p:stCondLst>
+                                        </p:cTn>
+                                        <p:tgtEl>
+                                          <p:spTgt spid="56"/>
+                                        </p:tgtEl>
+                                        <p:attrNameLst>
+                                          <p:attrName>style.visibility</p:attrName>
+                                        </p:attrNameLst>
+                                      </p:cBhvr>
+                                      <p:to>
+                                        <p:strVal val="visible"/>
+                                      </p:to>
+                                    </p:set>
+                                    <p:animEffect transition="in" filter="fade">
+                                      <p:cBhvr>
+                                        <p:cTn id="76" dur="2000"/>
+                                        <p:tgtEl>
+                                          <p:spTgt spid="56"/>
+                                        </p:tgtEl>
+                                      </p:cBhvr>
+                                    </p:animEffect>
+                                  </p:childTnLst>
+                                </p:cTn>
+                              </p:par>
+                              <p:par>
+                                <p:cTn id="77" presetID="10" presetClass="entr" presetSubtype="0" fill="hold" nodeType="withEffect">
+                                  <p:stCondLst>
+                                    <p:cond delay="0"/>
+                                  </p:stCondLst>
+                                  <p:childTnLst>
+                                    <p:set>
+                                      <p:cBhvr>
+                                        <p:cTn id="78" dur="1" fill="hold">
+                                          <p:stCondLst>
+                                            <p:cond delay="0"/>
+                                          </p:stCondLst>
+                                        </p:cTn>
+                                        <p:tgtEl>
+                                          <p:spTgt spid="55"/>
+                                        </p:tgtEl>
+                                        <p:attrNameLst>
+                                          <p:attrName>style.visibility</p:attrName>
+                                        </p:attrNameLst>
+                                      </p:cBhvr>
+                                      <p:to>
+                                        <p:strVal val="visible"/>
+                                      </p:to>
+                                    </p:set>
+                                    <p:animEffect transition="in" filter="fade">
+                                      <p:cBhvr>
+                                        <p:cTn id="79" dur="2000"/>
+                                        <p:tgtEl>
+                                          <p:spTgt spid="55"/>
+                                        </p:tgtEl>
+                                      </p:cBhvr>
+                                    </p:animEffect>
+                                  </p:childTnLst>
+                                </p:cTn>
+                              </p:par>
+                            </p:childTnLst>
+                          </p:cTn>
+                        </p:par>
+                      </p:childTnLst>
+                    </p:cTn>
+                  </p:par>
+                </p:childTnLst>
+              </p:cTn>
+              <p:prevCondLst>
+                <p:cond evt="onPrev" delay="0">
+                  <p:tgtEl>
+                    <p:sldTgt/>
+                  </p:tgtEl>
+                </p:cond>
+              </p:prevCondLst>
+              <p:nextCondLst>
+                <p:cond evt="onNext" delay="0">
+                  <p:tgtEl>
+                    <p:sldTgt/>
+                  </p:tgtEl>
+                </p:cond>
+              </p:nextCondLst>
+            </p:seq>
+          </p:childTnLst>
+        </p:cTn>
+      </p:par>
+    </p:tnLst>
+    <p:bldLst>
+      <p:bldP spid="10" grpId="0" animBg="1"/>
+      <p:bldP spid="11" grpId="0" animBg="1"/>
+      <p:bldP spid="18" grpId="0" animBg="1"/>
+      <p:bldP spid="19" grpId="0" animBg="1"/>
+      <p:bldP spid="25" grpId="0"/>
+      <p:bldP spid="26" grpId="0"/>
+      <p:bldP spid="32" grpId="0"/>
+      <p:bldP spid="41" grpId="0"/>
+      <p:bldP spid="53" grpId="0"/>
+      <p:bldP spid="53" grpId="1"/>
+      <p:bldP spid="56" grpId="0"/>
+    </p:bldLst>
+  </p:timing>
+</p:sld>
+</file>
+
+<file path=ppt/slides/slide9.xml><?xml version="1.0" encoding="utf-8"?>
+<p:sld xmlns:a="http://schemas.openxmlformats.org/drawingml/2006/main" xmlns:r="http://schemas.openxmlformats.org/officeDocument/2006/relationships" xmlns:p="http://schemas.openxmlformats.org/presentationml/2006/main">
+  <p:cSld>
+    <p:spTree>
+      <p:nvGrpSpPr>
+        <p:cNvPr id="1" name=""/>
+        <p:cNvGrpSpPr/>
+        <p:nvPr/>
+      </p:nvGrpSpPr>
+      <p:grpSpPr>
+        <a:xfrm>
+          <a:off x="0" y="0"/>
+          <a:ext cx="0" cy="0"/>
+          <a:chOff x="0" y="0"/>
+          <a:chExt cx="0" cy="0"/>
+        </a:xfrm>
+      </p:grpSpPr>
+      <p:sp>
+        <p:nvSpPr>
+          <p:cNvPr id="2" name="Titre 1"/>
+          <p:cNvSpPr>
+            <a:spLocks noGrp="1"/>
+          </p:cNvSpPr>
+          <p:nvPr>
+            <p:ph type="title"/>
+          </p:nvPr>
+        </p:nvSpPr>
+        <p:spPr/>
+        <p:txBody>
+          <a:bodyPr/>
+          <a:lstStyle/>
+          <a:p>
+            <a:r>
+              <a:rPr lang="fr-FR" dirty="0" smtClean="0"/>
+              <a:t>Source of </a:t>
+            </a:r>
+            <a:r>
+              <a:rPr lang="fr-FR" dirty="0" err="1" smtClean="0"/>
+              <a:t>vagueness</a:t>
+            </a:r>
+            <a:endParaRPr lang="fr-FR" dirty="0"/>
+          </a:p>
+        </p:txBody>
+      </p:sp>
+      <p:sp>
+        <p:nvSpPr>
+          <p:cNvPr id="3" name="Espace réservé du contenu 2"/>
+          <p:cNvSpPr>
+            <a:spLocks noGrp="1"/>
+          </p:cNvSpPr>
+          <p:nvPr>
+            <p:ph idx="1"/>
+          </p:nvPr>
+        </p:nvSpPr>
+        <p:spPr/>
+        <p:txBody>
+          <a:bodyPr/>
+          <a:lstStyle/>
+          <a:p>
+            <a:r>
+              <a:rPr lang="fr-FR" dirty="0" err="1" smtClean="0"/>
+              <a:t>Autocalibration</a:t>
+            </a:r>
+            <a:r>
+              <a:rPr lang="fr-FR" dirty="0" smtClean="0"/>
+              <a:t> </a:t>
+            </a:r>
+            <a:r>
+              <a:rPr lang="fr-FR" dirty="0" err="1" smtClean="0"/>
+              <a:t>is</a:t>
+            </a:r>
+            <a:r>
+              <a:rPr lang="fr-FR" dirty="0" smtClean="0"/>
+              <a:t> </a:t>
+            </a:r>
+            <a:r>
+              <a:rPr lang="fr-FR" dirty="0" err="1" smtClean="0"/>
+              <a:t>needed</a:t>
+            </a:r>
+            <a:r>
+              <a:rPr lang="fr-FR" dirty="0" smtClean="0"/>
+              <a:t> for the </a:t>
+            </a:r>
+            <a:r>
+              <a:rPr lang="fr-FR" dirty="0" err="1" smtClean="0"/>
+              <a:t>beacon</a:t>
+            </a:r>
+            <a:endParaRPr lang="fr-FR" dirty="0" smtClean="0"/>
+          </a:p>
+          <a:p>
+            <a:pPr lvl="1"/>
+            <a:r>
+              <a:rPr lang="fr-FR" dirty="0" smtClean="0"/>
+              <a:t>Must </a:t>
+            </a:r>
+            <a:r>
+              <a:rPr lang="fr-FR" dirty="0" err="1" smtClean="0"/>
+              <a:t>send</a:t>
+            </a:r>
+            <a:r>
+              <a:rPr lang="fr-FR" dirty="0" smtClean="0"/>
+              <a:t> back </a:t>
+            </a:r>
+            <a:r>
+              <a:rPr lang="fr-FR" dirty="0" err="1" smtClean="0"/>
+              <a:t>chirp</a:t>
+            </a:r>
+            <a:r>
+              <a:rPr lang="fr-FR" dirty="0" smtClean="0"/>
+              <a:t> 1 sec </a:t>
+            </a:r>
+            <a:r>
+              <a:rPr lang="fr-FR" dirty="0" err="1" smtClean="0"/>
+              <a:t>later</a:t>
+            </a:r>
+            <a:endParaRPr lang="fr-FR" dirty="0"/>
+          </a:p>
+        </p:txBody>
+      </p:sp>
+      <p:sp>
+        <p:nvSpPr>
+          <p:cNvPr id="4" name="Espace réservé du pied de page 3"/>
+          <p:cNvSpPr>
+            <a:spLocks noGrp="1"/>
+          </p:cNvSpPr>
+          <p:nvPr>
+            <p:ph type="ftr" sz="quarter" idx="11"/>
+          </p:nvPr>
+        </p:nvSpPr>
+        <p:spPr/>
+        <p:txBody>
+          <a:bodyPr/>
+          <a:lstStyle/>
+          <a:p>
+            <a:r>
+              <a:rPr lang="fr-FR" smtClean="0"/>
+              <a:t>BOYE Jean-Jacques - Ensta Bretagne/ UFRGS</a:t>
+            </a:r>
+            <a:endParaRPr lang="fr-BE"/>
+          </a:p>
+        </p:txBody>
+      </p:sp>
+      <p:cxnSp>
+        <p:nvCxnSpPr>
+          <p:cNvPr id="25" name="Connecteur droit avec flèche 24"/>
+          <p:cNvCxnSpPr/>
+          <p:nvPr/>
+        </p:nvCxnSpPr>
+        <p:spPr>
+          <a:xfrm>
+            <a:off x="928662" y="5406110"/>
+            <a:ext cx="7786742" cy="1588"/>
+          </a:xfrm>
+          <a:prstGeom prst="straightConnector1">
+            <a:avLst/>
+          </a:prstGeom>
+          <a:ln>
+            <a:tailEnd type="arrow"/>
+          </a:ln>
+        </p:spPr>
+        <p:style>
+          <a:lnRef idx="3">
+            <a:schemeClr val="accent3"/>
+          </a:lnRef>
+          <a:fillRef idx="0">
+            <a:schemeClr val="accent3"/>
+          </a:fillRef>
+          <a:effectRef idx="2">
+            <a:schemeClr val="accent3"/>
+          </a:effectRef>
+          <a:fontRef idx="minor">
+            <a:schemeClr val="tx1"/>
+          </a:fontRef>
+        </p:style>
+      </p:cxnSp>
+      <p:sp>
+        <p:nvSpPr>
+          <p:cNvPr id="26" name="ZoneTexte 25"/>
+          <p:cNvSpPr txBox="1"/>
+          <p:nvPr/>
+        </p:nvSpPr>
+        <p:spPr>
+          <a:xfrm>
+            <a:off x="6715108" y="5334672"/>
+            <a:ext cx="2214578" cy="369332"/>
+          </a:xfrm>
+          <a:prstGeom prst="rect">
+            <a:avLst/>
+          </a:prstGeom>
+          <a:noFill/>
+        </p:spPr>
+        <p:txBody>
+          <a:bodyPr wrap="square" rtlCol="0">
+            <a:spAutoFit/>
+          </a:bodyPr>
+          <a:lstStyle/>
+          <a:p>
+            <a:r>
+              <a:rPr lang="fr-FR" dirty="0" err="1" smtClean="0"/>
+              <a:t>Number</a:t>
+            </a:r>
+            <a:r>
+              <a:rPr lang="fr-FR" dirty="0" smtClean="0"/>
+              <a:t> of frames</a:t>
+            </a:r>
+            <a:endParaRPr lang="fr-FR" dirty="0"/>
+          </a:p>
+        </p:txBody>
+      </p:sp>
+      <p:sp>
+        <p:nvSpPr>
+          <p:cNvPr id="27" name="Triangle isocèle 26"/>
+          <p:cNvSpPr/>
+          <p:nvPr/>
+        </p:nvSpPr>
+        <p:spPr>
+          <a:xfrm>
+            <a:off x="2928926" y="3977350"/>
+            <a:ext cx="142876" cy="1428760"/>
+          </a:xfrm>
+          <a:prstGeom prst="triangle">
+            <a:avLst/>
+          </a:prstGeom>
+        </p:spPr>
+        <p:style>
+          <a:lnRef idx="1">
+            <a:schemeClr val="accent5"/>
+          </a:lnRef>
+          <a:fillRef idx="3">
+            <a:schemeClr val="accent5"/>
+          </a:fillRef>
+          <a:effectRef idx="2">
+            <a:schemeClr val="accent5"/>
+          </a:effectRef>
+          <a:fontRef idx="minor">
+            <a:schemeClr val="lt1"/>
+          </a:fontRef>
+        </p:style>
+        <p:txBody>
+          <a:bodyPr rtlCol="0" anchor="ctr"/>
+          <a:lstStyle/>
+          <a:p>
+            <a:pPr algn="ctr"/>
+            <a:endParaRPr lang="fr-FR"/>
+          </a:p>
+        </p:txBody>
+      </p:sp>
+      <p:sp>
+        <p:nvSpPr>
+          <p:cNvPr id="28" name="Triangle isocèle 27"/>
+          <p:cNvSpPr/>
+          <p:nvPr/>
+        </p:nvSpPr>
+        <p:spPr>
+          <a:xfrm>
+            <a:off x="5786446" y="3977350"/>
+            <a:ext cx="142876" cy="1428760"/>
+          </a:xfrm>
+          <a:prstGeom prst="triangle">
+            <a:avLst/>
+          </a:prstGeom>
+        </p:spPr>
+        <p:style>
+          <a:lnRef idx="1">
+            <a:schemeClr val="accent5"/>
+          </a:lnRef>
+          <a:fillRef idx="3">
+            <a:schemeClr val="accent5"/>
+          </a:fillRef>
+          <a:effectRef idx="2">
+            <a:schemeClr val="accent5"/>
+          </a:effectRef>
+          <a:fontRef idx="minor">
+            <a:schemeClr val="lt1"/>
+          </a:fontRef>
+        </p:style>
+        <p:txBody>
+          <a:bodyPr rtlCol="0" anchor="ctr"/>
+          <a:lstStyle/>
+          <a:p>
+            <a:pPr algn="ctr"/>
+            <a:endParaRPr lang="fr-FR"/>
+          </a:p>
+        </p:txBody>
+      </p:sp>
+      <p:cxnSp>
+        <p:nvCxnSpPr>
+          <p:cNvPr id="29" name="Connecteur droit avec flèche 28"/>
+          <p:cNvCxnSpPr/>
+          <p:nvPr/>
+        </p:nvCxnSpPr>
+        <p:spPr>
+          <a:xfrm>
+            <a:off x="5857884" y="4786322"/>
+            <a:ext cx="642942" cy="1588"/>
+          </a:xfrm>
+          <a:prstGeom prst="straightConnector1">
+            <a:avLst/>
+          </a:prstGeom>
+          <a:ln>
+            <a:headEnd type="arrow"/>
+            <a:tailEnd type="arrow"/>
+          </a:ln>
+        </p:spPr>
+        <p:style>
+          <a:lnRef idx="2">
+            <a:schemeClr val="accent6"/>
+          </a:lnRef>
+          <a:fillRef idx="0">
+            <a:schemeClr val="accent6"/>
+          </a:fillRef>
+          <a:effectRef idx="1">
+            <a:schemeClr val="accent6"/>
+          </a:effectRef>
+          <a:fontRef idx="minor">
+            <a:schemeClr val="tx1"/>
+          </a:fontRef>
+        </p:style>
+      </p:cxnSp>
+      <p:cxnSp>
+        <p:nvCxnSpPr>
+          <p:cNvPr id="30" name="Connecteur droit avec flèche 29"/>
+          <p:cNvCxnSpPr/>
+          <p:nvPr/>
+        </p:nvCxnSpPr>
+        <p:spPr>
+          <a:xfrm>
+            <a:off x="2143108" y="4763168"/>
+            <a:ext cx="857256" cy="1588"/>
+          </a:xfrm>
+          <a:prstGeom prst="straightConnector1">
+            <a:avLst/>
+          </a:prstGeom>
+          <a:ln>
+            <a:headEnd type="arrow"/>
+            <a:tailEnd type="arrow"/>
+          </a:ln>
+        </p:spPr>
+        <p:style>
+          <a:lnRef idx="2">
+            <a:schemeClr val="accent1"/>
+          </a:lnRef>
+          <a:fillRef idx="0">
+            <a:schemeClr val="accent1"/>
+          </a:fillRef>
+          <a:effectRef idx="1">
+            <a:schemeClr val="accent1"/>
+          </a:effectRef>
+          <a:fontRef idx="minor">
+            <a:schemeClr val="tx1"/>
+          </a:fontRef>
+        </p:style>
+      </p:cxnSp>
+      <p:sp>
+        <p:nvSpPr>
+          <p:cNvPr id="32" name="Triangle isocèle 31"/>
+          <p:cNvSpPr/>
+          <p:nvPr/>
+        </p:nvSpPr>
+        <p:spPr>
+          <a:xfrm>
+            <a:off x="2071670" y="4763168"/>
+            <a:ext cx="133352" cy="652466"/>
+          </a:xfrm>
+          <a:prstGeom prst="triangle">
+            <a:avLst/>
+          </a:prstGeom>
+        </p:spPr>
+        <p:style>
+          <a:lnRef idx="1">
+            <a:schemeClr val="accent6"/>
+          </a:lnRef>
+          <a:fillRef idx="3">
+            <a:schemeClr val="accent6"/>
+          </a:fillRef>
+          <a:effectRef idx="2">
+            <a:schemeClr val="accent6"/>
+          </a:effectRef>
+          <a:fontRef idx="minor">
+            <a:schemeClr val="lt1"/>
+          </a:fontRef>
+        </p:style>
+        <p:txBody>
+          <a:bodyPr rtlCol="0" anchor="ctr"/>
+          <a:lstStyle/>
+          <a:p>
+            <a:pPr algn="ctr"/>
+            <a:endParaRPr lang="fr-FR"/>
+          </a:p>
+        </p:txBody>
+      </p:sp>
+      <p:sp>
+        <p:nvSpPr>
+          <p:cNvPr id="33" name="Triangle isocèle 32"/>
+          <p:cNvSpPr/>
+          <p:nvPr/>
+        </p:nvSpPr>
+        <p:spPr>
+          <a:xfrm>
+            <a:off x="6429388" y="4763168"/>
+            <a:ext cx="133352" cy="652466"/>
+          </a:xfrm>
+          <a:prstGeom prst="triangle">
+            <a:avLst/>
+          </a:prstGeom>
+        </p:spPr>
+        <p:style>
+          <a:lnRef idx="1">
+            <a:schemeClr val="accent6"/>
+          </a:lnRef>
+          <a:fillRef idx="3">
+            <a:schemeClr val="accent6"/>
+          </a:fillRef>
+          <a:effectRef idx="2">
+            <a:schemeClr val="accent6"/>
+          </a:effectRef>
+          <a:fontRef idx="minor">
+            <a:schemeClr val="lt1"/>
+          </a:fontRef>
+        </p:style>
+        <p:txBody>
+          <a:bodyPr rtlCol="0" anchor="ctr"/>
+          <a:lstStyle/>
+          <a:p>
+            <a:pPr algn="ctr"/>
+            <a:endParaRPr lang="fr-FR"/>
+          </a:p>
+        </p:txBody>
+      </p:sp>
+      <p:cxnSp>
+        <p:nvCxnSpPr>
+          <p:cNvPr id="34" name="Forme 33"/>
+          <p:cNvCxnSpPr>
+            <a:endCxn id="32" idx="3"/>
+          </p:cNvCxnSpPr>
+          <p:nvPr/>
+        </p:nvCxnSpPr>
+        <p:spPr>
+          <a:xfrm flipV="1">
+            <a:off x="1500166" y="5415634"/>
+            <a:ext cx="638180" cy="419104"/>
+          </a:xfrm>
+          <a:prstGeom prst="bentConnector2">
+            <a:avLst/>
+          </a:prstGeom>
+          <a:ln>
+            <a:tailEnd type="arrow"/>
+          </a:ln>
+        </p:spPr>
+        <p:style>
+          <a:lnRef idx="1">
+            <a:schemeClr val="dk1"/>
+          </a:lnRef>
+          <a:fillRef idx="0">
+            <a:schemeClr val="dk1"/>
+          </a:fillRef>
+          <a:effectRef idx="0">
+            <a:schemeClr val="dk1"/>
+          </a:effectRef>
+          <a:fontRef idx="minor">
+            <a:schemeClr val="tx1"/>
+          </a:fontRef>
+        </p:style>
+      </p:cxnSp>
+      <p:cxnSp>
+        <p:nvCxnSpPr>
+          <p:cNvPr id="35" name="Forme 34"/>
+          <p:cNvCxnSpPr>
+            <a:endCxn id="27" idx="3"/>
+          </p:cNvCxnSpPr>
+          <p:nvPr/>
+        </p:nvCxnSpPr>
+        <p:spPr>
+          <a:xfrm rot="10800000">
+            <a:off x="3000364" y="5406110"/>
+            <a:ext cx="571504" cy="428628"/>
+          </a:xfrm>
+          <a:prstGeom prst="bentConnector2">
+            <a:avLst/>
+          </a:prstGeom>
+          <a:ln>
+            <a:tailEnd type="arrow"/>
+          </a:ln>
+        </p:spPr>
+        <p:style>
+          <a:lnRef idx="1">
+            <a:schemeClr val="dk1"/>
+          </a:lnRef>
+          <a:fillRef idx="0">
+            <a:schemeClr val="dk1"/>
+          </a:fillRef>
+          <a:effectRef idx="0">
+            <a:schemeClr val="dk1"/>
+          </a:effectRef>
+          <a:fontRef idx="minor">
+            <a:schemeClr val="tx1"/>
+          </a:fontRef>
+        </p:style>
+      </p:cxnSp>
+      <p:sp>
+        <p:nvSpPr>
+          <p:cNvPr id="36" name="ZoneTexte 35"/>
+          <p:cNvSpPr txBox="1"/>
+          <p:nvPr/>
+        </p:nvSpPr>
+        <p:spPr>
+          <a:xfrm>
+            <a:off x="1071538" y="5548986"/>
+            <a:ext cx="1000132" cy="523220"/>
+          </a:xfrm>
+          <a:prstGeom prst="rect">
+            <a:avLst/>
+          </a:prstGeom>
+          <a:noFill/>
+        </p:spPr>
+        <p:txBody>
+          <a:bodyPr wrap="square" rtlCol="0">
+            <a:spAutoFit/>
+          </a:bodyPr>
+          <a:lstStyle/>
+          <a:p>
+            <a:r>
+              <a:rPr lang="fr-FR" sz="1400" dirty="0" err="1" smtClean="0"/>
+              <a:t>Peak</a:t>
+            </a:r>
+            <a:r>
+              <a:rPr lang="fr-FR" sz="1400" dirty="0" smtClean="0"/>
+              <a:t> on speaker</a:t>
+            </a:r>
+          </a:p>
+        </p:txBody>
+      </p:sp>
+      <p:sp>
+        <p:nvSpPr>
+          <p:cNvPr id="37" name="ZoneTexte 36"/>
+          <p:cNvSpPr txBox="1"/>
+          <p:nvPr/>
+        </p:nvSpPr>
+        <p:spPr>
+          <a:xfrm>
+            <a:off x="3214678" y="5548986"/>
+            <a:ext cx="1143008" cy="523220"/>
+          </a:xfrm>
+          <a:prstGeom prst="rect">
+            <a:avLst/>
+          </a:prstGeom>
+          <a:noFill/>
+        </p:spPr>
+        <p:txBody>
+          <a:bodyPr wrap="square" rtlCol="0">
+            <a:spAutoFit/>
+          </a:bodyPr>
+          <a:lstStyle/>
+          <a:p>
+            <a:r>
+              <a:rPr lang="fr-FR" sz="1400" dirty="0" smtClean="0"/>
+              <a:t>Time of </a:t>
+            </a:r>
+            <a:r>
+              <a:rPr lang="fr-FR" sz="1400" dirty="0" err="1" smtClean="0"/>
+              <a:t>detection</a:t>
+            </a:r>
+            <a:endParaRPr lang="fr-FR" sz="1400" dirty="0"/>
+          </a:p>
+        </p:txBody>
+      </p:sp>
+      <p:cxnSp>
+        <p:nvCxnSpPr>
+          <p:cNvPr id="38" name="Forme 37"/>
+          <p:cNvCxnSpPr/>
+          <p:nvPr/>
+        </p:nvCxnSpPr>
+        <p:spPr>
+          <a:xfrm rot="10800000" flipV="1">
+            <a:off x="6215074" y="4500570"/>
+            <a:ext cx="1219208" cy="262598"/>
+          </a:xfrm>
+          <a:prstGeom prst="bentConnector2">
+            <a:avLst/>
+          </a:prstGeom>
+          <a:ln>
+            <a:tailEnd type="arrow"/>
+          </a:ln>
+        </p:spPr>
+        <p:style>
+          <a:lnRef idx="1">
+            <a:schemeClr val="accent1"/>
+          </a:lnRef>
+          <a:fillRef idx="0">
+            <a:schemeClr val="accent1"/>
+          </a:fillRef>
+          <a:effectRef idx="0">
+            <a:schemeClr val="accent1"/>
+          </a:effectRef>
+          <a:fontRef idx="minor">
+            <a:schemeClr val="tx1"/>
+          </a:fontRef>
+        </p:style>
+      </p:cxnSp>
+      <p:sp>
+        <p:nvSpPr>
+          <p:cNvPr id="39" name="ZoneTexte 38"/>
+          <p:cNvSpPr txBox="1"/>
+          <p:nvPr/>
+        </p:nvSpPr>
+        <p:spPr>
+          <a:xfrm>
+            <a:off x="6786578" y="4214818"/>
+            <a:ext cx="1571636" cy="307777"/>
+          </a:xfrm>
+          <a:prstGeom prst="rect">
+            <a:avLst/>
+          </a:prstGeom>
+          <a:noFill/>
+        </p:spPr>
+        <p:txBody>
+          <a:bodyPr wrap="square" rtlCol="0">
+            <a:spAutoFit/>
+          </a:bodyPr>
+          <a:lstStyle/>
+          <a:p>
+            <a:r>
+              <a:rPr lang="fr-FR" sz="1400" dirty="0" smtClean="0"/>
+              <a:t>Output </a:t>
+            </a:r>
+            <a:r>
+              <a:rPr lang="fr-FR" sz="1400" dirty="0" err="1" smtClean="0"/>
+              <a:t>Latency</a:t>
+            </a:r>
+            <a:endParaRPr lang="fr-FR" sz="1400" dirty="0"/>
+          </a:p>
+        </p:txBody>
+      </p:sp>
+      <p:cxnSp>
+        <p:nvCxnSpPr>
+          <p:cNvPr id="41" name="Forme 40"/>
+          <p:cNvCxnSpPr/>
+          <p:nvPr/>
+        </p:nvCxnSpPr>
+        <p:spPr>
+          <a:xfrm>
+            <a:off x="1571604" y="4500570"/>
+            <a:ext cx="923932" cy="262598"/>
+          </a:xfrm>
+          <a:prstGeom prst="bentConnector2">
+            <a:avLst/>
+          </a:prstGeom>
+          <a:ln>
+            <a:tailEnd type="arrow"/>
+          </a:ln>
+        </p:spPr>
+        <p:style>
+          <a:lnRef idx="1">
+            <a:schemeClr val="accent1"/>
+          </a:lnRef>
+          <a:fillRef idx="0">
+            <a:schemeClr val="accent1"/>
+          </a:fillRef>
+          <a:effectRef idx="0">
+            <a:schemeClr val="accent1"/>
+          </a:effectRef>
+          <a:fontRef idx="minor">
+            <a:schemeClr val="tx1"/>
+          </a:fontRef>
+        </p:style>
+      </p:cxnSp>
+      <p:sp>
+        <p:nvSpPr>
+          <p:cNvPr id="42" name="ZoneTexte 41"/>
+          <p:cNvSpPr txBox="1"/>
+          <p:nvPr/>
+        </p:nvSpPr>
+        <p:spPr>
+          <a:xfrm>
+            <a:off x="1000100" y="4214818"/>
+            <a:ext cx="1571636" cy="307777"/>
+          </a:xfrm>
+          <a:prstGeom prst="rect">
+            <a:avLst/>
+          </a:prstGeom>
+          <a:noFill/>
+        </p:spPr>
+        <p:txBody>
+          <a:bodyPr wrap="square" rtlCol="0">
+            <a:spAutoFit/>
+          </a:bodyPr>
+          <a:lstStyle/>
+          <a:p>
+            <a:r>
+              <a:rPr lang="fr-FR" sz="1400" dirty="0" smtClean="0"/>
+              <a:t>Input </a:t>
+            </a:r>
+            <a:r>
+              <a:rPr lang="fr-FR" sz="1400" dirty="0" err="1" smtClean="0"/>
+              <a:t>Latency</a:t>
+            </a:r>
+            <a:endParaRPr lang="fr-FR" sz="1400" dirty="0"/>
+          </a:p>
+        </p:txBody>
+      </p:sp>
+      <p:cxnSp>
+        <p:nvCxnSpPr>
+          <p:cNvPr id="43" name="Connecteur droit avec flèche 42"/>
+          <p:cNvCxnSpPr>
+            <a:stCxn id="32" idx="5"/>
+            <a:endCxn id="33" idx="1"/>
+          </p:cNvCxnSpPr>
+          <p:nvPr/>
+        </p:nvCxnSpPr>
+        <p:spPr>
+          <a:xfrm>
+            <a:off x="2171684" y="5089401"/>
+            <a:ext cx="4291042" cy="1588"/>
+          </a:xfrm>
+          <a:prstGeom prst="straightConnector1">
+            <a:avLst/>
+          </a:prstGeom>
+          <a:ln>
+            <a:headEnd type="arrow"/>
+            <a:tailEnd type="arrow"/>
+          </a:ln>
+        </p:spPr>
+        <p:style>
+          <a:lnRef idx="3">
+            <a:schemeClr val="accent4"/>
+          </a:lnRef>
+          <a:fillRef idx="0">
+            <a:schemeClr val="accent4"/>
+          </a:fillRef>
+          <a:effectRef idx="2">
+            <a:schemeClr val="accent4"/>
+          </a:effectRef>
+          <a:fontRef idx="minor">
+            <a:schemeClr val="tx1"/>
+          </a:fontRef>
+        </p:style>
+      </p:cxnSp>
+      <p:cxnSp>
+        <p:nvCxnSpPr>
+          <p:cNvPr id="44" name="Connecteur droit avec flèche 43"/>
+          <p:cNvCxnSpPr/>
+          <p:nvPr/>
+        </p:nvCxnSpPr>
+        <p:spPr>
+          <a:xfrm>
+            <a:off x="3000364" y="4477416"/>
+            <a:ext cx="2857520" cy="1588"/>
+          </a:xfrm>
+          <a:prstGeom prst="straightConnector1">
+            <a:avLst/>
+          </a:prstGeom>
+          <a:ln>
+            <a:headEnd type="arrow"/>
+            <a:tailEnd type="arrow"/>
+          </a:ln>
+        </p:spPr>
+        <p:style>
+          <a:lnRef idx="3">
+            <a:schemeClr val="accent4"/>
+          </a:lnRef>
+          <a:fillRef idx="0">
+            <a:schemeClr val="accent4"/>
+          </a:fillRef>
+          <a:effectRef idx="2">
+            <a:schemeClr val="accent4"/>
+          </a:effectRef>
+          <a:fontRef idx="minor">
+            <a:schemeClr val="tx1"/>
+          </a:fontRef>
+        </p:style>
+      </p:cxnSp>
+      <p:cxnSp>
+        <p:nvCxnSpPr>
+          <p:cNvPr id="58" name="Connecteur droit avec flèche 57"/>
+          <p:cNvCxnSpPr/>
+          <p:nvPr/>
+        </p:nvCxnSpPr>
+        <p:spPr>
+          <a:xfrm rot="16200000" flipV="1">
+            <a:off x="4108341" y="5607171"/>
+            <a:ext cx="928694" cy="1376"/>
+          </a:xfrm>
+          <a:prstGeom prst="straightConnector1">
+            <a:avLst/>
+          </a:prstGeom>
+          <a:ln>
+            <a:tailEnd type="arrow"/>
+          </a:ln>
+        </p:spPr>
+        <p:style>
+          <a:lnRef idx="1">
+            <a:schemeClr val="accent1"/>
+          </a:lnRef>
+          <a:fillRef idx="0">
+            <a:schemeClr val="accent1"/>
+          </a:fillRef>
+          <a:effectRef idx="0">
+            <a:schemeClr val="accent1"/>
+          </a:effectRef>
+          <a:fontRef idx="minor">
+            <a:schemeClr val="tx1"/>
+          </a:fontRef>
+        </p:style>
+      </p:cxnSp>
+      <p:sp>
+        <p:nvSpPr>
+          <p:cNvPr id="61" name="ZoneTexte 60"/>
+          <p:cNvSpPr txBox="1"/>
+          <p:nvPr/>
+        </p:nvSpPr>
+        <p:spPr>
+          <a:xfrm>
+            <a:off x="3714744" y="6072206"/>
+            <a:ext cx="1857388" cy="369332"/>
+          </a:xfrm>
+          <a:prstGeom prst="rect">
+            <a:avLst/>
+          </a:prstGeom>
+          <a:noFill/>
+        </p:spPr>
+        <p:txBody>
+          <a:bodyPr wrap="square" rtlCol="0">
+            <a:spAutoFit/>
+          </a:bodyPr>
+          <a:lstStyle/>
+          <a:p>
+            <a:r>
+              <a:rPr lang="fr-FR" dirty="0" smtClean="0">
+                <a:solidFill>
+                  <a:srgbClr val="FF0000"/>
+                </a:solidFill>
+              </a:rPr>
+              <a:t>Must </a:t>
+            </a:r>
+            <a:r>
+              <a:rPr lang="fr-FR" dirty="0" err="1" smtClean="0">
+                <a:solidFill>
+                  <a:srgbClr val="FF0000"/>
+                </a:solidFill>
+              </a:rPr>
+              <a:t>be</a:t>
+            </a:r>
+            <a:r>
+              <a:rPr lang="fr-FR" dirty="0" smtClean="0">
+                <a:solidFill>
+                  <a:srgbClr val="FF0000"/>
+                </a:solidFill>
+              </a:rPr>
+              <a:t> 1 sec</a:t>
+            </a:r>
+            <a:endParaRPr lang="fr-FR" dirty="0">
+              <a:solidFill>
+                <a:srgbClr val="FF0000"/>
+              </a:solidFill>
+            </a:endParaRPr>
+          </a:p>
+        </p:txBody>
+      </p:sp>
+      <p:cxnSp>
+        <p:nvCxnSpPr>
+          <p:cNvPr id="62" name="Connecteur droit avec flèche 61"/>
+          <p:cNvCxnSpPr/>
+          <p:nvPr/>
+        </p:nvCxnSpPr>
+        <p:spPr>
+          <a:xfrm rot="5400000">
+            <a:off x="4072463" y="4142851"/>
+            <a:ext cx="714380" cy="1058"/>
+          </a:xfrm>
+          <a:prstGeom prst="straightConnector1">
+            <a:avLst/>
+          </a:prstGeom>
+          <a:ln>
+            <a:tailEnd type="arrow"/>
+          </a:ln>
+        </p:spPr>
+        <p:style>
+          <a:lnRef idx="1">
+            <a:schemeClr val="accent1"/>
+          </a:lnRef>
+          <a:fillRef idx="0">
+            <a:schemeClr val="accent1"/>
+          </a:fillRef>
+          <a:effectRef idx="0">
+            <a:schemeClr val="accent1"/>
+          </a:effectRef>
+          <a:fontRef idx="minor">
+            <a:schemeClr val="tx1"/>
+          </a:fontRef>
+        </p:style>
+      </p:cxnSp>
+      <p:sp>
+        <p:nvSpPr>
+          <p:cNvPr id="64" name="ZoneTexte 63"/>
+          <p:cNvSpPr txBox="1"/>
+          <p:nvPr/>
+        </p:nvSpPr>
+        <p:spPr>
+          <a:xfrm>
+            <a:off x="3071802" y="3429000"/>
+            <a:ext cx="3143272" cy="369332"/>
+          </a:xfrm>
+          <a:prstGeom prst="rect">
+            <a:avLst/>
+          </a:prstGeom>
+          <a:noFill/>
+        </p:spPr>
+        <p:txBody>
+          <a:bodyPr wrap="square" rtlCol="0">
+            <a:spAutoFit/>
+          </a:bodyPr>
+          <a:lstStyle/>
+          <a:p>
+            <a:r>
+              <a:rPr lang="fr-FR" dirty="0" smtClean="0"/>
+              <a:t>1 second </a:t>
+            </a:r>
+            <a:r>
+              <a:rPr lang="fr-FR" dirty="0" err="1" smtClean="0"/>
+              <a:t>less</a:t>
+            </a:r>
+            <a:r>
+              <a:rPr lang="fr-FR" dirty="0" smtClean="0"/>
+              <a:t> total </a:t>
+            </a:r>
+            <a:r>
+              <a:rPr lang="fr-FR" dirty="0" err="1" smtClean="0"/>
+              <a:t>latency</a:t>
+            </a:r>
+            <a:endParaRPr lang="fr-FR" dirty="0"/>
+          </a:p>
+        </p:txBody>
+      </p:sp>
+    </p:spTree>
+  </p:cSld>
+  <p:clrMapOvr>
+    <a:masterClrMapping/>
+  </p:clrMapOvr>
+  <p:timing>
+    <p:tnLst>
+      <p:par>
+        <p:cTn id="1" dur="indefinite" restart="never" nodeType="tmRoot">
+          <p:childTnLst>
+            <p:seq concurrent="1" nextAc="seek">
+              <p:cTn id="2" dur="indefinite" nodeType="mainSeq">
+                <p:childTnLst>
+                  <p:par>
+                    <p:cTn id="3" fill="hold">
+                      <p:stCondLst>
+                        <p:cond delay="indefinite"/>
+                      </p:stCondLst>
+                      <p:childTnLst>
+                        <p:par>
+                          <p:cTn id="4" fill="hold">
+                            <p:stCondLst>
+                              <p:cond delay="0"/>
+                            </p:stCondLst>
+                            <p:childTnLst>
+                              <p:par>
+                                <p:cTn id="5" presetID="10" presetClass="entr" presetSubtype="0" fill="hold" grpId="0" nodeType="clickEffect">
+                                  <p:stCondLst>
+                                    <p:cond delay="0"/>
+                                  </p:stCondLst>
+                                  <p:childTnLst>
+                                    <p:set>
+                                      <p:cBhvr>
+                                        <p:cTn id="6" dur="1" fill="hold">
+                                          <p:stCondLst>
+                                            <p:cond delay="0"/>
+                                          </p:stCondLst>
+                                        </p:cTn>
+                                        <p:tgtEl>
+                                          <p:spTgt spid="32"/>
+                                        </p:tgtEl>
+                                        <p:attrNameLst>
+                                          <p:attrName>style.visibility</p:attrName>
+                                        </p:attrNameLst>
+                                      </p:cBhvr>
+                                      <p:to>
+                                        <p:strVal val="visible"/>
+                                      </p:to>
+                                    </p:set>
+                                    <p:animEffect transition="in" filter="fade">
+                                      <p:cBhvr>
+                                        <p:cTn id="7" dur="500"/>
+                                        <p:tgtEl>
+                                          <p:spTgt spid="32"/>
+                                        </p:tgtEl>
+                                      </p:cBhvr>
+                                    </p:animEffect>
+                                  </p:childTnLst>
+                                </p:cTn>
+                              </p:par>
+                              <p:par>
+                                <p:cTn id="8" presetID="10" presetClass="entr" presetSubtype="0" fill="hold" nodeType="withEffect">
+                                  <p:stCondLst>
+                                    <p:cond delay="0"/>
+                                  </p:stCondLst>
+                                  <p:childTnLst>
+                                    <p:set>
+                                      <p:cBhvr>
+                                        <p:cTn id="9" dur="1" fill="hold">
+                                          <p:stCondLst>
+                                            <p:cond delay="0"/>
+                                          </p:stCondLst>
+                                        </p:cTn>
+                                        <p:tgtEl>
+                                          <p:spTgt spid="34"/>
+                                        </p:tgtEl>
+                                        <p:attrNameLst>
+                                          <p:attrName>style.visibility</p:attrName>
+                                        </p:attrNameLst>
+                                      </p:cBhvr>
+                                      <p:to>
+                                        <p:strVal val="visible"/>
+                                      </p:to>
+                                    </p:set>
+                                    <p:animEffect transition="in" filter="fade">
+                                      <p:cBhvr>
+                                        <p:cTn id="10" dur="500"/>
+                                        <p:tgtEl>
+                                          <p:spTgt spid="34"/>
+                                        </p:tgtEl>
+                                      </p:cBhvr>
+                                    </p:animEffect>
+                                  </p:childTnLst>
+                                </p:cTn>
+                              </p:par>
+                              <p:par>
+                                <p:cTn id="11" presetID="10" presetClass="entr" presetSubtype="0" fill="hold" grpId="0" nodeType="withEffect">
+                                  <p:stCondLst>
+                                    <p:cond delay="0"/>
+                                  </p:stCondLst>
+                                  <p:childTnLst>
+                                    <p:set>
+                                      <p:cBhvr>
+                                        <p:cTn id="12" dur="1" fill="hold">
+                                          <p:stCondLst>
+                                            <p:cond delay="0"/>
+                                          </p:stCondLst>
+                                        </p:cTn>
+                                        <p:tgtEl>
+                                          <p:spTgt spid="36"/>
+                                        </p:tgtEl>
+                                        <p:attrNameLst>
+                                          <p:attrName>style.visibility</p:attrName>
+                                        </p:attrNameLst>
+                                      </p:cBhvr>
+                                      <p:to>
+                                        <p:strVal val="visible"/>
+                                      </p:to>
+                                    </p:set>
+                                    <p:animEffect transition="in" filter="fade">
+                                      <p:cBhvr>
+                                        <p:cTn id="13" dur="500"/>
+                                        <p:tgtEl>
+                                          <p:spTgt spid="36"/>
+                                        </p:tgtEl>
+                                      </p:cBhvr>
+                                    </p:animEffect>
+                                  </p:childTnLst>
+                                </p:cTn>
+                              </p:par>
+                            </p:childTnLst>
+                          </p:cTn>
+                        </p:par>
+                      </p:childTnLst>
+                    </p:cTn>
+                  </p:par>
+                  <p:par>
+                    <p:cTn id="14" fill="hold">
+                      <p:stCondLst>
+                        <p:cond delay="indefinite"/>
+                      </p:stCondLst>
+                      <p:childTnLst>
+                        <p:par>
+                          <p:cTn id="15" fill="hold">
+                            <p:stCondLst>
+                              <p:cond delay="0"/>
+                            </p:stCondLst>
+                            <p:childTnLst>
+                              <p:par>
+                                <p:cTn id="16" presetID="10" presetClass="entr" presetSubtype="0" fill="hold" nodeType="clickEffect">
+                                  <p:stCondLst>
+                                    <p:cond delay="0"/>
+                                  </p:stCondLst>
+                                  <p:childTnLst>
+                                    <p:set>
+                                      <p:cBhvr>
+                                        <p:cTn id="17" dur="1" fill="hold">
+                                          <p:stCondLst>
+                                            <p:cond delay="0"/>
+                                          </p:stCondLst>
+                                        </p:cTn>
+                                        <p:tgtEl>
+                                          <p:spTgt spid="30"/>
+                                        </p:tgtEl>
+                                        <p:attrNameLst>
+                                          <p:attrName>style.visibility</p:attrName>
+                                        </p:attrNameLst>
+                                      </p:cBhvr>
+                                      <p:to>
+                                        <p:strVal val="visible"/>
+                                      </p:to>
+                                    </p:set>
+                                    <p:animEffect transition="in" filter="fade">
+                                      <p:cBhvr>
+                                        <p:cTn id="18" dur="2000"/>
+                                        <p:tgtEl>
+                                          <p:spTgt spid="30"/>
+                                        </p:tgtEl>
+                                      </p:cBhvr>
+                                    </p:animEffect>
+                                  </p:childTnLst>
+                                </p:cTn>
+                              </p:par>
+                              <p:par>
+                                <p:cTn id="19" presetID="10" presetClass="entr" presetSubtype="0" fill="hold" nodeType="withEffect">
+                                  <p:stCondLst>
+                                    <p:cond delay="0"/>
+                                  </p:stCondLst>
+                                  <p:childTnLst>
+                                    <p:set>
+                                      <p:cBhvr>
+                                        <p:cTn id="20" dur="1" fill="hold">
+                                          <p:stCondLst>
+                                            <p:cond delay="0"/>
+                                          </p:stCondLst>
+                                        </p:cTn>
+                                        <p:tgtEl>
+                                          <p:spTgt spid="41"/>
+                                        </p:tgtEl>
+                                        <p:attrNameLst>
+                                          <p:attrName>style.visibility</p:attrName>
+                                        </p:attrNameLst>
+                                      </p:cBhvr>
+                                      <p:to>
+                                        <p:strVal val="visible"/>
+                                      </p:to>
+                                    </p:set>
+                                    <p:animEffect transition="in" filter="fade">
+                                      <p:cBhvr>
+                                        <p:cTn id="21" dur="2000"/>
+                                        <p:tgtEl>
+                                          <p:spTgt spid="41"/>
+                                        </p:tgtEl>
+                                      </p:cBhvr>
+                                    </p:animEffect>
+                                  </p:childTnLst>
+                                </p:cTn>
+                              </p:par>
+                              <p:par>
+                                <p:cTn id="22" presetID="10" presetClass="entr" presetSubtype="0" fill="hold" grpId="0" nodeType="withEffect">
+                                  <p:stCondLst>
+                                    <p:cond delay="0"/>
+                                  </p:stCondLst>
+                                  <p:childTnLst>
+                                    <p:set>
+                                      <p:cBhvr>
+                                        <p:cTn id="23" dur="1" fill="hold">
+                                          <p:stCondLst>
+                                            <p:cond delay="0"/>
+                                          </p:stCondLst>
+                                        </p:cTn>
+                                        <p:tgtEl>
+                                          <p:spTgt spid="42"/>
+                                        </p:tgtEl>
+                                        <p:attrNameLst>
+                                          <p:attrName>style.visibility</p:attrName>
+                                        </p:attrNameLst>
+                                      </p:cBhvr>
+                                      <p:to>
+                                        <p:strVal val="visible"/>
+                                      </p:to>
+                                    </p:set>
+                                    <p:animEffect transition="in" filter="fade">
+                                      <p:cBhvr>
+                                        <p:cTn id="24" dur="2000"/>
+                                        <p:tgtEl>
+                                          <p:spTgt spid="42"/>
+                                        </p:tgtEl>
+                                      </p:cBhvr>
+                                    </p:animEffect>
+                                  </p:childTnLst>
+                                </p:cTn>
+                              </p:par>
+                              <p:par>
+                                <p:cTn id="25" presetID="10" presetClass="entr" presetSubtype="0" fill="hold" grpId="0" nodeType="withEffect">
+                                  <p:stCondLst>
+                                    <p:cond delay="0"/>
+                                  </p:stCondLst>
+                                  <p:childTnLst>
+                                    <p:set>
+                                      <p:cBhvr>
+                                        <p:cTn id="26" dur="1" fill="hold">
+                                          <p:stCondLst>
+                                            <p:cond delay="0"/>
+                                          </p:stCondLst>
+                                        </p:cTn>
+                                        <p:tgtEl>
+                                          <p:spTgt spid="27"/>
+                                        </p:tgtEl>
+                                        <p:attrNameLst>
+                                          <p:attrName>style.visibility</p:attrName>
+                                        </p:attrNameLst>
+                                      </p:cBhvr>
+                                      <p:to>
+                                        <p:strVal val="visible"/>
+                                      </p:to>
+                                    </p:set>
+                                    <p:animEffect transition="in" filter="fade">
+                                      <p:cBhvr>
+                                        <p:cTn id="27" dur="2000"/>
+                                        <p:tgtEl>
+                                          <p:spTgt spid="27"/>
+                                        </p:tgtEl>
+                                      </p:cBhvr>
+                                    </p:animEffect>
+                                  </p:childTnLst>
+                                </p:cTn>
+                              </p:par>
+                              <p:par>
+                                <p:cTn id="28" presetID="10" presetClass="entr" presetSubtype="0" fill="hold" nodeType="withEffect">
+                                  <p:stCondLst>
+                                    <p:cond delay="0"/>
+                                  </p:stCondLst>
+                                  <p:childTnLst>
+                                    <p:set>
+                                      <p:cBhvr>
+                                        <p:cTn id="29" dur="1" fill="hold">
+                                          <p:stCondLst>
+                                            <p:cond delay="0"/>
+                                          </p:stCondLst>
+                                        </p:cTn>
+                                        <p:tgtEl>
+                                          <p:spTgt spid="35"/>
+                                        </p:tgtEl>
+                                        <p:attrNameLst>
+                                          <p:attrName>style.visibility</p:attrName>
+                                        </p:attrNameLst>
+                                      </p:cBhvr>
+                                      <p:to>
+                                        <p:strVal val="visible"/>
+                                      </p:to>
+                                    </p:set>
+                                    <p:animEffect transition="in" filter="fade">
+                                      <p:cBhvr>
+                                        <p:cTn id="30" dur="2000"/>
+                                        <p:tgtEl>
+                                          <p:spTgt spid="35"/>
+                                        </p:tgtEl>
+                                      </p:cBhvr>
+                                    </p:animEffect>
+                                  </p:childTnLst>
+                                </p:cTn>
+                              </p:par>
+                              <p:par>
+                                <p:cTn id="31" presetID="10" presetClass="entr" presetSubtype="0" fill="hold" grpId="0" nodeType="withEffect">
+                                  <p:stCondLst>
+                                    <p:cond delay="0"/>
+                                  </p:stCondLst>
+                                  <p:childTnLst>
+                                    <p:set>
+                                      <p:cBhvr>
+                                        <p:cTn id="32" dur="1" fill="hold">
+                                          <p:stCondLst>
+                                            <p:cond delay="0"/>
+                                          </p:stCondLst>
+                                        </p:cTn>
+                                        <p:tgtEl>
+                                          <p:spTgt spid="37"/>
+                                        </p:tgtEl>
+                                        <p:attrNameLst>
+                                          <p:attrName>style.visibility</p:attrName>
+                                        </p:attrNameLst>
+                                      </p:cBhvr>
+                                      <p:to>
+                                        <p:strVal val="visible"/>
+                                      </p:to>
+                                    </p:set>
+                                    <p:animEffect transition="in" filter="fade">
+                                      <p:cBhvr>
+                                        <p:cTn id="33" dur="2000"/>
+                                        <p:tgtEl>
+                                          <p:spTgt spid="37"/>
+                                        </p:tgtEl>
+                                      </p:cBhvr>
+                                    </p:animEffect>
+                                  </p:childTnLst>
+                                </p:cTn>
+                              </p:par>
+                            </p:childTnLst>
+                          </p:cTn>
+                        </p:par>
+                      </p:childTnLst>
+                    </p:cTn>
+                  </p:par>
+                  <p:par>
+                    <p:cTn id="34" fill="hold">
+                      <p:stCondLst>
+                        <p:cond delay="indefinite"/>
+                      </p:stCondLst>
+                      <p:childTnLst>
+                        <p:par>
+                          <p:cTn id="35" fill="hold">
+                            <p:stCondLst>
+                              <p:cond delay="0"/>
+                            </p:stCondLst>
+                            <p:childTnLst>
+                              <p:par>
+                                <p:cTn id="36" presetID="10" presetClass="entr" presetSubtype="0" fill="hold" nodeType="clickEffect">
+                                  <p:stCondLst>
+                                    <p:cond delay="0"/>
+                                  </p:stCondLst>
+                                  <p:childTnLst>
+                                    <p:set>
+                                      <p:cBhvr>
+                                        <p:cTn id="37" dur="1" fill="hold">
+                                          <p:stCondLst>
+                                            <p:cond delay="0"/>
+                                          </p:stCondLst>
+                                        </p:cTn>
+                                        <p:tgtEl>
+                                          <p:spTgt spid="43"/>
+                                        </p:tgtEl>
+                                        <p:attrNameLst>
+                                          <p:attrName>style.visibility</p:attrName>
+                                        </p:attrNameLst>
+                                      </p:cBhvr>
+                                      <p:to>
+                                        <p:strVal val="visible"/>
+                                      </p:to>
+                                    </p:set>
+                                    <p:animEffect transition="in" filter="fade">
+                                      <p:cBhvr>
+                                        <p:cTn id="38" dur="500"/>
+                                        <p:tgtEl>
+                                          <p:spTgt spid="43"/>
+                                        </p:tgtEl>
+                                      </p:cBhvr>
+                                    </p:animEffect>
+                                  </p:childTnLst>
+                                </p:cTn>
+                              </p:par>
+                              <p:par>
+                                <p:cTn id="39" presetID="10" presetClass="entr" presetSubtype="0" fill="hold" grpId="0" nodeType="withEffect">
+                                  <p:stCondLst>
+                                    <p:cond delay="0"/>
+                                  </p:stCondLst>
+                                  <p:childTnLst>
+                                    <p:set>
+                                      <p:cBhvr>
+                                        <p:cTn id="40" dur="1" fill="hold">
+                                          <p:stCondLst>
+                                            <p:cond delay="0"/>
+                                          </p:stCondLst>
+                                        </p:cTn>
+                                        <p:tgtEl>
+                                          <p:spTgt spid="33"/>
+                                        </p:tgtEl>
+                                        <p:attrNameLst>
+                                          <p:attrName>style.visibility</p:attrName>
+                                        </p:attrNameLst>
+                                      </p:cBhvr>
+                                      <p:to>
+                                        <p:strVal val="visible"/>
+                                      </p:to>
+                                    </p:set>
+                                    <p:animEffect transition="in" filter="fade">
+                                      <p:cBhvr>
+                                        <p:cTn id="41" dur="500"/>
+                                        <p:tgtEl>
+                                          <p:spTgt spid="33"/>
+                                        </p:tgtEl>
+                                      </p:cBhvr>
+                                    </p:animEffect>
+                                  </p:childTnLst>
+                                </p:cTn>
+                              </p:par>
+                              <p:par>
+                                <p:cTn id="42" presetID="10" presetClass="entr" presetSubtype="0" fill="hold" nodeType="withEffect">
+                                  <p:stCondLst>
+                                    <p:cond delay="0"/>
+                                  </p:stCondLst>
+                                  <p:childTnLst>
+                                    <p:set>
+                                      <p:cBhvr>
+                                        <p:cTn id="43" dur="1" fill="hold">
+                                          <p:stCondLst>
+                                            <p:cond delay="0"/>
+                                          </p:stCondLst>
+                                        </p:cTn>
+                                        <p:tgtEl>
+                                          <p:spTgt spid="58"/>
+                                        </p:tgtEl>
+                                        <p:attrNameLst>
+                                          <p:attrName>style.visibility</p:attrName>
+                                        </p:attrNameLst>
+                                      </p:cBhvr>
+                                      <p:to>
+                                        <p:strVal val="visible"/>
+                                      </p:to>
+                                    </p:set>
+                                    <p:animEffect transition="in" filter="fade">
+                                      <p:cBhvr>
+                                        <p:cTn id="44" dur="500"/>
+                                        <p:tgtEl>
+                                          <p:spTgt spid="58"/>
+                                        </p:tgtEl>
+                                      </p:cBhvr>
+                                    </p:animEffect>
+                                  </p:childTnLst>
+                                </p:cTn>
+                              </p:par>
+                              <p:par>
+                                <p:cTn id="45" presetID="10" presetClass="entr" presetSubtype="0" fill="hold" grpId="0" nodeType="withEffect">
+                                  <p:stCondLst>
+                                    <p:cond delay="0"/>
+                                  </p:stCondLst>
+                                  <p:childTnLst>
+                                    <p:set>
+                                      <p:cBhvr>
+                                        <p:cTn id="46" dur="1" fill="hold">
+                                          <p:stCondLst>
+                                            <p:cond delay="0"/>
+                                          </p:stCondLst>
+                                        </p:cTn>
+                                        <p:tgtEl>
+                                          <p:spTgt spid="61"/>
+                                        </p:tgtEl>
+                                        <p:attrNameLst>
+                                          <p:attrName>style.visibility</p:attrName>
+                                        </p:attrNameLst>
+                                      </p:cBhvr>
+                                      <p:to>
+                                        <p:strVal val="visible"/>
+                                      </p:to>
+                                    </p:set>
+                                    <p:animEffect transition="in" filter="fade">
+                                      <p:cBhvr>
+                                        <p:cTn id="47" dur="500"/>
+                                        <p:tgtEl>
+                                          <p:spTgt spid="61"/>
+                                        </p:tgtEl>
+                                      </p:cBhvr>
+                                    </p:animEffect>
+                                  </p:childTnLst>
+                                </p:cTn>
+                              </p:par>
+                            </p:childTnLst>
+                          </p:cTn>
+                        </p:par>
+                      </p:childTnLst>
+                    </p:cTn>
+                  </p:par>
+                  <p:par>
+                    <p:cTn id="48" fill="hold">
+                      <p:stCondLst>
+                        <p:cond delay="indefinite"/>
+                      </p:stCondLst>
+                      <p:childTnLst>
+                        <p:par>
+                          <p:cTn id="49" fill="hold">
+                            <p:stCondLst>
+                              <p:cond delay="0"/>
+                            </p:stCondLst>
+                            <p:childTnLst>
+                              <p:par>
+                                <p:cTn id="50" presetID="10" presetClass="entr" presetSubtype="0" fill="hold" grpId="0" nodeType="clickEffect">
+                                  <p:stCondLst>
+                                    <p:cond delay="0"/>
+                                  </p:stCondLst>
+                                  <p:childTnLst>
+                                    <p:set>
+                                      <p:cBhvr>
+                                        <p:cTn id="51" dur="1" fill="hold">
+                                          <p:stCondLst>
+                                            <p:cond delay="0"/>
+                                          </p:stCondLst>
+                                        </p:cTn>
+                                        <p:tgtEl>
+                                          <p:spTgt spid="39"/>
+                                        </p:tgtEl>
+                                        <p:attrNameLst>
+                                          <p:attrName>style.visibility</p:attrName>
+                                        </p:attrNameLst>
+                                      </p:cBhvr>
+                                      <p:to>
+                                        <p:strVal val="visible"/>
+                                      </p:to>
+                                    </p:set>
+                                    <p:animEffect transition="in" filter="fade">
+                                      <p:cBhvr>
+                                        <p:cTn id="52" dur="500"/>
+                                        <p:tgtEl>
+                                          <p:spTgt spid="39"/>
+                                        </p:tgtEl>
+                                      </p:cBhvr>
+                                    </p:animEffect>
+                                  </p:childTnLst>
+                                </p:cTn>
+                              </p:par>
+                              <p:par>
+                                <p:cTn id="53" presetID="10" presetClass="entr" presetSubtype="0" fill="hold" nodeType="withEffect">
+                                  <p:stCondLst>
+                                    <p:cond delay="0"/>
+                                  </p:stCondLst>
+                                  <p:childTnLst>
+                                    <p:set>
+                                      <p:cBhvr>
+                                        <p:cTn id="54" dur="1" fill="hold">
+                                          <p:stCondLst>
+                                            <p:cond delay="0"/>
+                                          </p:stCondLst>
+                                        </p:cTn>
+                                        <p:tgtEl>
+                                          <p:spTgt spid="38"/>
+                                        </p:tgtEl>
+                                        <p:attrNameLst>
+                                          <p:attrName>style.visibility</p:attrName>
+                                        </p:attrNameLst>
+                                      </p:cBhvr>
+                                      <p:to>
+                                        <p:strVal val="visible"/>
+                                      </p:to>
+                                    </p:set>
+                                    <p:animEffect transition="in" filter="fade">
+                                      <p:cBhvr>
+                                        <p:cTn id="55" dur="500"/>
+                                        <p:tgtEl>
+                                          <p:spTgt spid="38"/>
+                                        </p:tgtEl>
+                                      </p:cBhvr>
+                                    </p:animEffect>
+                                  </p:childTnLst>
+                                </p:cTn>
+                              </p:par>
+                              <p:par>
+                                <p:cTn id="56" presetID="10" presetClass="entr" presetSubtype="0" fill="hold" grpId="0" nodeType="withEffect">
+                                  <p:stCondLst>
+                                    <p:cond delay="0"/>
+                                  </p:stCondLst>
+                                  <p:childTnLst>
+                                    <p:set>
+                                      <p:cBhvr>
+                                        <p:cTn id="57" dur="1" fill="hold">
+                                          <p:stCondLst>
+                                            <p:cond delay="0"/>
+                                          </p:stCondLst>
+                                        </p:cTn>
+                                        <p:tgtEl>
+                                          <p:spTgt spid="28"/>
+                                        </p:tgtEl>
+                                        <p:attrNameLst>
+                                          <p:attrName>style.visibility</p:attrName>
+                                        </p:attrNameLst>
+                                      </p:cBhvr>
+                                      <p:to>
+                                        <p:strVal val="visible"/>
+                                      </p:to>
+                                    </p:set>
+                                    <p:animEffect transition="in" filter="fade">
+                                      <p:cBhvr>
+                                        <p:cTn id="58" dur="500"/>
+                                        <p:tgtEl>
+                                          <p:spTgt spid="28"/>
+                                        </p:tgtEl>
+                                      </p:cBhvr>
+                                    </p:animEffect>
+                                  </p:childTnLst>
+                                </p:cTn>
+                              </p:par>
+                              <p:par>
+                                <p:cTn id="59" presetID="10" presetClass="entr" presetSubtype="0" fill="hold" nodeType="withEffect">
+                                  <p:stCondLst>
+                                    <p:cond delay="0"/>
+                                  </p:stCondLst>
+                                  <p:childTnLst>
+                                    <p:set>
+                                      <p:cBhvr>
+                                        <p:cTn id="60" dur="1" fill="hold">
+                                          <p:stCondLst>
+                                            <p:cond delay="0"/>
+                                          </p:stCondLst>
+                                        </p:cTn>
+                                        <p:tgtEl>
+                                          <p:spTgt spid="29"/>
+                                        </p:tgtEl>
+                                        <p:attrNameLst>
+                                          <p:attrName>style.visibility</p:attrName>
+                                        </p:attrNameLst>
+                                      </p:cBhvr>
+                                      <p:to>
+                                        <p:strVal val="visible"/>
+                                      </p:to>
+                                    </p:set>
+                                    <p:animEffect transition="in" filter="fade">
+                                      <p:cBhvr>
+                                        <p:cTn id="61" dur="500"/>
+                                        <p:tgtEl>
+                                          <p:spTgt spid="29"/>
+                                        </p:tgtEl>
+                                      </p:cBhvr>
+                                    </p:animEffect>
+                                  </p:childTnLst>
+                                </p:cTn>
+                              </p:par>
+                            </p:childTnLst>
+                          </p:cTn>
+                        </p:par>
+                      </p:childTnLst>
+                    </p:cTn>
+                  </p:par>
+                  <p:par>
+                    <p:cTn id="62" fill="hold">
+                      <p:stCondLst>
+                        <p:cond delay="indefinite"/>
+                      </p:stCondLst>
+                      <p:childTnLst>
+                        <p:par>
+                          <p:cTn id="63" fill="hold">
+                            <p:stCondLst>
+                              <p:cond delay="0"/>
+                            </p:stCondLst>
+                            <p:childTnLst>
+                              <p:par>
+                                <p:cTn id="64" presetID="10" presetClass="entr" presetSubtype="0" fill="hold" nodeType="clickEffect">
+                                  <p:stCondLst>
+                                    <p:cond delay="0"/>
+                                  </p:stCondLst>
+                                  <p:childTnLst>
+                                    <p:set>
+                                      <p:cBhvr>
+                                        <p:cTn id="65" dur="1" fill="hold">
+                                          <p:stCondLst>
+                                            <p:cond delay="0"/>
+                                          </p:stCondLst>
+                                        </p:cTn>
+                                        <p:tgtEl>
+                                          <p:spTgt spid="44"/>
+                                        </p:tgtEl>
+                                        <p:attrNameLst>
+                                          <p:attrName>style.visibility</p:attrName>
+                                        </p:attrNameLst>
+                                      </p:cBhvr>
+                                      <p:to>
+                                        <p:strVal val="visible"/>
+                                      </p:to>
+                                    </p:set>
+                                    <p:animEffect transition="in" filter="fade">
+                                      <p:cBhvr>
+                                        <p:cTn id="66" dur="500"/>
+                                        <p:tgtEl>
+                                          <p:spTgt spid="44"/>
+                                        </p:tgtEl>
+                                      </p:cBhvr>
+                                    </p:animEffect>
+                                  </p:childTnLst>
+                                </p:cTn>
+                              </p:par>
+                              <p:par>
+                                <p:cTn id="67" presetID="10" presetClass="entr" presetSubtype="0" fill="hold" nodeType="withEffect">
+                                  <p:stCondLst>
+                                    <p:cond delay="0"/>
+                                  </p:stCondLst>
+                                  <p:childTnLst>
+                                    <p:set>
+                                      <p:cBhvr>
+                                        <p:cTn id="68" dur="1" fill="hold">
+                                          <p:stCondLst>
+                                            <p:cond delay="0"/>
+                                          </p:stCondLst>
+                                        </p:cTn>
+                                        <p:tgtEl>
+                                          <p:spTgt spid="62"/>
+                                        </p:tgtEl>
+                                        <p:attrNameLst>
+                                          <p:attrName>style.visibility</p:attrName>
+                                        </p:attrNameLst>
+                                      </p:cBhvr>
+                                      <p:to>
+                                        <p:strVal val="visible"/>
+                                      </p:to>
+                                    </p:set>
+                                    <p:animEffect transition="in" filter="fade">
+                                      <p:cBhvr>
+                                        <p:cTn id="69" dur="500"/>
+                                        <p:tgtEl>
+                                          <p:spTgt spid="62"/>
+                                        </p:tgtEl>
+                                      </p:cBhvr>
+                                    </p:animEffect>
+                                  </p:childTnLst>
+                                </p:cTn>
+                              </p:par>
+                              <p:par>
+                                <p:cTn id="70" presetID="10" presetClass="entr" presetSubtype="0" fill="hold" grpId="0" nodeType="withEffect">
+                                  <p:stCondLst>
+                                    <p:cond delay="0"/>
+                                  </p:stCondLst>
+                                  <p:childTnLst>
+                                    <p:set>
+                                      <p:cBhvr>
+                                        <p:cTn id="71" dur="1" fill="hold">
+                                          <p:stCondLst>
+                                            <p:cond delay="0"/>
+                                          </p:stCondLst>
+                                        </p:cTn>
+                                        <p:tgtEl>
+                                          <p:spTgt spid="64"/>
+                                        </p:tgtEl>
+                                        <p:attrNameLst>
+                                          <p:attrName>style.visibility</p:attrName>
+                                        </p:attrNameLst>
+                                      </p:cBhvr>
+                                      <p:to>
+                                        <p:strVal val="visible"/>
+                                      </p:to>
+                                    </p:set>
+                                    <p:animEffect transition="in" filter="fade">
+                                      <p:cBhvr>
+                                        <p:cTn id="72" dur="500"/>
+                                        <p:tgtEl>
+                                          <p:spTgt spid="64"/>
+                                        </p:tgtEl>
+                                      </p:cBhvr>
+                                    </p:animEffect>
+                                  </p:childTnLst>
+                                </p:cTn>
+                              </p:par>
+                            </p:childTnLst>
+                          </p:cTn>
+                        </p:par>
+                      </p:childTnLst>
+                    </p:cTn>
+                  </p:par>
+                </p:childTnLst>
+              </p:cTn>
+              <p:prevCondLst>
+                <p:cond evt="onPrev" delay="0">
+                  <p:tgtEl>
+                    <p:sldTgt/>
+                  </p:tgtEl>
+                </p:cond>
+              </p:prevCondLst>
+              <p:nextCondLst>
+                <p:cond evt="onNext" delay="0">
+                  <p:tgtEl>
+                    <p:sldTgt/>
+                  </p:tgtEl>
+                </p:cond>
+              </p:nextCondLst>
+            </p:seq>
+          </p:childTnLst>
+        </p:cTn>
+      </p:par>
+    </p:tnLst>
+    <p:bldLst>
+      <p:bldP spid="27" grpId="0" animBg="1"/>
+      <p:bldP spid="28" grpId="0" animBg="1"/>
+      <p:bldP spid="32" grpId="0" animBg="1"/>
+      <p:bldP spid="33" grpId="0" animBg="1"/>
+      <p:bldP spid="36" grpId="0"/>
+      <p:bldP spid="37" grpId="0"/>
+      <p:bldP spid="39" grpId="0"/>
+      <p:bldP spid="42" grpId="0"/>
+      <p:bldP spid="61" grpId="0"/>
+      <p:bldP spid="64" grpId="0"/>
+    </p:bldLst>
+  </p:timing>
 </p:sld>
 </file>
 
